--- a/Presentations/March 24, 2014/Bridge Tester.pptx
+++ b/Presentations/March 24, 2014/Bridge Tester.pptx
@@ -11,13 +11,13 @@
     <p:sldId id="256" r:id="rId2"/>
     <p:sldId id="266" r:id="rId3"/>
     <p:sldId id="268" r:id="rId4"/>
-    <p:sldId id="269" r:id="rId5"/>
-    <p:sldId id="271" r:id="rId6"/>
-    <p:sldId id="273" r:id="rId7"/>
-    <p:sldId id="274" r:id="rId8"/>
-    <p:sldId id="272" r:id="rId9"/>
-    <p:sldId id="264" r:id="rId10"/>
-    <p:sldId id="276" r:id="rId11"/>
+    <p:sldId id="279" r:id="rId5"/>
+    <p:sldId id="269" r:id="rId6"/>
+    <p:sldId id="271" r:id="rId7"/>
+    <p:sldId id="273" r:id="rId8"/>
+    <p:sldId id="274" r:id="rId9"/>
+    <p:sldId id="272" r:id="rId10"/>
+    <p:sldId id="264" r:id="rId11"/>
     <p:sldId id="275" r:id="rId12"/>
     <p:sldId id="260" r:id="rId13"/>
     <p:sldId id="262" r:id="rId14"/>
@@ -699,18 +699,6 @@
           </a:bodyPr>
           <a:lstStyle/>
           <a:p>
-            <a:r>
-              <a:rPr lang="en-US" sz="1200" b="0" i="0" u="none" strike="noStrike" kern="1200" dirty="0" smtClean="0">
-                <a:solidFill>
-                  <a:schemeClr val="tx1"/>
-                </a:solidFill>
-                <a:effectLst/>
-                <a:latin typeface="+mn-lt"/>
-                <a:ea typeface="+mn-ea"/>
-                <a:cs typeface="+mn-cs"/>
-              </a:rPr>
-              <a:t>We will discuss the background of our project and the course goals. We will also go over our solution to the selected project and show our system diagram. Areas of responsibility will be reviewed as well as a timeline and budget.</a:t>
-            </a:r>
             <a:endParaRPr dirty="0"/>
           </a:p>
         </p:txBody>
@@ -859,14 +847,6 @@
           <a:bodyPr/>
           <a:lstStyle/>
           <a:p>
-            <a:r>
-              <a:rPr lang="en-US" dirty="0" smtClean="0"/>
-              <a:t>This</a:t>
-            </a:r>
-            <a:r>
-              <a:rPr lang="en-US" baseline="0" dirty="0" smtClean="0"/>
-              <a:t> is the I2C 7-Segment display in it’s pure electrical schematic. The I2C chip used has the power required to operate 7-Segment display with the 12V power. The display it’s self is a 4in digit with 5 of these digits to vividly display the maximum load value.</a:t>
-            </a:r>
             <a:endParaRPr lang="en-US" dirty="0"/>
           </a:p>
         </p:txBody>
@@ -951,14 +931,6 @@
           <a:bodyPr/>
           <a:lstStyle/>
           <a:p>
-            <a:r>
-              <a:rPr lang="en-US" dirty="0" smtClean="0"/>
-              <a:t>The budget</a:t>
-            </a:r>
-            <a:r>
-              <a:rPr lang="en-US" baseline="0" dirty="0" smtClean="0"/>
-              <a:t> is finished and there are a lot of parts to be ordered starting this week. Testing has begun on some smaller subsystems such as the A2D converter.</a:t>
-            </a:r>
             <a:endParaRPr lang="en-US" dirty="0"/>
           </a:p>
         </p:txBody>
@@ -1082,55 +1054,7 @@
           </a:bodyPr>
           <a:lstStyle/>
           <a:p>
-            <a:r>
-              <a:rPr lang="en-US" sz="1200" b="0" i="0" u="none" strike="noStrike" kern="1200" dirty="0" smtClean="0">
-                <a:solidFill>
-                  <a:schemeClr val="tx1"/>
-                </a:solidFill>
-                <a:effectLst/>
-                <a:latin typeface="+mn-lt"/>
-                <a:ea typeface="+mn-ea"/>
-                <a:cs typeface="+mn-cs"/>
-              </a:rPr>
-              <a:t>Our project fulfills all of the requirements for the class. It has the required amount of mechanical, electrical, and software specifications. Our design fulfills the specifications of Mr. </a:t>
-            </a:r>
-            <a:r>
-              <a:rPr lang="en-US" sz="1200" b="0" i="0" u="none" strike="noStrike" kern="1200" dirty="0" err="1" smtClean="0">
-                <a:solidFill>
-                  <a:schemeClr val="tx1"/>
-                </a:solidFill>
-                <a:effectLst/>
-                <a:latin typeface="+mn-lt"/>
-                <a:ea typeface="+mn-ea"/>
-                <a:cs typeface="+mn-cs"/>
-              </a:rPr>
-              <a:t>Diebolds</a:t>
-            </a:r>
-            <a:r>
-              <a:rPr lang="en-US" sz="1200" b="0" i="0" u="none" strike="noStrike" kern="1200" dirty="0" smtClean="0">
-                <a:solidFill>
-                  <a:schemeClr val="tx1"/>
-                </a:solidFill>
-                <a:effectLst/>
-                <a:latin typeface="+mn-lt"/>
-                <a:ea typeface="+mn-ea"/>
-                <a:cs typeface="+mn-cs"/>
-              </a:rPr>
-              <a:t> the client. </a:t>
-            </a:r>
-            <a:r>
-              <a:rPr lang="en-US" sz="1200" b="0" i="0" u="none" strike="noStrike" kern="1200" smtClean="0">
-                <a:solidFill>
-                  <a:schemeClr val="tx1"/>
-                </a:solidFill>
-                <a:effectLst/>
-                <a:latin typeface="+mn-lt"/>
-                <a:ea typeface="+mn-ea"/>
-                <a:cs typeface="+mn-cs"/>
-              </a:rPr>
-              <a:t>Our project will be able to be constructed in a timely fashion and will fall within our budget constraints.</a:t>
-            </a:r>
-            <a:endParaRPr/>
+            <a:endParaRPr dirty="0"/>
           </a:p>
         </p:txBody>
       </p:sp>
@@ -1320,42 +1244,6 @@
           </a:bodyPr>
           <a:lstStyle/>
           <a:p>
-            <a:r>
-              <a:rPr lang="en-US" sz="1200" b="0" i="0" u="none" strike="noStrike" kern="1200" dirty="0" smtClean="0">
-                <a:solidFill>
-                  <a:schemeClr val="tx1"/>
-                </a:solidFill>
-                <a:effectLst/>
-                <a:latin typeface="+mn-lt"/>
-                <a:ea typeface="+mn-ea"/>
-                <a:cs typeface="+mn-cs"/>
-              </a:rPr>
-              <a:t>Our project is to build a bridge tester that is compatible with the </a:t>
-            </a:r>
-            <a:r>
-              <a:rPr lang="en-US" sz="1200" b="0" i="0" u="none" strike="noStrike" kern="1200" dirty="0" err="1" smtClean="0">
-                <a:solidFill>
-                  <a:schemeClr val="tx1"/>
-                </a:solidFill>
-                <a:effectLst/>
-                <a:latin typeface="+mn-lt"/>
-                <a:ea typeface="+mn-ea"/>
-                <a:cs typeface="+mn-cs"/>
-              </a:rPr>
-              <a:t>Troitski</a:t>
-            </a:r>
-            <a:r>
-              <a:rPr lang="en-US" sz="1200" b="0" i="0" u="none" strike="noStrike" kern="1200" dirty="0" smtClean="0">
-                <a:solidFill>
-                  <a:schemeClr val="tx1"/>
-                </a:solidFill>
-                <a:effectLst/>
-                <a:latin typeface="+mn-lt"/>
-                <a:ea typeface="+mn-ea"/>
-                <a:cs typeface="+mn-cs"/>
-              </a:rPr>
-              <a:t> Bridge Competition in April. Our clients are John Diebold and Gordon Reynolds who are both Architecture professors at VTC. We were given a maximum design budget of around $7000 to work with. We added an extra specification to our project that it should be open source so other schools can make their own based on our design.</a:t>
-            </a:r>
             <a:endParaRPr dirty="0"/>
           </a:p>
         </p:txBody>
@@ -1412,228 +1300,6 @@
           <a:bodyPr/>
           <a:lstStyle/>
           <a:p>
-            <a:pPr rtl="0"/>
-            <a:r>
-              <a:rPr lang="en-US" sz="1200" b="0" i="0" u="none" strike="noStrike" kern="1200" dirty="0" smtClean="0">
-                <a:solidFill>
-                  <a:schemeClr val="tx1"/>
-                </a:solidFill>
-                <a:effectLst/>
-                <a:latin typeface="+mn-lt"/>
-                <a:ea typeface="+mn-ea"/>
-                <a:cs typeface="+mn-cs"/>
-              </a:rPr>
-              <a:t>We are basing our design off the tester used at the </a:t>
-            </a:r>
-            <a:r>
-              <a:rPr lang="en-US" sz="1200" b="0" i="0" u="none" strike="noStrike" kern="1200" dirty="0" err="1" smtClean="0">
-                <a:solidFill>
-                  <a:schemeClr val="tx1"/>
-                </a:solidFill>
-                <a:effectLst/>
-                <a:latin typeface="+mn-lt"/>
-                <a:ea typeface="+mn-ea"/>
-                <a:cs typeface="+mn-cs"/>
-              </a:rPr>
-              <a:t>Troitski</a:t>
-            </a:r>
-            <a:r>
-              <a:rPr lang="en-US" sz="1200" b="0" i="0" u="none" strike="noStrike" kern="1200" dirty="0" smtClean="0">
-                <a:solidFill>
-                  <a:schemeClr val="tx1"/>
-                </a:solidFill>
-                <a:effectLst/>
-                <a:latin typeface="+mn-lt"/>
-                <a:ea typeface="+mn-ea"/>
-                <a:cs typeface="+mn-cs"/>
-              </a:rPr>
-              <a:t> competition in Montreal. We hope to make a tester that will allow the students here at VTC to practice by testing bridges here before going up to Montreal. We also hope that by making the tester available here at VTC, we can hold competitions for the local high schools and potentially colleges in the region.</a:t>
-            </a:r>
-            <a:endParaRPr lang="en-US" b="0" dirty="0" smtClean="0">
-              <a:effectLst/>
-            </a:endParaRPr>
-          </a:p>
-          <a:p>
-            <a:pPr rtl="0"/>
-            <a:r>
-              <a:rPr lang="en-US" sz="1200" b="0" i="0" u="none" strike="noStrike" kern="1200" dirty="0" smtClean="0">
-                <a:solidFill>
-                  <a:schemeClr val="tx1"/>
-                </a:solidFill>
-                <a:effectLst/>
-                <a:latin typeface="+mn-lt"/>
-                <a:ea typeface="+mn-ea"/>
-                <a:cs typeface="+mn-cs"/>
-              </a:rPr>
-              <a:t>We have worked out some of the preliminary specs with the architecture professors:</a:t>
-            </a:r>
-            <a:endParaRPr lang="en-US" b="0" dirty="0" smtClean="0">
-              <a:effectLst/>
-            </a:endParaRPr>
-          </a:p>
-          <a:p>
-            <a:pPr rtl="0" fontAlgn="base"/>
-            <a:r>
-              <a:rPr lang="en-US" sz="1200" b="0" i="0" u="none" strike="noStrike" kern="1200" dirty="0" smtClean="0">
-                <a:solidFill>
-                  <a:schemeClr val="tx1"/>
-                </a:solidFill>
-                <a:effectLst/>
-                <a:latin typeface="+mn-lt"/>
-                <a:ea typeface="+mn-ea"/>
-                <a:cs typeface="+mn-cs"/>
-              </a:rPr>
-              <a:t>The tester will have the ability to test a bridge with a 1 meter span. </a:t>
-            </a:r>
-          </a:p>
-          <a:p>
-            <a:pPr rtl="0" fontAlgn="base"/>
-            <a:r>
-              <a:rPr lang="en-US" sz="1200" b="0" i="0" u="none" strike="noStrike" kern="1200" dirty="0" smtClean="0">
-                <a:solidFill>
-                  <a:schemeClr val="tx1"/>
-                </a:solidFill>
-                <a:effectLst/>
-                <a:latin typeface="+mn-lt"/>
-                <a:ea typeface="+mn-ea"/>
-                <a:cs typeface="+mn-cs"/>
-              </a:rPr>
-              <a:t>The current record at the </a:t>
-            </a:r>
-            <a:r>
-              <a:rPr lang="en-US" sz="1200" b="0" i="0" u="none" strike="noStrike" kern="1200" dirty="0" err="1" smtClean="0">
-                <a:solidFill>
-                  <a:schemeClr val="tx1"/>
-                </a:solidFill>
-                <a:effectLst/>
-                <a:latin typeface="+mn-lt"/>
-                <a:ea typeface="+mn-ea"/>
-                <a:cs typeface="+mn-cs"/>
-              </a:rPr>
-              <a:t>Troitski</a:t>
-            </a:r>
-            <a:r>
-              <a:rPr lang="en-US" sz="1200" b="0" i="0" u="none" strike="noStrike" kern="1200" dirty="0" smtClean="0">
-                <a:solidFill>
-                  <a:schemeClr val="tx1"/>
-                </a:solidFill>
-                <a:effectLst/>
-                <a:latin typeface="+mn-lt"/>
-                <a:ea typeface="+mn-ea"/>
-                <a:cs typeface="+mn-cs"/>
-              </a:rPr>
-              <a:t> competition is only 3.2 tons, so we will make our tester strong enough to break a bridge with 5 tons. </a:t>
-            </a:r>
-          </a:p>
-          <a:p>
-            <a:pPr rtl="0" fontAlgn="base"/>
-            <a:r>
-              <a:rPr lang="en-US" sz="1200" b="0" i="0" u="none" strike="noStrike" kern="1200" dirty="0" smtClean="0">
-                <a:solidFill>
-                  <a:schemeClr val="tx1"/>
-                </a:solidFill>
-                <a:effectLst/>
-                <a:latin typeface="+mn-lt"/>
-                <a:ea typeface="+mn-ea"/>
-                <a:cs typeface="+mn-cs"/>
-              </a:rPr>
-              <a:t>One of the things that we noticed while looking at the current </a:t>
-            </a:r>
-            <a:r>
-              <a:rPr lang="en-US" sz="1200" b="0" i="0" u="none" strike="noStrike" kern="1200" dirty="0" err="1" smtClean="0">
-                <a:solidFill>
-                  <a:schemeClr val="tx1"/>
-                </a:solidFill>
-                <a:effectLst/>
-                <a:latin typeface="+mn-lt"/>
-                <a:ea typeface="+mn-ea"/>
-                <a:cs typeface="+mn-cs"/>
-              </a:rPr>
-              <a:t>Troitski</a:t>
-            </a:r>
-            <a:r>
-              <a:rPr lang="en-US" sz="1200" b="0" i="0" u="none" strike="noStrike" kern="1200" dirty="0" smtClean="0">
-                <a:solidFill>
-                  <a:schemeClr val="tx1"/>
-                </a:solidFill>
-                <a:effectLst/>
-                <a:latin typeface="+mn-lt"/>
-                <a:ea typeface="+mn-ea"/>
-                <a:cs typeface="+mn-cs"/>
-              </a:rPr>
-              <a:t> tester is that it is very heavy and hard to move around. We will be designing our tester so it can be moved into Judd gym by two people. This means it needs to be able to be carried down stairs and fit through a single standard door.</a:t>
-            </a:r>
-          </a:p>
-          <a:p>
-            <a:pPr rtl="0" fontAlgn="base"/>
-            <a:r>
-              <a:rPr lang="en-US" sz="1200" b="0" i="0" u="none" strike="noStrike" kern="1200" dirty="0" smtClean="0">
-                <a:solidFill>
-                  <a:schemeClr val="tx1"/>
-                </a:solidFill>
-                <a:effectLst/>
-                <a:latin typeface="+mn-lt"/>
-                <a:ea typeface="+mn-ea"/>
-                <a:cs typeface="+mn-cs"/>
-              </a:rPr>
-              <a:t>We will be trying to make the tester accurate to within 1%. This means that the displayed load will be within 1% of the true force applied to the bridge</a:t>
-            </a:r>
-          </a:p>
-          <a:p>
-            <a:pPr rtl="0" fontAlgn="base"/>
-            <a:r>
-              <a:rPr lang="en-US" sz="1200" b="0" i="0" u="none" strike="noStrike" kern="1200" dirty="0" smtClean="0">
-                <a:solidFill>
-                  <a:schemeClr val="tx1"/>
-                </a:solidFill>
-                <a:effectLst/>
-                <a:latin typeface="+mn-lt"/>
-                <a:ea typeface="+mn-ea"/>
-                <a:cs typeface="+mn-cs"/>
-              </a:rPr>
-              <a:t>We will also try to ensure that the Displayed load will be precise to within 1 </a:t>
-            </a:r>
-            <a:r>
-              <a:rPr lang="en-US" sz="1200" b="0" i="0" u="none" strike="noStrike" kern="1200" dirty="0" err="1" smtClean="0">
-                <a:solidFill>
-                  <a:schemeClr val="tx1"/>
-                </a:solidFill>
-                <a:effectLst/>
-                <a:latin typeface="+mn-lt"/>
-                <a:ea typeface="+mn-ea"/>
-                <a:cs typeface="+mn-cs"/>
-              </a:rPr>
-              <a:t>lb</a:t>
-            </a:r>
-            <a:r>
-              <a:rPr lang="en-US" sz="1200" b="0" i="0" u="none" strike="noStrike" kern="1200" dirty="0" smtClean="0">
-                <a:solidFill>
-                  <a:schemeClr val="tx1"/>
-                </a:solidFill>
-                <a:effectLst/>
-                <a:latin typeface="+mn-lt"/>
-                <a:ea typeface="+mn-ea"/>
-                <a:cs typeface="+mn-cs"/>
-              </a:rPr>
-              <a:t>, the smallest unit we will be measuring, between competitions. This will ensure that a bridge breaking at 501lb really did take more force than the bridge that broke at 500lb earlier that afternoon.</a:t>
-            </a:r>
-          </a:p>
-          <a:p>
-            <a:pPr rtl="0" fontAlgn="base"/>
-            <a:r>
-              <a:rPr lang="en-US" sz="1200" b="0" i="0" u="none" strike="noStrike" kern="1200" dirty="0" smtClean="0">
-                <a:solidFill>
-                  <a:schemeClr val="tx1"/>
-                </a:solidFill>
-                <a:effectLst/>
-                <a:latin typeface="+mn-lt"/>
-                <a:ea typeface="+mn-ea"/>
-                <a:cs typeface="+mn-cs"/>
-              </a:rPr>
-              <a:t>The tester will have a 14” throw enabling the competition to “serve” bridges of different heights</a:t>
-            </a:r>
-          </a:p>
-          <a:p>
             <a:endParaRPr lang="en-US" dirty="0"/>
           </a:p>
         </p:txBody>
@@ -1655,7 +1321,7 @@
           <a:p>
             <a:fld id="{1E7145D9-3B8E-4505-A6EF-634B668909F9}" type="slidenum">
               <a:rPr lang="en-US" smtClean="0"/>
-              <a:t>4</a:t>
+              <a:t>5</a:t>
             </a:fld>
             <a:endParaRPr lang="en-US"/>
           </a:p>
@@ -1718,18 +1384,6 @@
           <a:bodyPr/>
           <a:lstStyle/>
           <a:p>
-            <a:r>
-              <a:rPr lang="en-US" sz="1200" b="0" i="0" u="none" strike="noStrike" kern="1200" dirty="0" smtClean="0">
-                <a:solidFill>
-                  <a:schemeClr val="tx1"/>
-                </a:solidFill>
-                <a:effectLst/>
-                <a:latin typeface="+mn-lt"/>
-                <a:ea typeface="+mn-ea"/>
-                <a:cs typeface="+mn-cs"/>
-              </a:rPr>
-              <a:t>Our preliminary design consists of a hydraulic cylinder fixed to the top of a truss frame design. The frame must fit a bridge with a span of a meter within it. The hydraulic cylinder has a stroke of 14” which should allow for plenty of reach. We are using a steel truss design over an I-Beam design in order to save overall weight while maintaining high structural strength and rigidity. A 7-Segment with 4” tall characters will be used to allow the audience to clearly see the current load value from a distance. A Raspberry Pi microcomputer will be used as the main controller for our project. It has the power of a standard computer with the low price and super small size of a microcontroller. An LCD screen with a custom GUI showing deformation in live time will be connected directly to the Raspberry Pi using an HDMI cable. A web interface will also be designed to allow for the downloading of run logs from remote locations.</a:t>
-            </a:r>
             <a:endParaRPr lang="en-US" dirty="0"/>
           </a:p>
         </p:txBody>
@@ -1751,7 +1405,7 @@
           <a:p>
             <a:fld id="{1E7145D9-3B8E-4505-A6EF-634B668909F9}" type="slidenum">
               <a:rPr lang="en-US" smtClean="0"/>
-              <a:t>5</a:t>
+              <a:t>6</a:t>
             </a:fld>
             <a:endParaRPr lang="en-US"/>
           </a:p>
@@ -1814,18 +1468,6 @@
           <a:bodyPr/>
           <a:lstStyle/>
           <a:p>
-            <a:r>
-              <a:rPr lang="en-US" sz="1200" b="0" i="0" u="none" strike="noStrike" kern="1200" dirty="0" smtClean="0">
-                <a:solidFill>
-                  <a:schemeClr val="tx1"/>
-                </a:solidFill>
-                <a:effectLst/>
-                <a:latin typeface="+mn-lt"/>
-                <a:ea typeface="+mn-ea"/>
-                <a:cs typeface="+mn-cs"/>
-              </a:rPr>
-              <a:t>Our design consists of a steel frame with trusses made from 2in square tubing. This allows for great strength while maintaining relatively low weight. There is a hydraulic cylinder with a large throw of around 14”. The cylinder is pressurized with a large hydraulic pump powered by an electric motor. There is a control box on the side of the frame for the operator to control the tester. There is a Raspberry Pi inside control box that controls 7-Segment display, the LCD screen, hydraulic pump, and reads the pressure gauge using various interface methods all translated over the GPIO pins. The frame is on wheels for easy mobility.</a:t>
-            </a:r>
             <a:endParaRPr lang="en-US" dirty="0"/>
           </a:p>
         </p:txBody>
@@ -1847,7 +1489,7 @@
           <a:p>
             <a:fld id="{1E7145D9-3B8E-4505-A6EF-634B668909F9}" type="slidenum">
               <a:rPr lang="en-US" smtClean="0"/>
-              <a:t>6</a:t>
+              <a:t>7</a:t>
             </a:fld>
             <a:endParaRPr lang="en-US"/>
           </a:p>
@@ -1867,6 +1509,90 @@
 </file>
 
 <file path=ppt/notesSlides/notesSlide6.xml><?xml version="1.0" encoding="utf-8"?>
+<p:notes xmlns:a="http://schemas.openxmlformats.org/drawingml/2006/main" xmlns:r="http://schemas.openxmlformats.org/officeDocument/2006/relationships" xmlns:p="http://schemas.openxmlformats.org/presentationml/2006/main">
+  <p:cSld>
+    <p:spTree>
+      <p:nvGrpSpPr>
+        <p:cNvPr id="1" name=""/>
+        <p:cNvGrpSpPr/>
+        <p:nvPr/>
+      </p:nvGrpSpPr>
+      <p:grpSpPr>
+        <a:xfrm>
+          <a:off x="0" y="0"/>
+          <a:ext cx="0" cy="0"/>
+          <a:chOff x="0" y="0"/>
+          <a:chExt cx="0" cy="0"/>
+        </a:xfrm>
+      </p:grpSpPr>
+      <p:sp>
+        <p:nvSpPr>
+          <p:cNvPr id="2" name="Slide Image Placeholder 1"/>
+          <p:cNvSpPr>
+            <a:spLocks noGrp="1" noRot="1" noChangeAspect="1"/>
+          </p:cNvSpPr>
+          <p:nvPr>
+            <p:ph type="sldImg"/>
+          </p:nvPr>
+        </p:nvSpPr>
+        <p:spPr/>
+      </p:sp>
+      <p:sp>
+        <p:nvSpPr>
+          <p:cNvPr id="3" name="Notes Placeholder 2"/>
+          <p:cNvSpPr>
+            <a:spLocks noGrp="1"/>
+          </p:cNvSpPr>
+          <p:nvPr>
+            <p:ph type="body" idx="1"/>
+          </p:nvPr>
+        </p:nvSpPr>
+        <p:spPr/>
+        <p:txBody>
+          <a:bodyPr/>
+          <a:lstStyle/>
+          <a:p>
+            <a:endParaRPr lang="en-US" dirty="0"/>
+          </a:p>
+        </p:txBody>
+      </p:sp>
+      <p:sp>
+        <p:nvSpPr>
+          <p:cNvPr id="4" name="Slide Number Placeholder 3"/>
+          <p:cNvSpPr>
+            <a:spLocks noGrp="1"/>
+          </p:cNvSpPr>
+          <p:nvPr>
+            <p:ph type="sldNum" sz="quarter" idx="10"/>
+          </p:nvPr>
+        </p:nvSpPr>
+        <p:spPr/>
+        <p:txBody>
+          <a:bodyPr/>
+          <a:lstStyle/>
+          <a:p>
+            <a:fld id="{61B1FFEF-BEF9-4EE0-94EC-51761DE7F5D7}" type="slidenum">
+              <a:rPr lang="en-US" smtClean="0"/>
+              <a:t>8</a:t>
+            </a:fld>
+            <a:endParaRPr lang="en-US"/>
+          </a:p>
+        </p:txBody>
+      </p:sp>
+    </p:spTree>
+    <p:extLst>
+      <p:ext uri="{BB962C8B-B14F-4D97-AF65-F5344CB8AC3E}">
+        <p14:creationId xmlns:p14="http://schemas.microsoft.com/office/powerpoint/2010/main" val="521833518"/>
+      </p:ext>
+    </p:extLst>
+  </p:cSld>
+  <p:clrMapOvr>
+    <a:masterClrMapping/>
+  </p:clrMapOvr>
+</p:notes>
+</file>
+
+<file path=ppt/notesSlides/notesSlide7.xml><?xml version="1.0" encoding="utf-8"?>
 <p:notes xmlns:a="http://schemas.openxmlformats.org/drawingml/2006/main" xmlns:r="http://schemas.openxmlformats.org/officeDocument/2006/relationships" xmlns:p="http://schemas.openxmlformats.org/presentationml/2006/main" showMasterSp="0" showMasterPhAnim="0">
   <p:cSld>
     <p:spTree>
@@ -1949,135 +1675,11 @@
           </a:bodyPr>
           <a:lstStyle/>
           <a:p>
-            <a:r>
-              <a:rPr lang="en-US" sz="1200" b="0" i="0" u="none" strike="noStrike" kern="1200" dirty="0" smtClean="0">
-                <a:solidFill>
-                  <a:schemeClr val="tx1"/>
-                </a:solidFill>
-                <a:effectLst/>
-                <a:latin typeface="+mn-lt"/>
-                <a:ea typeface="+mn-ea"/>
-                <a:cs typeface="+mn-cs"/>
-              </a:rPr>
-              <a:t>We were given a budget of around $7000. At this point in time we have done some the vast majority of the pricing and parts selected. Our current budget is just shy of $3400 with hydraulics taking up half of that amount and the</a:t>
-            </a:r>
-            <a:r>
-              <a:rPr lang="en-US" sz="1200" b="0" i="0" u="none" strike="noStrike" kern="1200" baseline="0" dirty="0" smtClean="0">
-                <a:solidFill>
-                  <a:schemeClr val="tx1"/>
-                </a:solidFill>
-                <a:effectLst/>
-                <a:latin typeface="+mn-lt"/>
-                <a:ea typeface="+mn-ea"/>
-                <a:cs typeface="+mn-cs"/>
-              </a:rPr>
-              <a:t> remaining categories are all around 15-18% each.</a:t>
-            </a:r>
             <a:endParaRPr dirty="0"/>
           </a:p>
         </p:txBody>
       </p:sp>
     </p:spTree>
-  </p:cSld>
-  <p:clrMapOvr>
-    <a:masterClrMapping/>
-  </p:clrMapOvr>
-</p:notes>
-</file>
-
-<file path=ppt/notesSlides/notesSlide7.xml><?xml version="1.0" encoding="utf-8"?>
-<p:notes xmlns:a="http://schemas.openxmlformats.org/drawingml/2006/main" xmlns:r="http://schemas.openxmlformats.org/officeDocument/2006/relationships" xmlns:p="http://schemas.openxmlformats.org/presentationml/2006/main">
-  <p:cSld>
-    <p:spTree>
-      <p:nvGrpSpPr>
-        <p:cNvPr id="1" name=""/>
-        <p:cNvGrpSpPr/>
-        <p:nvPr/>
-      </p:nvGrpSpPr>
-      <p:grpSpPr>
-        <a:xfrm>
-          <a:off x="0" y="0"/>
-          <a:ext cx="0" cy="0"/>
-          <a:chOff x="0" y="0"/>
-          <a:chExt cx="0" cy="0"/>
-        </a:xfrm>
-      </p:grpSpPr>
-      <p:sp>
-        <p:nvSpPr>
-          <p:cNvPr id="2" name="Slide Image Placeholder 1"/>
-          <p:cNvSpPr>
-            <a:spLocks noGrp="1" noRot="1" noChangeAspect="1"/>
-          </p:cNvSpPr>
-          <p:nvPr>
-            <p:ph type="sldImg"/>
-          </p:nvPr>
-        </p:nvSpPr>
-        <p:spPr/>
-      </p:sp>
-      <p:sp>
-        <p:nvSpPr>
-          <p:cNvPr id="3" name="Notes Placeholder 2"/>
-          <p:cNvSpPr>
-            <a:spLocks noGrp="1"/>
-          </p:cNvSpPr>
-          <p:nvPr>
-            <p:ph type="body" idx="1"/>
-          </p:nvPr>
-        </p:nvSpPr>
-        <p:spPr/>
-        <p:txBody>
-          <a:bodyPr/>
-          <a:lstStyle/>
-          <a:p>
-            <a:r>
-              <a:rPr lang="en-US" dirty="0" smtClean="0"/>
-              <a:t>Here is our </a:t>
-            </a:r>
-            <a:r>
-              <a:rPr lang="en-US" dirty="0" err="1" smtClean="0"/>
-              <a:t>gaant</a:t>
-            </a:r>
-            <a:r>
-              <a:rPr lang="en-US" dirty="0" smtClean="0"/>
-              <a:t> chart with individual</a:t>
-            </a:r>
-            <a:r>
-              <a:rPr lang="en-US" baseline="0" dirty="0" smtClean="0"/>
-              <a:t> responsibilities and subsystems for each category. It shows due dates and what needs to be done in what order. It is available through our website via a link.</a:t>
-            </a:r>
-            <a:endParaRPr lang="en-US" dirty="0"/>
-          </a:p>
-        </p:txBody>
-      </p:sp>
-      <p:sp>
-        <p:nvSpPr>
-          <p:cNvPr id="4" name="Slide Number Placeholder 3"/>
-          <p:cNvSpPr>
-            <a:spLocks noGrp="1"/>
-          </p:cNvSpPr>
-          <p:nvPr>
-            <p:ph type="sldNum" sz="quarter" idx="10"/>
-          </p:nvPr>
-        </p:nvSpPr>
-        <p:spPr/>
-        <p:txBody>
-          <a:bodyPr/>
-          <a:lstStyle/>
-          <a:p>
-            <a:fld id="{61B1FFEF-BEF9-4EE0-94EC-51761DE7F5D7}" type="slidenum">
-              <a:rPr lang="en-US" smtClean="0"/>
-              <a:t>9</a:t>
-            </a:fld>
-            <a:endParaRPr lang="en-US"/>
-          </a:p>
-        </p:txBody>
-      </p:sp>
-    </p:spTree>
-    <p:extLst>
-      <p:ext uri="{BB962C8B-B14F-4D97-AF65-F5344CB8AC3E}">
-        <p14:creationId xmlns:p14="http://schemas.microsoft.com/office/powerpoint/2010/main" val="2836414543"/>
-      </p:ext>
-    </p:extLst>
   </p:cSld>
   <p:clrMapOvr>
     <a:masterClrMapping/>
@@ -2131,19 +1733,19 @@
           <a:p>
             <a:r>
               <a:rPr lang="en-US" dirty="0" smtClean="0"/>
-              <a:t>We currently</a:t>
+              <a:t>Here is our </a:t>
+            </a:r>
+            <a:r>
+              <a:rPr lang="en-US" dirty="0" err="1" smtClean="0"/>
+              <a:t>gaant</a:t>
+            </a:r>
+            <a:r>
+              <a:rPr lang="en-US" dirty="0" smtClean="0"/>
+              <a:t> chart with individual</a:t>
             </a:r>
             <a:r>
               <a:rPr lang="en-US" baseline="0" dirty="0" smtClean="0"/>
-              <a:t> have a website hosted on a private server here on campus. It showcases our project and has links to various subsections of our project like our </a:t>
-            </a:r>
-            <a:r>
-              <a:rPr lang="en-US" baseline="0" dirty="0" err="1" smtClean="0"/>
-              <a:t>gaant</a:t>
-            </a:r>
-            <a:r>
-              <a:rPr lang="en-US" baseline="0" dirty="0" smtClean="0"/>
-              <a:t> chart. It is currently unfinished and is a work in progress. As the semester continuous the website will be moved to the VTC servers to be preserved after graduation.</a:t>
+              <a:t> responsibilities and subsystems for each category. It shows due dates and what needs to be done in what order. It is available through our website via a link.</a:t>
             </a:r>
             <a:endParaRPr lang="en-US" dirty="0"/>
           </a:p>
@@ -2175,7 +1777,7 @@
     </p:spTree>
     <p:extLst>
       <p:ext uri="{BB962C8B-B14F-4D97-AF65-F5344CB8AC3E}">
-        <p14:creationId xmlns:p14="http://schemas.microsoft.com/office/powerpoint/2010/main" val="2249268791"/>
+        <p14:creationId xmlns:p14="http://schemas.microsoft.com/office/powerpoint/2010/main" val="2836414543"/>
       </p:ext>
     </p:extLst>
   </p:cSld>
@@ -5514,16 +5116,19 @@
             <p:ph type="title"/>
           </p:nvPr>
         </p:nvSpPr>
-        <p:spPr/>
+        <p:spPr>
+          <a:xfrm>
+            <a:off x="457201" y="-228600"/>
+            <a:ext cx="8229600" cy="1143000"/>
+          </a:xfrm>
+        </p:spPr>
         <p:txBody>
-          <a:bodyPr>
-            <a:normAutofit/>
-          </a:bodyPr>
+          <a:bodyPr/>
           <a:lstStyle/>
           <a:p>
             <a:r>
               <a:rPr lang="en-US" dirty="0" smtClean="0"/>
-              <a:t>Website</a:t>
+              <a:t>Project Management</a:t>
             </a:r>
             <a:endParaRPr lang="en-US" dirty="0"/>
           </a:p>
@@ -5539,47 +5144,30 @@
             <p:ph idx="1"/>
           </p:nvPr>
         </p:nvSpPr>
-        <p:spPr>
-          <a:xfrm>
-            <a:off x="457200" y="1600200"/>
-            <a:ext cx="4724400" cy="4525963"/>
-          </a:xfrm>
-        </p:spPr>
+        <p:spPr/>
         <p:txBody>
           <a:bodyPr/>
           <a:lstStyle/>
           <a:p>
             <a:r>
               <a:rPr lang="en-US" dirty="0" smtClean="0"/>
-              <a:t>Found server to host on</a:t>
+              <a:t>Put </a:t>
             </a:r>
-          </a:p>
-          <a:p>
+            <a:r>
+              <a:rPr lang="en-US" dirty="0" err="1" smtClean="0"/>
+              <a:t>Gaant</a:t>
+            </a:r>
             <a:r>
               <a:rPr lang="en-US" dirty="0" smtClean="0"/>
-              <a:t>Found template</a:t>
+              <a:t> chart screen shot here</a:t>
             </a:r>
-          </a:p>
-          <a:p>
-            <a:r>
-              <a:rPr lang="en-US" dirty="0" smtClean="0"/>
-              <a:t>Need to add content</a:t>
-            </a:r>
-          </a:p>
-          <a:p>
-            <a:r>
-              <a:rPr lang="en-US" dirty="0" smtClean="0"/>
-              <a:t>Need to migrate to VTC servers</a:t>
-            </a:r>
-          </a:p>
-          <a:p>
             <a:endParaRPr lang="en-US" dirty="0"/>
           </a:p>
         </p:txBody>
       </p:sp>
       <p:pic>
         <p:nvPicPr>
-          <p:cNvPr id="1026" name="Picture 2"/>
+          <p:cNvPr id="1027" name="Picture 3"/>
           <p:cNvPicPr>
             <a:picLocks noChangeAspect="1" noChangeArrowheads="1"/>
           </p:cNvPicPr>
@@ -5593,13 +5181,13 @@
               </a:ext>
             </a:extLst>
           </a:blip>
-          <a:srcRect l="32381" t="8999" r="31791" b="17859"/>
+          <a:srcRect l="32777" t="25741" r="12649" b="22593"/>
           <a:stretch/>
         </p:blipFill>
         <p:spPr bwMode="auto">
           <a:xfrm>
-            <a:off x="4953000" y="1447800"/>
-            <a:ext cx="4114800" cy="5250276"/>
+            <a:off x="1" y="1371600"/>
+            <a:ext cx="9144000" cy="5314950"/>
           </a:xfrm>
           <a:prstGeom prst="rect">
             <a:avLst/>
@@ -5629,10 +5217,125 @@
           </a:extLst>
         </p:spPr>
       </p:pic>
+      <p:sp>
+        <p:nvSpPr>
+          <p:cNvPr id="4" name="TextBox 3"/>
+          <p:cNvSpPr txBox="1"/>
+          <p:nvPr/>
+        </p:nvSpPr>
+        <p:spPr>
+          <a:xfrm>
+            <a:off x="685800" y="4572000"/>
+            <a:ext cx="1370055" cy="1200329"/>
+          </a:xfrm>
+          <a:prstGeom prst="rect">
+            <a:avLst/>
+          </a:prstGeom>
+          <a:noFill/>
+        </p:spPr>
+        <p:txBody>
+          <a:bodyPr wrap="none" rtlCol="0">
+            <a:spAutoFit/>
+          </a:bodyPr>
+          <a:lstStyle/>
+          <a:p>
+            <a:r>
+              <a:rPr lang="en-US" sz="3600" b="1" dirty="0" smtClean="0">
+                <a:solidFill>
+                  <a:schemeClr val="tx2">
+                    <a:lumMod val="60000"/>
+                    <a:lumOff val="40000"/>
+                  </a:schemeClr>
+                </a:solidFill>
+              </a:rPr>
+              <a:t>Carter</a:t>
+            </a:r>
+            <a:br>
+              <a:rPr lang="en-US" sz="3600" b="1" dirty="0" smtClean="0">
+                <a:solidFill>
+                  <a:schemeClr val="tx2">
+                    <a:lumMod val="60000"/>
+                    <a:lumOff val="40000"/>
+                  </a:schemeClr>
+                </a:solidFill>
+              </a:rPr>
+            </a:br>
+            <a:r>
+              <a:rPr lang="en-US" sz="3600" b="1" dirty="0" smtClean="0">
+                <a:solidFill>
+                  <a:schemeClr val="accent3">
+                    <a:lumMod val="60000"/>
+                    <a:lumOff val="40000"/>
+                  </a:schemeClr>
+                </a:solidFill>
+              </a:rPr>
+              <a:t>Ben</a:t>
+            </a:r>
+            <a:endParaRPr lang="en-US" sz="3600" b="1" dirty="0">
+              <a:solidFill>
+                <a:schemeClr val="accent3">
+                  <a:lumMod val="60000"/>
+                  <a:lumOff val="40000"/>
+                </a:schemeClr>
+              </a:solidFill>
+            </a:endParaRPr>
+          </a:p>
+        </p:txBody>
+      </p:sp>
+      <p:sp>
+        <p:nvSpPr>
+          <p:cNvPr id="6" name="Title 1"/>
+          <p:cNvSpPr txBox="1">
+            <a:spLocks/>
+          </p:cNvSpPr>
+          <p:nvPr/>
+        </p:nvSpPr>
+        <p:spPr>
+          <a:xfrm>
+            <a:off x="457201" y="381000"/>
+            <a:ext cx="8229600" cy="1143000"/>
+          </a:xfrm>
+          <a:prstGeom prst="rect">
+            <a:avLst/>
+          </a:prstGeom>
+        </p:spPr>
+        <p:txBody>
+          <a:bodyPr vert="horz" lIns="91440" tIns="45720" rIns="91440" bIns="45720" rtlCol="0" anchor="ctr">
+            <a:normAutofit/>
+          </a:bodyPr>
+          <a:lstStyle>
+            <a:lvl1pPr algn="ctr" defTabSz="914400" rtl="0" eaLnBrk="1" latinLnBrk="0" hangingPunct="1">
+              <a:spcBef>
+                <a:spcPct val="0"/>
+              </a:spcBef>
+              <a:buNone/>
+              <a:defRPr sz="4400" kern="1200">
+                <a:solidFill>
+                  <a:schemeClr val="tx1"/>
+                </a:solidFill>
+                <a:latin typeface="+mj-lt"/>
+                <a:ea typeface="+mj-ea"/>
+                <a:cs typeface="+mj-cs"/>
+              </a:defRPr>
+            </a:lvl1pPr>
+          </a:lstStyle>
+          <a:p>
+            <a:r>
+              <a:rPr lang="en-US" sz="2800" dirty="0" smtClean="0"/>
+              <a:t>Project managed on </a:t>
+            </a:r>
+            <a:r>
+              <a:rPr lang="en-US" sz="2800" dirty="0" err="1" smtClean="0"/>
+              <a:t>GitHub</a:t>
+            </a:r>
+            <a:endParaRPr lang="en-US" sz="2800" dirty="0"/>
+          </a:p>
+        </p:txBody>
+      </p:sp>
     </p:spTree>
     <p:extLst>
       <p:ext uri="{BB962C8B-B14F-4D97-AF65-F5344CB8AC3E}">
-        <p14:creationId xmlns:p14="http://schemas.microsoft.com/office/powerpoint/2010/main" val="2701610988"/>
+        <p14:creationId xmlns:p14="http://schemas.microsoft.com/office/powerpoint/2010/main" val="3233135901"/>
       </p:ext>
     </p:extLst>
   </p:cSld>
@@ -8870,8 +8573,8 @@
         </p:nvSpPr>
         <p:spPr>
           <a:xfrm>
-            <a:off x="4495800" y="2438400"/>
-            <a:ext cx="4267200" cy="338554"/>
+            <a:off x="4419600" y="1983901"/>
+            <a:ext cx="1447800" cy="338554"/>
           </a:xfrm>
           <a:prstGeom prst="rect">
             <a:avLst/>
@@ -8893,6 +8596,52 @@
               <a:t>60 ohm</a:t>
             </a:r>
             <a:endParaRPr lang="en-US" sz="1600" dirty="0">
+              <a:solidFill>
+                <a:schemeClr val="bg1"/>
+              </a:solidFill>
+            </a:endParaRPr>
+          </a:p>
+        </p:txBody>
+      </p:sp>
+      <p:sp>
+        <p:nvSpPr>
+          <p:cNvPr id="6" name="TextBox 5"/>
+          <p:cNvSpPr txBox="1"/>
+          <p:nvPr/>
+        </p:nvSpPr>
+        <p:spPr>
+          <a:xfrm>
+            <a:off x="4724400" y="2322455"/>
+            <a:ext cx="4267200" cy="2308324"/>
+          </a:xfrm>
+          <a:prstGeom prst="rect">
+            <a:avLst/>
+          </a:prstGeom>
+          <a:noFill/>
+        </p:spPr>
+        <p:txBody>
+          <a:bodyPr wrap="square" rtlCol="0">
+            <a:spAutoFit/>
+          </a:bodyPr>
+          <a:lstStyle/>
+          <a:p>
+            <a:r>
+              <a:rPr lang="en-US" sz="3600" dirty="0">
+                <a:solidFill>
+                  <a:schemeClr val="bg1"/>
+                </a:solidFill>
+              </a:rPr>
+              <a:t>5</a:t>
+            </a:r>
+            <a:r>
+              <a:rPr lang="en-US" sz="3600" dirty="0" smtClean="0">
+                <a:solidFill>
+                  <a:schemeClr val="bg1"/>
+                </a:solidFill>
+              </a:rPr>
+              <a:t> identical units will be built, and then given unique addresses</a:t>
+            </a:r>
+            <a:endParaRPr lang="en-US" sz="3600" dirty="0">
               <a:solidFill>
                 <a:schemeClr val="bg1"/>
               </a:solidFill>
@@ -8977,20 +8726,60 @@
           <a:p>
             <a:r>
               <a:rPr lang="en-US" dirty="0" smtClean="0"/>
-              <a:t>Parts are identified and budget is finalized.</a:t>
+              <a:t>Frame is welded. </a:t>
             </a:r>
           </a:p>
           <a:p>
             <a:r>
               <a:rPr lang="en-US" dirty="0" smtClean="0"/>
-              <a:t>Ordering is to begin the week of 2/9/14</a:t>
+              <a:t>Piston mounting system is designed.</a:t>
             </a:r>
+            <a:endParaRPr lang="en-US" dirty="0" smtClean="0"/>
           </a:p>
           <a:p>
             <a:r>
               <a:rPr lang="en-US" dirty="0" smtClean="0"/>
-              <a:t>Testing and assembly of select subsystems is currently in progress (A2D converter)</a:t>
+              <a:t>Load display is designed.</a:t>
             </a:r>
+          </a:p>
+          <a:p>
+            <a:r>
+              <a:rPr lang="en-US" dirty="0" smtClean="0"/>
+              <a:t>Software is designed.</a:t>
+            </a:r>
+          </a:p>
+          <a:p>
+            <a:r>
+              <a:rPr lang="en-US" sz="2800" dirty="0" smtClean="0"/>
+              <a:t>Hydraulics are waiting on bracket to be mounted.</a:t>
+            </a:r>
+          </a:p>
+          <a:p>
+            <a:r>
+              <a:rPr lang="en-US" sz="2800" dirty="0" smtClean="0"/>
+              <a:t>Frame needs more work to be ready to paint.</a:t>
+            </a:r>
+          </a:p>
+          <a:p>
+            <a:r>
+              <a:rPr lang="en-US" sz="2800" dirty="0" smtClean="0"/>
+              <a:t>Load display needs to be built</a:t>
+            </a:r>
+          </a:p>
+          <a:p>
+            <a:r>
+              <a:rPr lang="en-US" sz="2800" dirty="0" smtClean="0"/>
+              <a:t>Software needs to be written. </a:t>
+            </a:r>
+          </a:p>
+          <a:p>
+            <a:endParaRPr lang="en-US" sz="2800" dirty="0" smtClean="0"/>
+          </a:p>
+          <a:p>
+            <a:endParaRPr lang="en-US" dirty="0" smtClean="0"/>
+          </a:p>
+          <a:p>
+            <a:endParaRPr lang="en-US" dirty="0" smtClean="0"/>
           </a:p>
           <a:p>
             <a:endParaRPr lang="en-US" dirty="0"/>
@@ -9101,14 +8890,11 @@
             <a:pPr lvl="1"/>
             <a:r>
               <a:rPr lang="en-US" dirty="0" smtClean="0"/>
-              <a:t>Design meets Course specs</a:t>
+              <a:t>Design </a:t>
             </a:r>
-          </a:p>
-          <a:p>
-            <a:pPr lvl="1"/>
             <a:r>
               <a:rPr lang="en-US" dirty="0" smtClean="0"/>
-              <a:t>Design meets Client specs</a:t>
+              <a:t>meets Client specs</a:t>
             </a:r>
           </a:p>
           <a:p>
@@ -9653,7 +9439,7 @@
                         <a:buNone/>
                       </a:pPr>
                       <a:r>
-                        <a:rPr lang="en" sz="2400" smtClean="0"/>
+                        <a:rPr lang="en" sz="2400" dirty="0" smtClean="0"/>
                         <a:t>$3500</a:t>
                       </a:r>
                       <a:endParaRPr lang="en" sz="2400" dirty="0"/>
@@ -9760,87 +9546,6 @@
       </p:grpSpPr>
       <p:sp>
         <p:nvSpPr>
-          <p:cNvPr id="3" name="Content Placeholder 2"/>
-          <p:cNvSpPr>
-            <a:spLocks noGrp="1"/>
-          </p:cNvSpPr>
-          <p:nvPr>
-            <p:ph idx="1"/>
-          </p:nvPr>
-        </p:nvSpPr>
-        <p:spPr/>
-        <p:txBody>
-          <a:bodyPr>
-            <a:normAutofit/>
-          </a:bodyPr>
-          <a:lstStyle/>
-          <a:p>
-            <a:r>
-              <a:rPr lang="en-US" dirty="0" smtClean="0"/>
-              <a:t>1 meter span – </a:t>
-            </a:r>
-            <a:r>
-              <a:rPr lang="en-US" sz="2800" dirty="0" err="1" smtClean="0"/>
-              <a:t>Troitski</a:t>
-            </a:r>
-            <a:r>
-              <a:rPr lang="en-US" sz="2800" dirty="0" smtClean="0"/>
-              <a:t> Competition compatible</a:t>
-            </a:r>
-          </a:p>
-          <a:p>
-            <a:r>
-              <a:rPr lang="en-US" dirty="0" smtClean="0"/>
-              <a:t>10 Tons – </a:t>
-            </a:r>
-            <a:r>
-              <a:rPr lang="en-US" sz="2400" dirty="0" smtClean="0"/>
-              <a:t>Allows for shorter span bridges to be tested</a:t>
-            </a:r>
-          </a:p>
-          <a:p>
-            <a:r>
-              <a:rPr lang="en-US" dirty="0" smtClean="0"/>
-              <a:t>Mobile enough to move between buildings </a:t>
-            </a:r>
-          </a:p>
-          <a:p>
-            <a:r>
-              <a:rPr lang="en-US" dirty="0" smtClean="0"/>
-              <a:t>Load display visible across Judd Gym</a:t>
-            </a:r>
-          </a:p>
-          <a:p>
-            <a:r>
-              <a:rPr lang="en-US" dirty="0" smtClean="0"/>
-              <a:t>Accurate to 1% Load</a:t>
-            </a:r>
-          </a:p>
-          <a:p>
-            <a:r>
-              <a:rPr lang="en-US" dirty="0" smtClean="0"/>
-              <a:t>Precise to 1% between bridges</a:t>
-            </a:r>
-          </a:p>
-          <a:p>
-            <a:r>
-              <a:rPr lang="en-US" dirty="0" smtClean="0"/>
-              <a:t>14” Piston </a:t>
-            </a:r>
-            <a:r>
-              <a:rPr lang="en-US" dirty="0"/>
-              <a:t>Throw – </a:t>
-            </a:r>
-            <a:r>
-              <a:rPr lang="en-US" sz="1800" dirty="0" smtClean="0"/>
-              <a:t>Allows different height bridges to be tested</a:t>
-            </a:r>
-            <a:endParaRPr lang="en-US" dirty="0"/>
-          </a:p>
-        </p:txBody>
-      </p:sp>
-      <p:sp>
-        <p:nvSpPr>
           <p:cNvPr id="2" name="Title 1"/>
           <p:cNvSpPr>
             <a:spLocks noGrp="1"/>
@@ -9855,30 +9560,254 @@
           <a:lstStyle/>
           <a:p>
             <a:r>
+              <a:rPr lang="en-US" dirty="0" err="1" smtClean="0"/>
+              <a:t>Troitsky</a:t>
+            </a:r>
+            <a:r>
               <a:rPr lang="en-US" dirty="0" smtClean="0"/>
-              <a:t>Final Specs</a:t>
+              <a:t> Competition</a:t>
             </a:r>
             <a:endParaRPr lang="en-US" dirty="0"/>
           </a:p>
         </p:txBody>
       </p:sp>
+      <p:sp>
+        <p:nvSpPr>
+          <p:cNvPr id="3" name="Text Placeholder 2"/>
+          <p:cNvSpPr>
+            <a:spLocks noGrp="1"/>
+          </p:cNvSpPr>
+          <p:nvPr>
+            <p:ph type="body" idx="1"/>
+          </p:nvPr>
+        </p:nvSpPr>
+        <p:spPr/>
+        <p:txBody>
+          <a:bodyPr/>
+          <a:lstStyle/>
+          <a:p>
+            <a:r>
+              <a:rPr lang="en-US" dirty="0" smtClean="0"/>
+              <a:t>Concordia University</a:t>
+            </a:r>
+            <a:endParaRPr lang="en-US" dirty="0"/>
+          </a:p>
+        </p:txBody>
+      </p:sp>
+      <p:pic>
+        <p:nvPicPr>
+          <p:cNvPr id="1026" name="Picture 2"/>
+          <p:cNvPicPr>
+            <a:picLocks noChangeAspect="1" noChangeArrowheads="1"/>
+          </p:cNvPicPr>
+          <p:nvPr/>
+        </p:nvPicPr>
+        <p:blipFill rotWithShape="1">
+          <a:blip r:embed="rId2">
+            <a:extLst>
+              <a:ext uri="{28A0092B-C50C-407E-A947-70E740481C1C}">
+                <a14:useLocalDpi xmlns:a14="http://schemas.microsoft.com/office/drawing/2010/main" val="0"/>
+              </a:ext>
+            </a:extLst>
+          </a:blip>
+          <a:srcRect l="41521" t="24690" r="29239" b="48537"/>
+          <a:stretch/>
+        </p:blipFill>
+        <p:spPr bwMode="auto">
+          <a:xfrm>
+            <a:off x="761999" y="2209800"/>
+            <a:ext cx="6582351" cy="3505200"/>
+          </a:xfrm>
+          <a:prstGeom prst="rect">
+            <a:avLst/>
+          </a:prstGeom>
+          <a:noFill/>
+          <a:ln>
+            <a:noFill/>
+          </a:ln>
+          <a:extLst>
+            <a:ext uri="{909E8E84-426E-40DD-AFC4-6F175D3DCCD1}">
+              <a14:hiddenFill xmlns:a14="http://schemas.microsoft.com/office/drawing/2010/main">
+                <a:solidFill>
+                  <a:schemeClr val="accent1"/>
+                </a:solidFill>
+              </a14:hiddenFill>
+            </a:ext>
+            <a:ext uri="{91240B29-F687-4F45-9708-019B960494DF}">
+              <a14:hiddenLine xmlns:a14="http://schemas.microsoft.com/office/drawing/2010/main" w="9525">
+                <a:solidFill>
+                  <a:schemeClr val="tx1"/>
+                </a:solidFill>
+                <a:miter lim="800000"/>
+                <a:headEnd/>
+                <a:tailEnd/>
+              </a14:hiddenLine>
+            </a:ext>
+          </a:extLst>
+        </p:spPr>
+      </p:pic>
+      <p:sp>
+        <p:nvSpPr>
+          <p:cNvPr id="4" name="TextBox 3"/>
+          <p:cNvSpPr txBox="1"/>
+          <p:nvPr/>
+        </p:nvSpPr>
+        <p:spPr>
+          <a:xfrm>
+            <a:off x="6469743" y="1522589"/>
+            <a:ext cx="2209800" cy="523220"/>
+          </a:xfrm>
+          <a:prstGeom prst="rect">
+            <a:avLst/>
+          </a:prstGeom>
+          <a:noFill/>
+        </p:spPr>
+        <p:txBody>
+          <a:bodyPr wrap="square" rtlCol="0">
+            <a:spAutoFit/>
+          </a:bodyPr>
+          <a:lstStyle/>
+          <a:p>
+            <a:r>
+              <a:rPr lang="en-US" sz="2800" dirty="0" smtClean="0">
+                <a:solidFill>
+                  <a:srgbClr val="FF0000"/>
+                </a:solidFill>
+              </a:rPr>
+              <a:t>Small display</a:t>
+            </a:r>
+            <a:endParaRPr lang="en-US" sz="2800" dirty="0">
+              <a:solidFill>
+                <a:srgbClr val="FF0000"/>
+              </a:solidFill>
+            </a:endParaRPr>
+          </a:p>
+        </p:txBody>
+      </p:sp>
+      <p:cxnSp>
+        <p:nvCxnSpPr>
+          <p:cNvPr id="6" name="Straight Arrow Connector 5"/>
+          <p:cNvCxnSpPr>
+            <a:stCxn id="4" idx="2"/>
+          </p:cNvCxnSpPr>
+          <p:nvPr/>
+        </p:nvCxnSpPr>
+        <p:spPr>
+          <a:xfrm flipH="1">
+            <a:off x="7010400" y="2045809"/>
+            <a:ext cx="564243" cy="240191"/>
+          </a:xfrm>
+          <a:prstGeom prst="straightConnector1">
+            <a:avLst/>
+          </a:prstGeom>
+          <a:ln w="38100">
+            <a:solidFill>
+              <a:srgbClr val="FF0000"/>
+            </a:solidFill>
+            <a:tailEnd type="arrow"/>
+          </a:ln>
+        </p:spPr>
+        <p:style>
+          <a:lnRef idx="1">
+            <a:schemeClr val="accent1"/>
+          </a:lnRef>
+          <a:fillRef idx="0">
+            <a:schemeClr val="accent1"/>
+          </a:fillRef>
+          <a:effectRef idx="0">
+            <a:schemeClr val="accent1"/>
+          </a:effectRef>
+          <a:fontRef idx="minor">
+            <a:schemeClr val="tx1"/>
+          </a:fontRef>
+        </p:style>
+      </p:cxnSp>
+      <p:sp>
+        <p:nvSpPr>
+          <p:cNvPr id="10" name="TextBox 9"/>
+          <p:cNvSpPr txBox="1"/>
+          <p:nvPr/>
+        </p:nvSpPr>
+        <p:spPr>
+          <a:xfrm>
+            <a:off x="5715000" y="5740400"/>
+            <a:ext cx="2590800" cy="523220"/>
+          </a:xfrm>
+          <a:prstGeom prst="rect">
+            <a:avLst/>
+          </a:prstGeom>
+          <a:noFill/>
+        </p:spPr>
+        <p:txBody>
+          <a:bodyPr wrap="square" rtlCol="0">
+            <a:spAutoFit/>
+          </a:bodyPr>
+          <a:lstStyle/>
+          <a:p>
+            <a:r>
+              <a:rPr lang="en-US" sz="2800" dirty="0" smtClean="0">
+                <a:solidFill>
+                  <a:srgbClr val="FF0000"/>
+                </a:solidFill>
+              </a:rPr>
+              <a:t>Wobbly Piston</a:t>
+            </a:r>
+            <a:endParaRPr lang="en-US" sz="2800" dirty="0">
+              <a:solidFill>
+                <a:srgbClr val="FF0000"/>
+              </a:solidFill>
+            </a:endParaRPr>
+          </a:p>
+        </p:txBody>
+      </p:sp>
+      <p:cxnSp>
+        <p:nvCxnSpPr>
+          <p:cNvPr id="11" name="Straight Arrow Connector 10"/>
+          <p:cNvCxnSpPr>
+            <a:stCxn id="10" idx="0"/>
+          </p:cNvCxnSpPr>
+          <p:nvPr/>
+        </p:nvCxnSpPr>
+        <p:spPr>
+          <a:xfrm flipH="1" flipV="1">
+            <a:off x="4191000" y="3505200"/>
+            <a:ext cx="2819400" cy="2235200"/>
+          </a:xfrm>
+          <a:prstGeom prst="straightConnector1">
+            <a:avLst/>
+          </a:prstGeom>
+          <a:ln w="38100">
+            <a:solidFill>
+              <a:srgbClr val="FF0000"/>
+            </a:solidFill>
+            <a:tailEnd type="arrow"/>
+          </a:ln>
+        </p:spPr>
+        <p:style>
+          <a:lnRef idx="1">
+            <a:schemeClr val="accent1"/>
+          </a:lnRef>
+          <a:fillRef idx="0">
+            <a:schemeClr val="accent1"/>
+          </a:fillRef>
+          <a:effectRef idx="0">
+            <a:schemeClr val="accent1"/>
+          </a:effectRef>
+          <a:fontRef idx="minor">
+            <a:schemeClr val="tx1"/>
+          </a:fontRef>
+        </p:style>
+      </p:cxnSp>
     </p:spTree>
     <p:extLst>
       <p:ext uri="{BB962C8B-B14F-4D97-AF65-F5344CB8AC3E}">
-        <p14:creationId xmlns:p14="http://schemas.microsoft.com/office/powerpoint/2010/main" val="1467741744"/>
+        <p14:creationId xmlns:p14="http://schemas.microsoft.com/office/powerpoint/2010/main" val="4052049141"/>
       </p:ext>
     </p:extLst>
   </p:cSld>
   <p:clrMapOvr>
     <a:masterClrMapping/>
   </p:clrMapOvr>
-  <p:timing>
-    <p:tnLst>
-      <p:par>
-        <p:cTn id="1" dur="indefinite" restart="never" nodeType="tmRoot"/>
-      </p:par>
-    </p:tnLst>
-  </p:timing>
 </p:sld>
 </file>
 
@@ -9901,29 +9830,6 @@
       </p:grpSpPr>
       <p:sp>
         <p:nvSpPr>
-          <p:cNvPr id="2" name="Title 1"/>
-          <p:cNvSpPr>
-            <a:spLocks noGrp="1"/>
-          </p:cNvSpPr>
-          <p:nvPr>
-            <p:ph type="title"/>
-          </p:nvPr>
-        </p:nvSpPr>
-        <p:spPr/>
-        <p:txBody>
-          <a:bodyPr/>
-          <a:lstStyle/>
-          <a:p>
-            <a:r>
-              <a:rPr lang="en-US" dirty="0" smtClean="0"/>
-              <a:t>Final Design</a:t>
-            </a:r>
-            <a:endParaRPr lang="en-US" dirty="0"/>
-          </a:p>
-        </p:txBody>
-      </p:sp>
-      <p:sp>
-        <p:nvSpPr>
           <p:cNvPr id="3" name="Content Placeholder 2"/>
           <p:cNvSpPr>
             <a:spLocks noGrp="1"/>
@@ -9941,82 +9847,87 @@
           <a:p>
             <a:r>
               <a:rPr lang="en-US" dirty="0" smtClean="0"/>
-              <a:t>Hydraulic Cylinder </a:t>
+              <a:t>1 meter span – </a:t>
             </a:r>
-            <a:endParaRPr lang="en-US" dirty="0"/>
+            <a:r>
+              <a:rPr lang="en-US" sz="2800" dirty="0" err="1" smtClean="0"/>
+              <a:t>Troitski</a:t>
+            </a:r>
+            <a:r>
+              <a:rPr lang="en-US" sz="2800" dirty="0" smtClean="0"/>
+              <a:t> Competition compatible</a:t>
+            </a:r>
           </a:p>
           <a:p>
             <a:r>
               <a:rPr lang="en-US" dirty="0" smtClean="0"/>
-              <a:t>Truss instead of I-Beam to save weight</a:t>
+              <a:t>10 Tons – </a:t>
+            </a:r>
+            <a:r>
+              <a:rPr lang="en-US" sz="2400" dirty="0" smtClean="0"/>
+              <a:t>Allows for shorter span bridges to be tested</a:t>
             </a:r>
           </a:p>
           <a:p>
             <a:r>
               <a:rPr lang="en-US" dirty="0" smtClean="0"/>
-              <a:t>Raspberry Pi as controller</a:t>
+              <a:t>Mobile enough to move between buildings </a:t>
             </a:r>
           </a:p>
           <a:p>
-            <a:pPr lvl="1"/>
             <a:r>
               <a:rPr lang="en-US" dirty="0" smtClean="0"/>
-              <a:t>HDMI monitor for force over deflection readout</a:t>
+              <a:t>Load display visible across Judd Gym</a:t>
             </a:r>
           </a:p>
           <a:p>
-            <a:pPr lvl="1"/>
+            <a:r>
+              <a:rPr lang="en-US" dirty="0" smtClean="0"/>
+              <a:t>Accurate to 1% Load</a:t>
+            </a:r>
+          </a:p>
+          <a:p>
+            <a:r>
+              <a:rPr lang="en-US" dirty="0" smtClean="0"/>
+              <a:t>Precise to 1% between bridges</a:t>
+            </a:r>
+          </a:p>
+          <a:p>
+            <a:r>
+              <a:rPr lang="en-US" dirty="0" smtClean="0"/>
+              <a:t>14” Piston </a:t>
+            </a:r>
             <a:r>
               <a:rPr lang="en-US" dirty="0"/>
-              <a:t>I²C </a:t>
+              <a:t>Throw – </a:t>
             </a:r>
             <a:r>
               <a:rPr lang="en-US" dirty="0" smtClean="0"/>
-              <a:t>interface</a:t>
+              <a:t>Allows different height bridges to be tested</a:t>
             </a:r>
-          </a:p>
-          <a:p>
-            <a:pPr lvl="2"/>
+            <a:endParaRPr lang="en-US" dirty="0"/>
+          </a:p>
+        </p:txBody>
+      </p:sp>
+      <p:sp>
+        <p:nvSpPr>
+          <p:cNvPr id="2" name="Title 1"/>
+          <p:cNvSpPr>
+            <a:spLocks noGrp="1"/>
+          </p:cNvSpPr>
+          <p:nvPr>
+            <p:ph type="title"/>
+          </p:nvPr>
+        </p:nvSpPr>
+        <p:spPr/>
+        <p:txBody>
+          <a:bodyPr/>
+          <a:lstStyle/>
+          <a:p>
             <a:r>
               <a:rPr lang="en-US" dirty="0" smtClean="0"/>
-              <a:t>4</a:t>
+              <a:t>Design Specifications</a:t>
             </a:r>
-            <a:r>
-              <a:rPr lang="en-US" dirty="0"/>
-              <a:t>” LED 7 segment display for </a:t>
-            </a:r>
-            <a:r>
-              <a:rPr lang="en-US" dirty="0" smtClean="0"/>
-              <a:t>load</a:t>
-            </a:r>
-            <a:endParaRPr lang="en-US" dirty="0"/>
-          </a:p>
-          <a:p>
-            <a:pPr lvl="2"/>
-            <a:r>
-              <a:rPr lang="en-US" dirty="0" smtClean="0"/>
-              <a:t>Deflection data</a:t>
-            </a:r>
-          </a:p>
-          <a:p>
-            <a:pPr lvl="2"/>
-            <a:r>
-              <a:rPr lang="en-US" dirty="0" smtClean="0"/>
-              <a:t>Load data</a:t>
-            </a:r>
-          </a:p>
-          <a:p>
-            <a:pPr lvl="1"/>
-            <a:r>
-              <a:rPr lang="en-US" dirty="0" smtClean="0"/>
-              <a:t>Web interface to download logs.</a:t>
-            </a:r>
-          </a:p>
-          <a:p>
-            <a:pPr lvl="1"/>
-            <a:endParaRPr lang="en-US" dirty="0" smtClean="0"/>
-          </a:p>
-          <a:p>
             <a:endParaRPr lang="en-US" dirty="0"/>
           </a:p>
         </p:txBody>
@@ -10024,7 +9935,7 @@
     </p:spTree>
     <p:extLst>
       <p:ext uri="{BB962C8B-B14F-4D97-AF65-F5344CB8AC3E}">
-        <p14:creationId xmlns:p14="http://schemas.microsoft.com/office/powerpoint/2010/main" val="3223729352"/>
+        <p14:creationId xmlns:p14="http://schemas.microsoft.com/office/powerpoint/2010/main" val="1467741744"/>
       </p:ext>
     </p:extLst>
   </p:cSld>
@@ -10060,1983 +9971,130 @@
       </p:grpSpPr>
       <p:sp>
         <p:nvSpPr>
-          <p:cNvPr id="48" name="Rectangle 47"/>
-          <p:cNvSpPr/>
-          <p:nvPr/>
+          <p:cNvPr id="2" name="Title 1"/>
+          <p:cNvSpPr>
+            <a:spLocks noGrp="1"/>
+          </p:cNvSpPr>
+          <p:nvPr>
+            <p:ph type="title"/>
+          </p:nvPr>
         </p:nvSpPr>
-        <p:spPr>
-          <a:xfrm>
-            <a:off x="6926581" y="2858869"/>
-            <a:ext cx="45719" cy="99182"/>
-          </a:xfrm>
-          <a:prstGeom prst="rect">
-            <a:avLst/>
-          </a:prstGeom>
-        </p:spPr>
-        <p:style>
-          <a:lnRef idx="2">
-            <a:schemeClr val="accent2">
-              <a:shade val="50000"/>
-            </a:schemeClr>
-          </a:lnRef>
-          <a:fillRef idx="1">
-            <a:schemeClr val="accent2"/>
-          </a:fillRef>
-          <a:effectRef idx="0">
-            <a:schemeClr val="accent2"/>
-          </a:effectRef>
-          <a:fontRef idx="minor">
-            <a:schemeClr val="lt1"/>
-          </a:fontRef>
-        </p:style>
+        <p:spPr/>
         <p:txBody>
-          <a:bodyPr rtlCol="0" anchor="ctr"/>
+          <a:bodyPr/>
           <a:lstStyle/>
           <a:p>
-            <a:pPr algn="ctr"/>
-            <a:endParaRPr lang="en-US"/>
+            <a:r>
+              <a:rPr lang="en-US" dirty="0" smtClean="0"/>
+              <a:t>Final Design</a:t>
+            </a:r>
+            <a:endParaRPr lang="en-US" dirty="0"/>
           </a:p>
         </p:txBody>
       </p:sp>
       <p:sp>
         <p:nvSpPr>
-          <p:cNvPr id="54" name="Rectangle 53"/>
-          <p:cNvSpPr/>
-          <p:nvPr/>
+          <p:cNvPr id="3" name="Content Placeholder 2"/>
+          <p:cNvSpPr>
+            <a:spLocks noGrp="1"/>
+          </p:cNvSpPr>
+          <p:nvPr>
+            <p:ph idx="1"/>
+          </p:nvPr>
         </p:nvSpPr>
-        <p:spPr>
-          <a:xfrm>
-            <a:off x="6926581" y="3036509"/>
-            <a:ext cx="45719" cy="99182"/>
-          </a:xfrm>
-          <a:prstGeom prst="rect">
-            <a:avLst/>
-          </a:prstGeom>
-        </p:spPr>
-        <p:style>
-          <a:lnRef idx="2">
-            <a:schemeClr val="accent2">
-              <a:shade val="50000"/>
-            </a:schemeClr>
-          </a:lnRef>
-          <a:fillRef idx="1">
-            <a:schemeClr val="accent2"/>
-          </a:fillRef>
-          <a:effectRef idx="0">
-            <a:schemeClr val="accent2"/>
-          </a:effectRef>
-          <a:fontRef idx="minor">
-            <a:schemeClr val="lt1"/>
-          </a:fontRef>
-        </p:style>
+        <p:spPr/>
         <p:txBody>
-          <a:bodyPr rtlCol="0" anchor="ctr"/>
+          <a:bodyPr>
+            <a:normAutofit lnSpcReduction="10000"/>
+          </a:bodyPr>
           <a:lstStyle/>
           <a:p>
-            <a:pPr algn="ctr"/>
-            <a:endParaRPr lang="en-US"/>
+            <a:r>
+              <a:rPr lang="en-US" dirty="0" smtClean="0"/>
+              <a:t>Hydraulic Cylinder </a:t>
+            </a:r>
+            <a:endParaRPr lang="en-US" dirty="0"/>
+          </a:p>
+          <a:p>
+            <a:r>
+              <a:rPr lang="en-US" dirty="0" smtClean="0"/>
+              <a:t>Truss instead of I-Beam to save weight</a:t>
+            </a:r>
+          </a:p>
+          <a:p>
+            <a:r>
+              <a:rPr lang="en-US" dirty="0" smtClean="0"/>
+              <a:t>Raspberry Pi as controller</a:t>
+            </a:r>
+          </a:p>
+          <a:p>
+            <a:pPr lvl="1"/>
+            <a:r>
+              <a:rPr lang="en-US" dirty="0" smtClean="0"/>
+              <a:t>HDMI monitor for force over deflection readout</a:t>
+            </a:r>
+          </a:p>
+          <a:p>
+            <a:pPr lvl="1"/>
+            <a:r>
+              <a:rPr lang="en-US" dirty="0"/>
+              <a:t>I²C </a:t>
+            </a:r>
+            <a:r>
+              <a:rPr lang="en-US" dirty="0" smtClean="0"/>
+              <a:t>interface</a:t>
+            </a:r>
+          </a:p>
+          <a:p>
+            <a:pPr lvl="2"/>
+            <a:r>
+              <a:rPr lang="en-US" dirty="0" smtClean="0"/>
+              <a:t>4</a:t>
+            </a:r>
+            <a:r>
+              <a:rPr lang="en-US" dirty="0"/>
+              <a:t>” LED 7 segment display for </a:t>
+            </a:r>
+            <a:r>
+              <a:rPr lang="en-US" dirty="0" smtClean="0"/>
+              <a:t>load</a:t>
+            </a:r>
+            <a:endParaRPr lang="en-US" dirty="0"/>
+          </a:p>
+          <a:p>
+            <a:pPr lvl="2"/>
+            <a:r>
+              <a:rPr lang="en-US" dirty="0" smtClean="0"/>
+              <a:t>Deflection data</a:t>
+            </a:r>
+          </a:p>
+          <a:p>
+            <a:pPr lvl="2"/>
+            <a:r>
+              <a:rPr lang="en-US" dirty="0" smtClean="0"/>
+              <a:t>Load data</a:t>
+            </a:r>
+          </a:p>
+          <a:p>
+            <a:pPr lvl="1"/>
+            <a:r>
+              <a:rPr lang="en-US" dirty="0" smtClean="0"/>
+              <a:t>Web interface to download logs.</a:t>
+            </a:r>
+          </a:p>
+          <a:p>
+            <a:pPr lvl="1"/>
+            <a:endParaRPr lang="en-US" dirty="0" smtClean="0"/>
+          </a:p>
+          <a:p>
+            <a:endParaRPr lang="en-US" dirty="0"/>
           </a:p>
         </p:txBody>
       </p:sp>
-      <p:sp>
-        <p:nvSpPr>
-          <p:cNvPr id="87" name="Rectangle 86"/>
-          <p:cNvSpPr/>
-          <p:nvPr/>
-        </p:nvSpPr>
-        <p:spPr>
-          <a:xfrm>
-            <a:off x="6926581" y="2683330"/>
-            <a:ext cx="45719" cy="99182"/>
-          </a:xfrm>
-          <a:prstGeom prst="rect">
-            <a:avLst/>
-          </a:prstGeom>
-        </p:spPr>
-        <p:style>
-          <a:lnRef idx="2">
-            <a:schemeClr val="accent2">
-              <a:shade val="50000"/>
-            </a:schemeClr>
-          </a:lnRef>
-          <a:fillRef idx="1">
-            <a:schemeClr val="accent2"/>
-          </a:fillRef>
-          <a:effectRef idx="0">
-            <a:schemeClr val="accent2"/>
-          </a:effectRef>
-          <a:fontRef idx="minor">
-            <a:schemeClr val="lt1"/>
-          </a:fontRef>
-        </p:style>
-        <p:txBody>
-          <a:bodyPr rtlCol="0" anchor="ctr"/>
-          <a:lstStyle/>
-          <a:p>
-            <a:pPr algn="ctr"/>
-            <a:endParaRPr lang="en-US"/>
-          </a:p>
-        </p:txBody>
-      </p:sp>
-      <p:sp>
-        <p:nvSpPr>
-          <p:cNvPr id="60" name="Freeform 59"/>
-          <p:cNvSpPr/>
-          <p:nvPr/>
-        </p:nvSpPr>
-        <p:spPr>
-          <a:xfrm>
-            <a:off x="6333828" y="623748"/>
-            <a:ext cx="600372" cy="1948002"/>
-          </a:xfrm>
-          <a:custGeom>
-            <a:avLst/>
-            <a:gdLst>
-              <a:gd name="connsiteX0" fmla="*/ 0 w 600372"/>
-              <a:gd name="connsiteY0" fmla="*/ 300177 h 1948002"/>
-              <a:gd name="connsiteX1" fmla="*/ 114300 w 600372"/>
-              <a:gd name="connsiteY1" fmla="*/ 43002 h 1948002"/>
-              <a:gd name="connsiteX2" fmla="*/ 533400 w 600372"/>
-              <a:gd name="connsiteY2" fmla="*/ 81102 h 1948002"/>
-              <a:gd name="connsiteX3" fmla="*/ 600075 w 600372"/>
-              <a:gd name="connsiteY3" fmla="*/ 814527 h 1948002"/>
-              <a:gd name="connsiteX4" fmla="*/ 542925 w 600372"/>
-              <a:gd name="connsiteY4" fmla="*/ 1948002 h 1948002"/>
-            </a:gdLst>
-            <a:ahLst/>
-            <a:cxnLst>
-              <a:cxn ang="0">
-                <a:pos x="connsiteX0" y="connsiteY0"/>
-              </a:cxn>
-              <a:cxn ang="0">
-                <a:pos x="connsiteX1" y="connsiteY1"/>
-              </a:cxn>
-              <a:cxn ang="0">
-                <a:pos x="connsiteX2" y="connsiteY2"/>
-              </a:cxn>
-              <a:cxn ang="0">
-                <a:pos x="connsiteX3" y="connsiteY3"/>
-              </a:cxn>
-              <a:cxn ang="0">
-                <a:pos x="connsiteX4" y="connsiteY4"/>
-              </a:cxn>
-            </a:cxnLst>
-            <a:rect l="l" t="t" r="r" b="b"/>
-            <a:pathLst>
-              <a:path w="600372" h="1948002">
-                <a:moveTo>
-                  <a:pt x="0" y="300177"/>
-                </a:moveTo>
-                <a:cubicBezTo>
-                  <a:pt x="12700" y="189845"/>
-                  <a:pt x="25400" y="79514"/>
-                  <a:pt x="114300" y="43002"/>
-                </a:cubicBezTo>
-                <a:cubicBezTo>
-                  <a:pt x="203200" y="6490"/>
-                  <a:pt x="452438" y="-47485"/>
-                  <a:pt x="533400" y="81102"/>
-                </a:cubicBezTo>
-                <a:cubicBezTo>
-                  <a:pt x="614362" y="209689"/>
-                  <a:pt x="598488" y="503377"/>
-                  <a:pt x="600075" y="814527"/>
-                </a:cubicBezTo>
-                <a:cubicBezTo>
-                  <a:pt x="601663" y="1125677"/>
-                  <a:pt x="493713" y="1828940"/>
-                  <a:pt x="542925" y="1948002"/>
-                </a:cubicBezTo>
-              </a:path>
-            </a:pathLst>
-          </a:custGeom>
-        </p:spPr>
-        <p:style>
-          <a:lnRef idx="2">
-            <a:schemeClr val="dk1"/>
-          </a:lnRef>
-          <a:fillRef idx="0">
-            <a:schemeClr val="dk1"/>
-          </a:fillRef>
-          <a:effectRef idx="1">
-            <a:schemeClr val="dk1"/>
-          </a:effectRef>
-          <a:fontRef idx="minor">
-            <a:schemeClr val="tx1"/>
-          </a:fontRef>
-        </p:style>
-        <p:txBody>
-          <a:bodyPr rtlCol="0" anchor="ctr"/>
-          <a:lstStyle/>
-          <a:p>
-            <a:pPr algn="ctr"/>
-            <a:endParaRPr lang="en-US"/>
-          </a:p>
-        </p:txBody>
-      </p:sp>
-      <p:sp>
-        <p:nvSpPr>
-          <p:cNvPr id="59" name="Freeform 58"/>
-          <p:cNvSpPr/>
-          <p:nvPr/>
-        </p:nvSpPr>
-        <p:spPr>
-          <a:xfrm>
-            <a:off x="1125251" y="411846"/>
-            <a:ext cx="2913052" cy="4731653"/>
-          </a:xfrm>
-          <a:custGeom>
-            <a:avLst/>
-            <a:gdLst>
-              <a:gd name="connsiteX0" fmla="*/ 2941996 w 2941996"/>
-              <a:gd name="connsiteY0" fmla="*/ 416676 h 4721976"/>
-              <a:gd name="connsiteX1" fmla="*/ 2780071 w 2941996"/>
-              <a:gd name="connsiteY1" fmla="*/ 26151 h 4721976"/>
-              <a:gd name="connsiteX2" fmla="*/ 2151421 w 2941996"/>
-              <a:gd name="connsiteY2" fmla="*/ 64251 h 4721976"/>
-              <a:gd name="connsiteX3" fmla="*/ 170221 w 2941996"/>
-              <a:gd name="connsiteY3" fmla="*/ 292851 h 4721976"/>
-              <a:gd name="connsiteX4" fmla="*/ 94021 w 2941996"/>
-              <a:gd name="connsiteY4" fmla="*/ 1731126 h 4721976"/>
-              <a:gd name="connsiteX5" fmla="*/ 65446 w 2941996"/>
-              <a:gd name="connsiteY5" fmla="*/ 4160001 h 4721976"/>
-              <a:gd name="connsiteX6" fmla="*/ 475021 w 2941996"/>
-              <a:gd name="connsiteY6" fmla="*/ 4721976 h 4721976"/>
-              <a:gd name="connsiteX0" fmla="*/ 2932471 w 2932471"/>
-              <a:gd name="connsiteY0" fmla="*/ 1388548 h 4788973"/>
-              <a:gd name="connsiteX1" fmla="*/ 2780071 w 2932471"/>
-              <a:gd name="connsiteY1" fmla="*/ 93148 h 4788973"/>
-              <a:gd name="connsiteX2" fmla="*/ 2151421 w 2932471"/>
-              <a:gd name="connsiteY2" fmla="*/ 131248 h 4788973"/>
-              <a:gd name="connsiteX3" fmla="*/ 170221 w 2932471"/>
-              <a:gd name="connsiteY3" fmla="*/ 359848 h 4788973"/>
-              <a:gd name="connsiteX4" fmla="*/ 94021 w 2932471"/>
-              <a:gd name="connsiteY4" fmla="*/ 1798123 h 4788973"/>
-              <a:gd name="connsiteX5" fmla="*/ 65446 w 2932471"/>
-              <a:gd name="connsiteY5" fmla="*/ 4226998 h 4788973"/>
-              <a:gd name="connsiteX6" fmla="*/ 475021 w 2932471"/>
-              <a:gd name="connsiteY6" fmla="*/ 4788973 h 4788973"/>
-              <a:gd name="connsiteX0" fmla="*/ 2932471 w 2932471"/>
-              <a:gd name="connsiteY0" fmla="*/ 1356806 h 4757231"/>
-              <a:gd name="connsiteX1" fmla="*/ 2904194 w 2932471"/>
-              <a:gd name="connsiteY1" fmla="*/ 928182 h 4757231"/>
-              <a:gd name="connsiteX2" fmla="*/ 2780071 w 2932471"/>
-              <a:gd name="connsiteY2" fmla="*/ 61406 h 4757231"/>
-              <a:gd name="connsiteX3" fmla="*/ 2151421 w 2932471"/>
-              <a:gd name="connsiteY3" fmla="*/ 99506 h 4757231"/>
-              <a:gd name="connsiteX4" fmla="*/ 170221 w 2932471"/>
-              <a:gd name="connsiteY4" fmla="*/ 328106 h 4757231"/>
-              <a:gd name="connsiteX5" fmla="*/ 94021 w 2932471"/>
-              <a:gd name="connsiteY5" fmla="*/ 1766381 h 4757231"/>
-              <a:gd name="connsiteX6" fmla="*/ 65446 w 2932471"/>
-              <a:gd name="connsiteY6" fmla="*/ 4195256 h 4757231"/>
-              <a:gd name="connsiteX7" fmla="*/ 475021 w 2932471"/>
-              <a:gd name="connsiteY7" fmla="*/ 4757231 h 4757231"/>
-              <a:gd name="connsiteX0" fmla="*/ 2931082 w 2931082"/>
-              <a:gd name="connsiteY0" fmla="*/ 1306357 h 4706782"/>
-              <a:gd name="connsiteX1" fmla="*/ 2902805 w 2931082"/>
-              <a:gd name="connsiteY1" fmla="*/ 877733 h 4706782"/>
-              <a:gd name="connsiteX2" fmla="*/ 2778682 w 2931082"/>
-              <a:gd name="connsiteY2" fmla="*/ 10957 h 4706782"/>
-              <a:gd name="connsiteX3" fmla="*/ 2130982 w 2931082"/>
-              <a:gd name="connsiteY3" fmla="*/ 382432 h 4706782"/>
-              <a:gd name="connsiteX4" fmla="*/ 168832 w 2931082"/>
-              <a:gd name="connsiteY4" fmla="*/ 277657 h 4706782"/>
-              <a:gd name="connsiteX5" fmla="*/ 92632 w 2931082"/>
-              <a:gd name="connsiteY5" fmla="*/ 1715932 h 4706782"/>
-              <a:gd name="connsiteX6" fmla="*/ 64057 w 2931082"/>
-              <a:gd name="connsiteY6" fmla="*/ 4144807 h 4706782"/>
-              <a:gd name="connsiteX7" fmla="*/ 473632 w 2931082"/>
-              <a:gd name="connsiteY7" fmla="*/ 4706782 h 4706782"/>
-              <a:gd name="connsiteX0" fmla="*/ 2913052 w 2913052"/>
-              <a:gd name="connsiteY0" fmla="*/ 1331228 h 4731653"/>
-              <a:gd name="connsiteX1" fmla="*/ 2884775 w 2913052"/>
-              <a:gd name="connsiteY1" fmla="*/ 902604 h 4731653"/>
-              <a:gd name="connsiteX2" fmla="*/ 2760652 w 2913052"/>
-              <a:gd name="connsiteY2" fmla="*/ 35828 h 4731653"/>
-              <a:gd name="connsiteX3" fmla="*/ 1865302 w 2913052"/>
-              <a:gd name="connsiteY3" fmla="*/ 178703 h 4731653"/>
-              <a:gd name="connsiteX4" fmla="*/ 150802 w 2913052"/>
-              <a:gd name="connsiteY4" fmla="*/ 302528 h 4731653"/>
-              <a:gd name="connsiteX5" fmla="*/ 74602 w 2913052"/>
-              <a:gd name="connsiteY5" fmla="*/ 1740803 h 4731653"/>
-              <a:gd name="connsiteX6" fmla="*/ 46027 w 2913052"/>
-              <a:gd name="connsiteY6" fmla="*/ 4169678 h 4731653"/>
-              <a:gd name="connsiteX7" fmla="*/ 455602 w 2913052"/>
-              <a:gd name="connsiteY7" fmla="*/ 4731653 h 4731653"/>
-            </a:gdLst>
-            <a:ahLst/>
-            <a:cxnLst>
-              <a:cxn ang="0">
-                <a:pos x="connsiteX0" y="connsiteY0"/>
-              </a:cxn>
-              <a:cxn ang="0">
-                <a:pos x="connsiteX1" y="connsiteY1"/>
-              </a:cxn>
-              <a:cxn ang="0">
-                <a:pos x="connsiteX2" y="connsiteY2"/>
-              </a:cxn>
-              <a:cxn ang="0">
-                <a:pos x="connsiteX3" y="connsiteY3"/>
-              </a:cxn>
-              <a:cxn ang="0">
-                <a:pos x="connsiteX4" y="connsiteY4"/>
-              </a:cxn>
-              <a:cxn ang="0">
-                <a:pos x="connsiteX5" y="connsiteY5"/>
-              </a:cxn>
-              <a:cxn ang="0">
-                <a:pos x="connsiteX6" y="connsiteY6"/>
-              </a:cxn>
-              <a:cxn ang="0">
-                <a:pos x="connsiteX7" y="connsiteY7"/>
-              </a:cxn>
-            </a:cxnLst>
-            <a:rect l="l" t="t" r="r" b="b"/>
-            <a:pathLst>
-              <a:path w="2913052" h="4731653">
-                <a:moveTo>
-                  <a:pt x="2913052" y="1331228"/>
-                </a:moveTo>
-                <a:cubicBezTo>
-                  <a:pt x="2889289" y="1121678"/>
-                  <a:pt x="2910175" y="1118504"/>
-                  <a:pt x="2884775" y="902604"/>
-                </a:cubicBezTo>
-                <a:cubicBezTo>
-                  <a:pt x="2859375" y="686704"/>
-                  <a:pt x="2930564" y="156478"/>
-                  <a:pt x="2760652" y="35828"/>
-                </a:cubicBezTo>
-                <a:cubicBezTo>
-                  <a:pt x="2590740" y="-84822"/>
-                  <a:pt x="2300277" y="134253"/>
-                  <a:pt x="1865302" y="178703"/>
-                </a:cubicBezTo>
-                <a:cubicBezTo>
-                  <a:pt x="1430327" y="223153"/>
-                  <a:pt x="449252" y="42178"/>
-                  <a:pt x="150802" y="302528"/>
-                </a:cubicBezTo>
-                <a:cubicBezTo>
-                  <a:pt x="-147648" y="562878"/>
-                  <a:pt x="92065" y="1096278"/>
-                  <a:pt x="74602" y="1740803"/>
-                </a:cubicBezTo>
-                <a:cubicBezTo>
-                  <a:pt x="57139" y="2385328"/>
-                  <a:pt x="-17473" y="3671203"/>
-                  <a:pt x="46027" y="4169678"/>
-                </a:cubicBezTo>
-                <a:cubicBezTo>
-                  <a:pt x="109527" y="4668153"/>
-                  <a:pt x="385752" y="4687203"/>
-                  <a:pt x="455602" y="4731653"/>
-                </a:cubicBezTo>
-              </a:path>
-            </a:pathLst>
-          </a:custGeom>
-        </p:spPr>
-        <p:style>
-          <a:lnRef idx="2">
-            <a:schemeClr val="dk1"/>
-          </a:lnRef>
-          <a:fillRef idx="0">
-            <a:schemeClr val="dk1"/>
-          </a:fillRef>
-          <a:effectRef idx="1">
-            <a:schemeClr val="dk1"/>
-          </a:effectRef>
-          <a:fontRef idx="minor">
-            <a:schemeClr val="tx1"/>
-          </a:fontRef>
-        </p:style>
-        <p:txBody>
-          <a:bodyPr rtlCol="0" anchor="ctr"/>
-          <a:lstStyle/>
-          <a:p>
-            <a:pPr algn="ctr"/>
-            <a:endParaRPr lang="en-US"/>
-          </a:p>
-        </p:txBody>
-      </p:sp>
-      <p:sp>
-        <p:nvSpPr>
-          <p:cNvPr id="57" name="Rectangle 56"/>
-          <p:cNvSpPr/>
-          <p:nvPr/>
-        </p:nvSpPr>
-        <p:spPr>
-          <a:xfrm>
-            <a:off x="5181601" y="838200"/>
-            <a:ext cx="1609428" cy="914400"/>
-          </a:xfrm>
-          <a:prstGeom prst="rect">
-            <a:avLst/>
-          </a:prstGeom>
-        </p:spPr>
-        <p:style>
-          <a:lnRef idx="2">
-            <a:schemeClr val="dk1"/>
-          </a:lnRef>
-          <a:fillRef idx="1">
-            <a:schemeClr val="lt1"/>
-          </a:fillRef>
-          <a:effectRef idx="0">
-            <a:schemeClr val="dk1"/>
-          </a:effectRef>
-          <a:fontRef idx="minor">
-            <a:schemeClr val="dk1"/>
-          </a:fontRef>
-        </p:style>
-        <p:txBody>
-          <a:bodyPr rtlCol="0" anchor="b"/>
-          <a:lstStyle/>
-          <a:p>
-            <a:pPr algn="ctr"/>
-            <a:endParaRPr lang="en-US" sz="6000" dirty="0">
-              <a:solidFill>
-                <a:srgbClr val="FF0000"/>
-              </a:solidFill>
-              <a:latin typeface="Razer Header Light" pitchFamily="2" charset="0"/>
-            </a:endParaRPr>
-          </a:p>
-        </p:txBody>
-      </p:sp>
-      <p:sp>
-        <p:nvSpPr>
-          <p:cNvPr id="53" name="Rectangle 52"/>
-          <p:cNvSpPr/>
-          <p:nvPr/>
-        </p:nvSpPr>
-        <p:spPr>
-          <a:xfrm>
-            <a:off x="1231150" y="914400"/>
-            <a:ext cx="2188028" cy="838200"/>
-          </a:xfrm>
-          <a:prstGeom prst="rect">
-            <a:avLst/>
-          </a:prstGeom>
-        </p:spPr>
-        <p:style>
-          <a:lnRef idx="2">
-            <a:schemeClr val="dk1"/>
-          </a:lnRef>
-          <a:fillRef idx="1">
-            <a:schemeClr val="lt1"/>
-          </a:fillRef>
-          <a:effectRef idx="0">
-            <a:schemeClr val="dk1"/>
-          </a:effectRef>
-          <a:fontRef idx="minor">
-            <a:schemeClr val="dk1"/>
-          </a:fontRef>
-        </p:style>
-        <p:txBody>
-          <a:bodyPr rtlCol="0" anchor="t"/>
-          <a:lstStyle/>
-          <a:p>
-            <a:pPr algn="ctr"/>
-            <a:r>
-              <a:rPr lang="en-US" sz="4800" dirty="0" smtClean="0">
-                <a:solidFill>
-                  <a:srgbClr val="FF0000"/>
-                </a:solidFill>
-                <a:latin typeface="NI7SEG" pitchFamily="2" charset="0"/>
-              </a:rPr>
-              <a:t>8888</a:t>
-            </a:r>
-            <a:endParaRPr lang="en-US" sz="4800" dirty="0">
-              <a:solidFill>
-                <a:srgbClr val="FF0000"/>
-              </a:solidFill>
-              <a:latin typeface="NI7SEG" pitchFamily="2" charset="0"/>
-            </a:endParaRPr>
-          </a:p>
-        </p:txBody>
-      </p:sp>
-      <p:sp>
-        <p:nvSpPr>
-          <p:cNvPr id="47" name="Rectangle 46"/>
-          <p:cNvSpPr/>
-          <p:nvPr/>
-        </p:nvSpPr>
-        <p:spPr>
-          <a:xfrm>
-            <a:off x="3819228" y="1791912"/>
-            <a:ext cx="457200" cy="990600"/>
-          </a:xfrm>
-          <a:prstGeom prst="rect">
-            <a:avLst/>
-          </a:prstGeom>
-        </p:spPr>
-        <p:style>
-          <a:lnRef idx="1">
-            <a:schemeClr val="accent3"/>
-          </a:lnRef>
-          <a:fillRef idx="3">
-            <a:schemeClr val="accent3"/>
-          </a:fillRef>
-          <a:effectRef idx="2">
-            <a:schemeClr val="accent3"/>
-          </a:effectRef>
-          <a:fontRef idx="minor">
-            <a:schemeClr val="lt1"/>
-          </a:fontRef>
-        </p:style>
-        <p:txBody>
-          <a:bodyPr rtlCol="0" anchor="ctr"/>
-          <a:lstStyle/>
-          <a:p>
-            <a:pPr algn="ctr"/>
-            <a:endParaRPr lang="en-US"/>
-          </a:p>
-        </p:txBody>
-      </p:sp>
-      <p:cxnSp>
-        <p:nvCxnSpPr>
-          <p:cNvPr id="49" name="Straight Connector 48"/>
-          <p:cNvCxnSpPr>
-            <a:stCxn id="47" idx="2"/>
-          </p:cNvCxnSpPr>
-          <p:nvPr/>
-        </p:nvCxnSpPr>
-        <p:spPr>
-          <a:xfrm>
-            <a:off x="4047828" y="2782512"/>
-            <a:ext cx="0" cy="959305"/>
-          </a:xfrm>
-          <a:prstGeom prst="line">
-            <a:avLst/>
-          </a:prstGeom>
-          <a:ln w="76200"/>
-        </p:spPr>
-        <p:style>
-          <a:lnRef idx="3">
-            <a:schemeClr val="accent2"/>
-          </a:lnRef>
-          <a:fillRef idx="0">
-            <a:schemeClr val="accent2"/>
-          </a:fillRef>
-          <a:effectRef idx="2">
-            <a:schemeClr val="accent2"/>
-          </a:effectRef>
-          <a:fontRef idx="minor">
-            <a:schemeClr val="tx1"/>
-          </a:fontRef>
-        </p:style>
-      </p:cxnSp>
-      <p:sp>
-        <p:nvSpPr>
-          <p:cNvPr id="50" name="Rectangle 49"/>
-          <p:cNvSpPr/>
-          <p:nvPr/>
-        </p:nvSpPr>
-        <p:spPr>
-          <a:xfrm>
-            <a:off x="3971628" y="3713242"/>
-            <a:ext cx="152400" cy="59870"/>
-          </a:xfrm>
-          <a:prstGeom prst="rect">
-            <a:avLst/>
-          </a:prstGeom>
-          <a:solidFill>
-            <a:schemeClr val="accent2"/>
-          </a:solidFill>
-          <a:ln>
-            <a:solidFill>
-              <a:schemeClr val="accent2"/>
-            </a:solidFill>
-          </a:ln>
-        </p:spPr>
-        <p:style>
-          <a:lnRef idx="2">
-            <a:schemeClr val="accent1">
-              <a:shade val="50000"/>
-            </a:schemeClr>
-          </a:lnRef>
-          <a:fillRef idx="1">
-            <a:schemeClr val="accent1"/>
-          </a:fillRef>
-          <a:effectRef idx="0">
-            <a:schemeClr val="accent1"/>
-          </a:effectRef>
-          <a:fontRef idx="minor">
-            <a:schemeClr val="lt1"/>
-          </a:fontRef>
-        </p:style>
-        <p:txBody>
-          <a:bodyPr rtlCol="0" anchor="ctr"/>
-          <a:lstStyle/>
-          <a:p>
-            <a:pPr algn="ctr"/>
-            <a:endParaRPr lang="en-US"/>
-          </a:p>
-        </p:txBody>
-      </p:sp>
-      <p:sp>
-        <p:nvSpPr>
-          <p:cNvPr id="52" name="Rectangle 51"/>
-          <p:cNvSpPr/>
-          <p:nvPr/>
-        </p:nvSpPr>
-        <p:spPr>
-          <a:xfrm>
-            <a:off x="6793750" y="2514600"/>
-            <a:ext cx="130628" cy="1143000"/>
-          </a:xfrm>
-          <a:prstGeom prst="rect">
-            <a:avLst/>
-          </a:prstGeom>
-          <a:solidFill>
-            <a:schemeClr val="bg1">
-              <a:lumMod val="50000"/>
-            </a:schemeClr>
-          </a:solidFill>
-          <a:ln>
-            <a:solidFill>
-              <a:schemeClr val="bg1">
-                <a:lumMod val="50000"/>
-              </a:schemeClr>
-            </a:solidFill>
-          </a:ln>
-        </p:spPr>
-        <p:style>
-          <a:lnRef idx="2">
-            <a:schemeClr val="accent1">
-              <a:shade val="50000"/>
-            </a:schemeClr>
-          </a:lnRef>
-          <a:fillRef idx="1">
-            <a:schemeClr val="accent1"/>
-          </a:fillRef>
-          <a:effectRef idx="0">
-            <a:schemeClr val="accent1"/>
-          </a:effectRef>
-          <a:fontRef idx="minor">
-            <a:schemeClr val="lt1"/>
-          </a:fontRef>
-        </p:style>
-        <p:txBody>
-          <a:bodyPr rtlCol="0" anchor="ctr"/>
-          <a:lstStyle/>
-          <a:p>
-            <a:pPr algn="ctr"/>
-            <a:endParaRPr lang="en-US"/>
-          </a:p>
-        </p:txBody>
-      </p:sp>
-      <p:sp>
-        <p:nvSpPr>
-          <p:cNvPr id="51" name="Rectangle 50"/>
-          <p:cNvSpPr/>
-          <p:nvPr/>
-        </p:nvSpPr>
-        <p:spPr>
-          <a:xfrm>
-            <a:off x="1247478" y="5086350"/>
-            <a:ext cx="819150" cy="1251858"/>
-          </a:xfrm>
-          <a:prstGeom prst="rect">
-            <a:avLst/>
-          </a:prstGeom>
-        </p:spPr>
-        <p:style>
-          <a:lnRef idx="1">
-            <a:schemeClr val="accent3"/>
-          </a:lnRef>
-          <a:fillRef idx="3">
-            <a:schemeClr val="accent3"/>
-          </a:fillRef>
-          <a:effectRef idx="2">
-            <a:schemeClr val="accent3"/>
-          </a:effectRef>
-          <a:fontRef idx="minor">
-            <a:schemeClr val="lt1"/>
-          </a:fontRef>
-        </p:style>
-        <p:txBody>
-          <a:bodyPr rtlCol="0" anchor="ctr"/>
-          <a:lstStyle/>
-          <a:p>
-            <a:pPr algn="ctr"/>
-            <a:endParaRPr lang="en-US"/>
-          </a:p>
-        </p:txBody>
-      </p:sp>
-      <p:cxnSp>
-        <p:nvCxnSpPr>
-          <p:cNvPr id="4" name="Straight Connector 3"/>
-          <p:cNvCxnSpPr/>
-          <p:nvPr/>
-        </p:nvCxnSpPr>
-        <p:spPr>
-          <a:xfrm>
-            <a:off x="1231150" y="3614058"/>
-            <a:ext cx="0" cy="2743200"/>
-          </a:xfrm>
-          <a:prstGeom prst="line">
-            <a:avLst/>
-          </a:prstGeom>
-        </p:spPr>
-        <p:style>
-          <a:lnRef idx="3">
-            <a:schemeClr val="dk1"/>
-          </a:lnRef>
-          <a:fillRef idx="0">
-            <a:schemeClr val="dk1"/>
-          </a:fillRef>
-          <a:effectRef idx="2">
-            <a:schemeClr val="dk1"/>
-          </a:effectRef>
-          <a:fontRef idx="minor">
-            <a:schemeClr val="tx1"/>
-          </a:fontRef>
-        </p:style>
-      </p:cxnSp>
-      <p:cxnSp>
-        <p:nvCxnSpPr>
-          <p:cNvPr id="5" name="Straight Connector 4"/>
-          <p:cNvCxnSpPr/>
-          <p:nvPr/>
-        </p:nvCxnSpPr>
-        <p:spPr>
-          <a:xfrm>
-            <a:off x="6793750" y="3614058"/>
-            <a:ext cx="0" cy="2743200"/>
-          </a:xfrm>
-          <a:prstGeom prst="line">
-            <a:avLst/>
-          </a:prstGeom>
-        </p:spPr>
-        <p:style>
-          <a:lnRef idx="3">
-            <a:schemeClr val="dk1"/>
-          </a:lnRef>
-          <a:fillRef idx="0">
-            <a:schemeClr val="dk1"/>
-          </a:fillRef>
-          <a:effectRef idx="2">
-            <a:schemeClr val="dk1"/>
-          </a:effectRef>
-          <a:fontRef idx="minor">
-            <a:schemeClr val="tx1"/>
-          </a:fontRef>
-        </p:style>
-      </p:cxnSp>
-      <p:cxnSp>
-        <p:nvCxnSpPr>
-          <p:cNvPr id="6" name="Straight Connector 5"/>
-          <p:cNvCxnSpPr/>
-          <p:nvPr/>
-        </p:nvCxnSpPr>
-        <p:spPr>
-          <a:xfrm>
-            <a:off x="1220264" y="4648200"/>
-            <a:ext cx="5562600" cy="0"/>
-          </a:xfrm>
-          <a:prstGeom prst="line">
-            <a:avLst/>
-          </a:prstGeom>
-        </p:spPr>
-        <p:style>
-          <a:lnRef idx="3">
-            <a:schemeClr val="dk1"/>
-          </a:lnRef>
-          <a:fillRef idx="0">
-            <a:schemeClr val="dk1"/>
-          </a:fillRef>
-          <a:effectRef idx="2">
-            <a:schemeClr val="dk1"/>
-          </a:effectRef>
-          <a:fontRef idx="minor">
-            <a:schemeClr val="tx1"/>
-          </a:fontRef>
-        </p:style>
-      </p:cxnSp>
-      <p:cxnSp>
-        <p:nvCxnSpPr>
-          <p:cNvPr id="11" name="Straight Connector 10"/>
-          <p:cNvCxnSpPr/>
-          <p:nvPr/>
-        </p:nvCxnSpPr>
-        <p:spPr>
-          <a:xfrm flipV="1">
-            <a:off x="1231150" y="4648200"/>
-            <a:ext cx="968828" cy="1709058"/>
-          </a:xfrm>
-          <a:prstGeom prst="line">
-            <a:avLst/>
-          </a:prstGeom>
-        </p:spPr>
-        <p:style>
-          <a:lnRef idx="3">
-            <a:schemeClr val="dk1"/>
-          </a:lnRef>
-          <a:fillRef idx="0">
-            <a:schemeClr val="dk1"/>
-          </a:fillRef>
-          <a:effectRef idx="2">
-            <a:schemeClr val="dk1"/>
-          </a:effectRef>
-          <a:fontRef idx="minor">
-            <a:schemeClr val="tx1"/>
-          </a:fontRef>
-        </p:style>
-      </p:cxnSp>
-      <p:cxnSp>
-        <p:nvCxnSpPr>
-          <p:cNvPr id="12" name="Straight Connector 11"/>
-          <p:cNvCxnSpPr/>
-          <p:nvPr/>
-        </p:nvCxnSpPr>
-        <p:spPr>
-          <a:xfrm flipH="1" flipV="1">
-            <a:off x="5791126" y="4648200"/>
-            <a:ext cx="1002624" cy="1709058"/>
-          </a:xfrm>
-          <a:prstGeom prst="line">
-            <a:avLst/>
-          </a:prstGeom>
-        </p:spPr>
-        <p:style>
-          <a:lnRef idx="3">
-            <a:schemeClr val="dk1"/>
-          </a:lnRef>
-          <a:fillRef idx="0">
-            <a:schemeClr val="dk1"/>
-          </a:fillRef>
-          <a:effectRef idx="2">
-            <a:schemeClr val="dk1"/>
-          </a:effectRef>
-          <a:fontRef idx="minor">
-            <a:schemeClr val="tx1"/>
-          </a:fontRef>
-        </p:style>
-      </p:cxnSp>
-      <p:cxnSp>
-        <p:nvCxnSpPr>
-          <p:cNvPr id="15" name="Straight Connector 14"/>
-          <p:cNvCxnSpPr/>
-          <p:nvPr/>
-        </p:nvCxnSpPr>
-        <p:spPr>
-          <a:xfrm flipH="1" flipV="1">
-            <a:off x="2199978" y="4648200"/>
-            <a:ext cx="914400" cy="1709058"/>
-          </a:xfrm>
-          <a:prstGeom prst="line">
-            <a:avLst/>
-          </a:prstGeom>
-        </p:spPr>
-        <p:style>
-          <a:lnRef idx="3">
-            <a:schemeClr val="dk1"/>
-          </a:lnRef>
-          <a:fillRef idx="0">
-            <a:schemeClr val="dk1"/>
-          </a:fillRef>
-          <a:effectRef idx="2">
-            <a:schemeClr val="dk1"/>
-          </a:effectRef>
-          <a:fontRef idx="minor">
-            <a:schemeClr val="tx1"/>
-          </a:fontRef>
-        </p:style>
-      </p:cxnSp>
-      <p:cxnSp>
-        <p:nvCxnSpPr>
-          <p:cNvPr id="18" name="Straight Connector 17"/>
-          <p:cNvCxnSpPr/>
-          <p:nvPr/>
-        </p:nvCxnSpPr>
-        <p:spPr>
-          <a:xfrm flipH="1">
-            <a:off x="1231150" y="6357258"/>
-            <a:ext cx="5562600" cy="0"/>
-          </a:xfrm>
-          <a:prstGeom prst="line">
-            <a:avLst/>
-          </a:prstGeom>
-        </p:spPr>
-        <p:style>
-          <a:lnRef idx="3">
-            <a:schemeClr val="dk1"/>
-          </a:lnRef>
-          <a:fillRef idx="0">
-            <a:schemeClr val="dk1"/>
-          </a:fillRef>
-          <a:effectRef idx="2">
-            <a:schemeClr val="dk1"/>
-          </a:effectRef>
-          <a:fontRef idx="minor">
-            <a:schemeClr val="tx1"/>
-          </a:fontRef>
-        </p:style>
-      </p:cxnSp>
-      <p:cxnSp>
-        <p:nvCxnSpPr>
-          <p:cNvPr id="21" name="Straight Connector 20"/>
-          <p:cNvCxnSpPr/>
-          <p:nvPr/>
-        </p:nvCxnSpPr>
-        <p:spPr>
-          <a:xfrm flipV="1">
-            <a:off x="4866978" y="4648200"/>
-            <a:ext cx="924148" cy="1709058"/>
-          </a:xfrm>
-          <a:prstGeom prst="line">
-            <a:avLst/>
-          </a:prstGeom>
-        </p:spPr>
-        <p:style>
-          <a:lnRef idx="3">
-            <a:schemeClr val="dk1"/>
-          </a:lnRef>
-          <a:fillRef idx="0">
-            <a:schemeClr val="dk1"/>
-          </a:fillRef>
-          <a:effectRef idx="2">
-            <a:schemeClr val="dk1"/>
-          </a:effectRef>
-          <a:fontRef idx="minor">
-            <a:schemeClr val="tx1"/>
-          </a:fontRef>
-        </p:style>
-      </p:cxnSp>
-      <p:cxnSp>
-        <p:nvCxnSpPr>
-          <p:cNvPr id="32" name="Straight Connector 31"/>
-          <p:cNvCxnSpPr/>
-          <p:nvPr/>
-        </p:nvCxnSpPr>
-        <p:spPr>
-          <a:xfrm flipH="1" flipV="1">
-            <a:off x="4001564" y="4648200"/>
-            <a:ext cx="865414" cy="1709058"/>
-          </a:xfrm>
-          <a:prstGeom prst="line">
-            <a:avLst/>
-          </a:prstGeom>
-        </p:spPr>
-        <p:style>
-          <a:lnRef idx="3">
-            <a:schemeClr val="dk1"/>
-          </a:lnRef>
-          <a:fillRef idx="0">
-            <a:schemeClr val="dk1"/>
-          </a:fillRef>
-          <a:effectRef idx="2">
-            <a:schemeClr val="dk1"/>
-          </a:effectRef>
-          <a:fontRef idx="minor">
-            <a:schemeClr val="tx1"/>
-          </a:fontRef>
-        </p:style>
-      </p:cxnSp>
-      <p:cxnSp>
-        <p:nvCxnSpPr>
-          <p:cNvPr id="34" name="Straight Connector 33"/>
-          <p:cNvCxnSpPr/>
-          <p:nvPr/>
-        </p:nvCxnSpPr>
-        <p:spPr>
-          <a:xfrm flipH="1">
-            <a:off x="3114378" y="4648200"/>
-            <a:ext cx="838200" cy="1709058"/>
-          </a:xfrm>
-          <a:prstGeom prst="line">
-            <a:avLst/>
-          </a:prstGeom>
-        </p:spPr>
-        <p:style>
-          <a:lnRef idx="3">
-            <a:schemeClr val="dk1"/>
-          </a:lnRef>
-          <a:fillRef idx="0">
-            <a:schemeClr val="dk1"/>
-          </a:fillRef>
-          <a:effectRef idx="2">
-            <a:schemeClr val="dk1"/>
-          </a:effectRef>
-          <a:fontRef idx="minor">
-            <a:schemeClr val="tx1"/>
-          </a:fontRef>
-        </p:style>
-      </p:cxnSp>
-      <p:cxnSp>
-        <p:nvCxnSpPr>
-          <p:cNvPr id="38" name="Straight Connector 37"/>
-          <p:cNvCxnSpPr/>
-          <p:nvPr/>
-        </p:nvCxnSpPr>
-        <p:spPr>
-          <a:xfrm>
-            <a:off x="1231150" y="1752600"/>
-            <a:ext cx="0" cy="1861460"/>
-          </a:xfrm>
-          <a:prstGeom prst="line">
-            <a:avLst/>
-          </a:prstGeom>
-        </p:spPr>
-        <p:style>
-          <a:lnRef idx="3">
-            <a:schemeClr val="dk1"/>
-          </a:lnRef>
-          <a:fillRef idx="0">
-            <a:schemeClr val="dk1"/>
-          </a:fillRef>
-          <a:effectRef idx="2">
-            <a:schemeClr val="dk1"/>
-          </a:effectRef>
-          <a:fontRef idx="minor">
-            <a:schemeClr val="tx1"/>
-          </a:fontRef>
-        </p:style>
-      </p:cxnSp>
-      <p:cxnSp>
-        <p:nvCxnSpPr>
-          <p:cNvPr id="41" name="Straight Connector 40"/>
-          <p:cNvCxnSpPr/>
-          <p:nvPr/>
-        </p:nvCxnSpPr>
-        <p:spPr>
-          <a:xfrm>
-            <a:off x="6791028" y="1752600"/>
-            <a:ext cx="0" cy="1861460"/>
-          </a:xfrm>
-          <a:prstGeom prst="line">
-            <a:avLst/>
-          </a:prstGeom>
-        </p:spPr>
-        <p:style>
-          <a:lnRef idx="3">
-            <a:schemeClr val="dk1"/>
-          </a:lnRef>
-          <a:fillRef idx="0">
-            <a:schemeClr val="dk1"/>
-          </a:fillRef>
-          <a:effectRef idx="2">
-            <a:schemeClr val="dk1"/>
-          </a:effectRef>
-          <a:fontRef idx="minor">
-            <a:schemeClr val="tx1"/>
-          </a:fontRef>
-        </p:style>
-      </p:cxnSp>
-      <p:cxnSp>
-        <p:nvCxnSpPr>
-          <p:cNvPr id="42" name="Straight Connector 41"/>
-          <p:cNvCxnSpPr/>
-          <p:nvPr/>
-        </p:nvCxnSpPr>
-        <p:spPr>
-          <a:xfrm>
-            <a:off x="1228428" y="1752600"/>
-            <a:ext cx="5562600" cy="0"/>
-          </a:xfrm>
-          <a:prstGeom prst="line">
-            <a:avLst/>
-          </a:prstGeom>
-        </p:spPr>
-        <p:style>
-          <a:lnRef idx="3">
-            <a:schemeClr val="dk1"/>
-          </a:lnRef>
-          <a:fillRef idx="0">
-            <a:schemeClr val="dk1"/>
-          </a:fillRef>
-          <a:effectRef idx="2">
-            <a:schemeClr val="dk1"/>
-          </a:effectRef>
-          <a:fontRef idx="minor">
-            <a:schemeClr val="tx1"/>
-          </a:fontRef>
-        </p:style>
-      </p:cxnSp>
-      <p:cxnSp>
-        <p:nvCxnSpPr>
-          <p:cNvPr id="44" name="Straight Connector 43"/>
-          <p:cNvCxnSpPr/>
-          <p:nvPr/>
-        </p:nvCxnSpPr>
-        <p:spPr>
-          <a:xfrm>
-            <a:off x="4544192" y="1752600"/>
-            <a:ext cx="2235085" cy="1997530"/>
-          </a:xfrm>
-          <a:prstGeom prst="line">
-            <a:avLst/>
-          </a:prstGeom>
-        </p:spPr>
-        <p:style>
-          <a:lnRef idx="3">
-            <a:schemeClr val="dk1"/>
-          </a:lnRef>
-          <a:fillRef idx="0">
-            <a:schemeClr val="dk1"/>
-          </a:fillRef>
-          <a:effectRef idx="2">
-            <a:schemeClr val="dk1"/>
-          </a:effectRef>
-          <a:fontRef idx="minor">
-            <a:schemeClr val="tx1"/>
-          </a:fontRef>
-        </p:style>
-      </p:cxnSp>
-      <p:cxnSp>
-        <p:nvCxnSpPr>
-          <p:cNvPr id="46" name="Straight Connector 45"/>
-          <p:cNvCxnSpPr/>
-          <p:nvPr/>
-        </p:nvCxnSpPr>
-        <p:spPr>
-          <a:xfrm flipH="1">
-            <a:off x="1239314" y="1752600"/>
-            <a:ext cx="2179864" cy="2020512"/>
-          </a:xfrm>
-          <a:prstGeom prst="line">
-            <a:avLst/>
-          </a:prstGeom>
-        </p:spPr>
-        <p:style>
-          <a:lnRef idx="3">
-            <a:schemeClr val="dk1"/>
-          </a:lnRef>
-          <a:fillRef idx="0">
-            <a:schemeClr val="dk1"/>
-          </a:fillRef>
-          <a:effectRef idx="2">
-            <a:schemeClr val="dk1"/>
-          </a:effectRef>
-          <a:fontRef idx="minor">
-            <a:schemeClr val="tx1"/>
-          </a:fontRef>
-        </p:style>
-      </p:cxnSp>
-      <p:sp>
-        <p:nvSpPr>
-          <p:cNvPr id="55" name="Oval 54"/>
-          <p:cNvSpPr/>
-          <p:nvPr/>
-        </p:nvSpPr>
-        <p:spPr>
-          <a:xfrm>
-            <a:off x="1072775" y="6366782"/>
-            <a:ext cx="316750" cy="338817"/>
-          </a:xfrm>
-          <a:prstGeom prst="ellipse">
-            <a:avLst/>
-          </a:prstGeom>
-          <a:solidFill>
-            <a:schemeClr val="tx1"/>
-          </a:solidFill>
-          <a:ln>
-            <a:solidFill>
-              <a:schemeClr val="tx1"/>
-            </a:solidFill>
-          </a:ln>
-        </p:spPr>
-        <p:style>
-          <a:lnRef idx="2">
-            <a:schemeClr val="accent1">
-              <a:shade val="50000"/>
-            </a:schemeClr>
-          </a:lnRef>
-          <a:fillRef idx="1">
-            <a:schemeClr val="accent1"/>
-          </a:fillRef>
-          <a:effectRef idx="0">
-            <a:schemeClr val="accent1"/>
-          </a:effectRef>
-          <a:fontRef idx="minor">
-            <a:schemeClr val="lt1"/>
-          </a:fontRef>
-        </p:style>
-        <p:txBody>
-          <a:bodyPr rtlCol="0" anchor="ctr"/>
-          <a:lstStyle/>
-          <a:p>
-            <a:pPr algn="ctr"/>
-            <a:endParaRPr lang="en-US"/>
-          </a:p>
-        </p:txBody>
-      </p:sp>
-      <p:sp>
-        <p:nvSpPr>
-          <p:cNvPr id="56" name="Oval 55"/>
-          <p:cNvSpPr/>
-          <p:nvPr/>
-        </p:nvSpPr>
-        <p:spPr>
-          <a:xfrm>
-            <a:off x="6609713" y="6390910"/>
-            <a:ext cx="362631" cy="348341"/>
-          </a:xfrm>
-          <a:prstGeom prst="ellipse">
-            <a:avLst/>
-          </a:prstGeom>
-          <a:solidFill>
-            <a:schemeClr val="tx1"/>
-          </a:solidFill>
-          <a:ln>
-            <a:solidFill>
-              <a:schemeClr val="tx1"/>
-            </a:solidFill>
-          </a:ln>
-        </p:spPr>
-        <p:style>
-          <a:lnRef idx="2">
-            <a:schemeClr val="accent1">
-              <a:shade val="50000"/>
-            </a:schemeClr>
-          </a:lnRef>
-          <a:fillRef idx="1">
-            <a:schemeClr val="accent1"/>
-          </a:fillRef>
-          <a:effectRef idx="0">
-            <a:schemeClr val="accent1"/>
-          </a:effectRef>
-          <a:fontRef idx="minor">
-            <a:schemeClr val="lt1"/>
-          </a:fontRef>
-        </p:style>
-        <p:txBody>
-          <a:bodyPr rtlCol="0" anchor="ctr"/>
-          <a:lstStyle/>
-          <a:p>
-            <a:pPr algn="ctr"/>
-            <a:endParaRPr lang="en-US"/>
-          </a:p>
-        </p:txBody>
-      </p:sp>
-      <p:sp>
-        <p:nvSpPr>
-          <p:cNvPr id="61" name="TextBox 60"/>
-          <p:cNvSpPr txBox="1"/>
-          <p:nvPr/>
-        </p:nvSpPr>
-        <p:spPr>
-          <a:xfrm>
-            <a:off x="7047444" y="3554951"/>
-            <a:ext cx="2132535" cy="1754326"/>
-          </a:xfrm>
-          <a:prstGeom prst="rect">
-            <a:avLst/>
-          </a:prstGeom>
-          <a:noFill/>
-        </p:spPr>
-        <p:txBody>
-          <a:bodyPr wrap="square" rtlCol="0">
-            <a:spAutoFit/>
-          </a:bodyPr>
-          <a:lstStyle/>
-          <a:p>
-            <a:r>
-              <a:rPr lang="en-US" dirty="0" smtClean="0"/>
-              <a:t>Control box:</a:t>
-            </a:r>
-            <a:endParaRPr lang="en-US" dirty="0"/>
-          </a:p>
-          <a:p>
-            <a:pPr marL="285750" indent="-285750">
-              <a:buFont typeface="Arial" pitchFamily="34" charset="0"/>
-              <a:buChar char="•"/>
-            </a:pPr>
-            <a:r>
-              <a:rPr lang="en-US" dirty="0" smtClean="0"/>
-              <a:t>Raspberry Pi</a:t>
-            </a:r>
-          </a:p>
-          <a:p>
-            <a:pPr marL="285750" indent="-285750">
-              <a:buFont typeface="Arial" pitchFamily="34" charset="0"/>
-              <a:buChar char="•"/>
-            </a:pPr>
-            <a:r>
-              <a:rPr lang="en-US" dirty="0" smtClean="0"/>
-              <a:t>I2C A2D</a:t>
-            </a:r>
-          </a:p>
-          <a:p>
-            <a:pPr marL="742950" lvl="1" indent="-285750">
-              <a:buFont typeface="Arial" pitchFamily="34" charset="0"/>
-              <a:buChar char="•"/>
-            </a:pPr>
-            <a:r>
-              <a:rPr lang="en-US" dirty="0" smtClean="0"/>
-              <a:t>Force</a:t>
-            </a:r>
-          </a:p>
-          <a:p>
-            <a:pPr marL="742950" lvl="1" indent="-285750">
-              <a:buFont typeface="Arial" pitchFamily="34" charset="0"/>
-              <a:buChar char="•"/>
-            </a:pPr>
-            <a:r>
-              <a:rPr lang="en-US" dirty="0" smtClean="0"/>
-              <a:t>Deflection</a:t>
-            </a:r>
-          </a:p>
-          <a:p>
-            <a:pPr marL="285750" indent="-285750">
-              <a:buFont typeface="Arial" pitchFamily="34" charset="0"/>
-              <a:buChar char="•"/>
-            </a:pPr>
-            <a:r>
-              <a:rPr lang="en-US" dirty="0" smtClean="0"/>
-              <a:t>Switches</a:t>
-            </a:r>
-          </a:p>
-        </p:txBody>
-      </p:sp>
-      <p:cxnSp>
-        <p:nvCxnSpPr>
-          <p:cNvPr id="63" name="Straight Arrow Connector 62"/>
-          <p:cNvCxnSpPr>
-            <a:stCxn id="61" idx="0"/>
-          </p:cNvCxnSpPr>
-          <p:nvPr/>
-        </p:nvCxnSpPr>
-        <p:spPr>
-          <a:xfrm flipH="1" flipV="1">
-            <a:off x="7053794" y="3036509"/>
-            <a:ext cx="1059918" cy="518442"/>
-          </a:xfrm>
-          <a:prstGeom prst="straightConnector1">
-            <a:avLst/>
-          </a:prstGeom>
-          <a:ln>
-            <a:solidFill>
-              <a:schemeClr val="tx1"/>
-            </a:solidFill>
-            <a:tailEnd type="arrow"/>
-          </a:ln>
-        </p:spPr>
-        <p:style>
-          <a:lnRef idx="1">
-            <a:schemeClr val="accent1"/>
-          </a:lnRef>
-          <a:fillRef idx="0">
-            <a:schemeClr val="accent1"/>
-          </a:fillRef>
-          <a:effectRef idx="0">
-            <a:schemeClr val="accent1"/>
-          </a:effectRef>
-          <a:fontRef idx="minor">
-            <a:schemeClr val="tx1"/>
-          </a:fontRef>
-        </p:style>
-      </p:cxnSp>
-      <p:sp>
-        <p:nvSpPr>
-          <p:cNvPr id="64" name="TextBox 63"/>
-          <p:cNvSpPr txBox="1"/>
-          <p:nvPr/>
-        </p:nvSpPr>
-        <p:spPr>
-          <a:xfrm>
-            <a:off x="7391400" y="623748"/>
-            <a:ext cx="838200" cy="646331"/>
-          </a:xfrm>
-          <a:prstGeom prst="rect">
-            <a:avLst/>
-          </a:prstGeom>
-          <a:noFill/>
-        </p:spPr>
-        <p:txBody>
-          <a:bodyPr wrap="square" rtlCol="0">
-            <a:spAutoFit/>
-          </a:bodyPr>
-          <a:lstStyle/>
-          <a:p>
-            <a:r>
-              <a:rPr lang="en-US" dirty="0" smtClean="0"/>
-              <a:t>HDMI Cord</a:t>
-            </a:r>
-            <a:endParaRPr lang="en-US" dirty="0"/>
-          </a:p>
-        </p:txBody>
-      </p:sp>
-      <p:cxnSp>
-        <p:nvCxnSpPr>
-          <p:cNvPr id="66" name="Straight Arrow Connector 65"/>
-          <p:cNvCxnSpPr>
-            <a:stCxn id="64" idx="2"/>
-          </p:cNvCxnSpPr>
-          <p:nvPr/>
-        </p:nvCxnSpPr>
-        <p:spPr>
-          <a:xfrm flipH="1">
-            <a:off x="7010400" y="1270079"/>
-            <a:ext cx="800100" cy="327670"/>
-          </a:xfrm>
-          <a:prstGeom prst="straightConnector1">
-            <a:avLst/>
-          </a:prstGeom>
-          <a:ln>
-            <a:solidFill>
-              <a:schemeClr val="tx1"/>
-            </a:solidFill>
-            <a:tailEnd type="arrow"/>
-          </a:ln>
-        </p:spPr>
-        <p:style>
-          <a:lnRef idx="1">
-            <a:schemeClr val="accent1"/>
-          </a:lnRef>
-          <a:fillRef idx="0">
-            <a:schemeClr val="accent1"/>
-          </a:fillRef>
-          <a:effectRef idx="0">
-            <a:schemeClr val="accent1"/>
-          </a:effectRef>
-          <a:fontRef idx="minor">
-            <a:schemeClr val="tx1"/>
-          </a:fontRef>
-        </p:style>
-      </p:cxnSp>
-      <p:sp>
-        <p:nvSpPr>
-          <p:cNvPr id="67" name="TextBox 66"/>
-          <p:cNvSpPr txBox="1"/>
-          <p:nvPr/>
-        </p:nvSpPr>
-        <p:spPr>
-          <a:xfrm>
-            <a:off x="4953000" y="154824"/>
-            <a:ext cx="1371303" cy="369332"/>
-          </a:xfrm>
-          <a:prstGeom prst="rect">
-            <a:avLst/>
-          </a:prstGeom>
-          <a:noFill/>
-        </p:spPr>
-        <p:txBody>
-          <a:bodyPr wrap="square" rtlCol="0">
-            <a:spAutoFit/>
-          </a:bodyPr>
-          <a:lstStyle/>
-          <a:p>
-            <a:r>
-              <a:rPr lang="en-US" dirty="0" smtClean="0"/>
-              <a:t>LCD Screen</a:t>
-            </a:r>
-            <a:endParaRPr lang="en-US" dirty="0"/>
-          </a:p>
-        </p:txBody>
-      </p:sp>
-      <p:cxnSp>
-        <p:nvCxnSpPr>
-          <p:cNvPr id="69" name="Straight Arrow Connector 68"/>
-          <p:cNvCxnSpPr>
-            <a:stCxn id="67" idx="2"/>
-          </p:cNvCxnSpPr>
-          <p:nvPr/>
-        </p:nvCxnSpPr>
-        <p:spPr>
-          <a:xfrm>
-            <a:off x="5638652" y="524156"/>
-            <a:ext cx="304948" cy="314044"/>
-          </a:xfrm>
-          <a:prstGeom prst="straightConnector1">
-            <a:avLst/>
-          </a:prstGeom>
-          <a:ln>
-            <a:solidFill>
-              <a:schemeClr val="tx1"/>
-            </a:solidFill>
-            <a:tailEnd type="arrow"/>
-          </a:ln>
-        </p:spPr>
-        <p:style>
-          <a:lnRef idx="1">
-            <a:schemeClr val="accent1"/>
-          </a:lnRef>
-          <a:fillRef idx="0">
-            <a:schemeClr val="accent1"/>
-          </a:fillRef>
-          <a:effectRef idx="0">
-            <a:schemeClr val="accent1"/>
-          </a:effectRef>
-          <a:fontRef idx="minor">
-            <a:schemeClr val="tx1"/>
-          </a:fontRef>
-        </p:style>
-      </p:cxnSp>
-      <p:sp>
-        <p:nvSpPr>
-          <p:cNvPr id="70" name="TextBox 69"/>
-          <p:cNvSpPr txBox="1"/>
-          <p:nvPr/>
-        </p:nvSpPr>
-        <p:spPr>
-          <a:xfrm>
-            <a:off x="381000" y="52192"/>
-            <a:ext cx="1944164" cy="646331"/>
-          </a:xfrm>
-          <a:prstGeom prst="rect">
-            <a:avLst/>
-          </a:prstGeom>
-          <a:noFill/>
-        </p:spPr>
-        <p:txBody>
-          <a:bodyPr wrap="square" rtlCol="0">
-            <a:spAutoFit/>
-          </a:bodyPr>
-          <a:lstStyle/>
-          <a:p>
-            <a:r>
-              <a:rPr lang="en-US" dirty="0" smtClean="0"/>
-              <a:t>Large 7-Segment Display</a:t>
-            </a:r>
-            <a:endParaRPr lang="en-US" dirty="0"/>
-          </a:p>
-        </p:txBody>
-      </p:sp>
-      <p:cxnSp>
-        <p:nvCxnSpPr>
-          <p:cNvPr id="72" name="Straight Arrow Connector 71"/>
-          <p:cNvCxnSpPr/>
-          <p:nvPr/>
-        </p:nvCxnSpPr>
-        <p:spPr>
-          <a:xfrm>
-            <a:off x="1307350" y="421524"/>
-            <a:ext cx="759278" cy="416676"/>
-          </a:xfrm>
-          <a:prstGeom prst="straightConnector1">
-            <a:avLst/>
-          </a:prstGeom>
-          <a:ln>
-            <a:solidFill>
-              <a:schemeClr val="tx1"/>
-            </a:solidFill>
-            <a:tailEnd type="arrow"/>
-          </a:ln>
-        </p:spPr>
-        <p:style>
-          <a:lnRef idx="1">
-            <a:schemeClr val="accent1"/>
-          </a:lnRef>
-          <a:fillRef idx="0">
-            <a:schemeClr val="accent1"/>
-          </a:fillRef>
-          <a:effectRef idx="0">
-            <a:schemeClr val="accent1"/>
-          </a:effectRef>
-          <a:fontRef idx="minor">
-            <a:schemeClr val="tx1"/>
-          </a:fontRef>
-        </p:style>
-      </p:cxnSp>
-      <p:sp>
-        <p:nvSpPr>
-          <p:cNvPr id="73" name="TextBox 72"/>
-          <p:cNvSpPr txBox="1"/>
-          <p:nvPr/>
-        </p:nvSpPr>
-        <p:spPr>
-          <a:xfrm>
-            <a:off x="4544192" y="3002956"/>
-            <a:ext cx="1198937" cy="646331"/>
-          </a:xfrm>
-          <a:prstGeom prst="rect">
-            <a:avLst/>
-          </a:prstGeom>
-          <a:noFill/>
-        </p:spPr>
-        <p:txBody>
-          <a:bodyPr wrap="square" rtlCol="0">
-            <a:spAutoFit/>
-          </a:bodyPr>
-          <a:lstStyle/>
-          <a:p>
-            <a:r>
-              <a:rPr lang="en-US" dirty="0" smtClean="0"/>
-              <a:t>Hydraulic</a:t>
-            </a:r>
-          </a:p>
-          <a:p>
-            <a:r>
-              <a:rPr lang="en-US" dirty="0" smtClean="0"/>
-              <a:t>Cylinder</a:t>
-            </a:r>
-            <a:endParaRPr lang="en-US" dirty="0"/>
-          </a:p>
-        </p:txBody>
-      </p:sp>
-      <p:cxnSp>
-        <p:nvCxnSpPr>
-          <p:cNvPr id="75" name="Straight Arrow Connector 74"/>
-          <p:cNvCxnSpPr>
-            <a:stCxn id="73" idx="1"/>
-          </p:cNvCxnSpPr>
-          <p:nvPr/>
-        </p:nvCxnSpPr>
-        <p:spPr>
-          <a:xfrm flipH="1" flipV="1">
-            <a:off x="4248880" y="3326121"/>
-            <a:ext cx="295312" cy="1"/>
-          </a:xfrm>
-          <a:prstGeom prst="straightConnector1">
-            <a:avLst/>
-          </a:prstGeom>
-          <a:ln>
-            <a:solidFill>
-              <a:schemeClr val="tx1"/>
-            </a:solidFill>
-            <a:tailEnd type="arrow"/>
-          </a:ln>
-        </p:spPr>
-        <p:style>
-          <a:lnRef idx="1">
-            <a:schemeClr val="accent1"/>
-          </a:lnRef>
-          <a:fillRef idx="0">
-            <a:schemeClr val="accent1"/>
-          </a:fillRef>
-          <a:effectRef idx="0">
-            <a:schemeClr val="accent1"/>
-          </a:effectRef>
-          <a:fontRef idx="minor">
-            <a:schemeClr val="tx1"/>
-          </a:fontRef>
-        </p:style>
-      </p:cxnSp>
-      <p:sp>
-        <p:nvSpPr>
-          <p:cNvPr id="76" name="TextBox 75"/>
-          <p:cNvSpPr txBox="1"/>
-          <p:nvPr/>
-        </p:nvSpPr>
-        <p:spPr>
-          <a:xfrm>
-            <a:off x="76200" y="2514600"/>
-            <a:ext cx="990600" cy="646331"/>
-          </a:xfrm>
-          <a:prstGeom prst="rect">
-            <a:avLst/>
-          </a:prstGeom>
-          <a:noFill/>
-        </p:spPr>
-        <p:txBody>
-          <a:bodyPr wrap="square" rtlCol="0">
-            <a:spAutoFit/>
-          </a:bodyPr>
-          <a:lstStyle/>
-          <a:p>
-            <a:r>
-              <a:rPr lang="en-US" dirty="0" smtClean="0"/>
-              <a:t>Pressure</a:t>
-            </a:r>
-          </a:p>
-          <a:p>
-            <a:r>
-              <a:rPr lang="en-US" dirty="0" smtClean="0"/>
-              <a:t>Line</a:t>
-            </a:r>
-            <a:endParaRPr lang="en-US" dirty="0"/>
-          </a:p>
-        </p:txBody>
-      </p:sp>
-      <p:cxnSp>
-        <p:nvCxnSpPr>
-          <p:cNvPr id="78" name="Straight Arrow Connector 77"/>
-          <p:cNvCxnSpPr>
-            <a:stCxn id="76" idx="2"/>
-          </p:cNvCxnSpPr>
-          <p:nvPr/>
-        </p:nvCxnSpPr>
-        <p:spPr>
-          <a:xfrm>
-            <a:off x="571500" y="3160931"/>
-            <a:ext cx="495300" cy="344269"/>
-          </a:xfrm>
-          <a:prstGeom prst="straightConnector1">
-            <a:avLst/>
-          </a:prstGeom>
-          <a:ln>
-            <a:solidFill>
-              <a:schemeClr val="tx1"/>
-            </a:solidFill>
-            <a:tailEnd type="arrow"/>
-          </a:ln>
-        </p:spPr>
-        <p:style>
-          <a:lnRef idx="1">
-            <a:schemeClr val="accent1"/>
-          </a:lnRef>
-          <a:fillRef idx="0">
-            <a:schemeClr val="accent1"/>
-          </a:fillRef>
-          <a:effectRef idx="0">
-            <a:schemeClr val="accent1"/>
-          </a:effectRef>
-          <a:fontRef idx="minor">
-            <a:schemeClr val="tx1"/>
-          </a:fontRef>
-        </p:style>
-      </p:cxnSp>
-      <p:sp>
-        <p:nvSpPr>
-          <p:cNvPr id="79" name="TextBox 78"/>
-          <p:cNvSpPr txBox="1"/>
-          <p:nvPr/>
-        </p:nvSpPr>
-        <p:spPr>
-          <a:xfrm>
-            <a:off x="76200" y="5181600"/>
-            <a:ext cx="1078750" cy="646331"/>
-          </a:xfrm>
-          <a:prstGeom prst="rect">
-            <a:avLst/>
-          </a:prstGeom>
-          <a:noFill/>
-        </p:spPr>
-        <p:txBody>
-          <a:bodyPr wrap="square" rtlCol="0">
-            <a:spAutoFit/>
-          </a:bodyPr>
-          <a:lstStyle/>
-          <a:p>
-            <a:r>
-              <a:rPr lang="en-US" dirty="0" smtClean="0"/>
-              <a:t>Hydraulic Pump</a:t>
-            </a:r>
-            <a:endParaRPr lang="en-US" dirty="0"/>
-          </a:p>
-        </p:txBody>
-      </p:sp>
-      <p:cxnSp>
-        <p:nvCxnSpPr>
-          <p:cNvPr id="81" name="Straight Arrow Connector 80"/>
-          <p:cNvCxnSpPr/>
-          <p:nvPr/>
-        </p:nvCxnSpPr>
-        <p:spPr>
-          <a:xfrm flipV="1">
-            <a:off x="819150" y="5504765"/>
-            <a:ext cx="533932" cy="103757"/>
-          </a:xfrm>
-          <a:prstGeom prst="straightConnector1">
-            <a:avLst/>
-          </a:prstGeom>
-          <a:ln>
-            <a:solidFill>
-              <a:schemeClr val="tx1"/>
-            </a:solidFill>
-            <a:tailEnd type="arrow"/>
-          </a:ln>
-        </p:spPr>
-        <p:style>
-          <a:lnRef idx="1">
-            <a:schemeClr val="accent1"/>
-          </a:lnRef>
-          <a:fillRef idx="0">
-            <a:schemeClr val="accent1"/>
-          </a:fillRef>
-          <a:effectRef idx="0">
-            <a:schemeClr val="accent1"/>
-          </a:effectRef>
-          <a:fontRef idx="minor">
-            <a:schemeClr val="tx1"/>
-          </a:fontRef>
-        </p:style>
-      </p:cxnSp>
-      <p:sp>
-        <p:nvSpPr>
-          <p:cNvPr id="84" name="TextBox 83"/>
-          <p:cNvSpPr txBox="1"/>
-          <p:nvPr/>
-        </p:nvSpPr>
-        <p:spPr>
-          <a:xfrm>
-            <a:off x="7248524" y="5546525"/>
-            <a:ext cx="1752600" cy="923330"/>
-          </a:xfrm>
-          <a:prstGeom prst="rect">
-            <a:avLst/>
-          </a:prstGeom>
-          <a:noFill/>
-        </p:spPr>
-        <p:txBody>
-          <a:bodyPr wrap="square" rtlCol="0">
-            <a:spAutoFit/>
-          </a:bodyPr>
-          <a:lstStyle/>
-          <a:p>
-            <a:r>
-              <a:rPr lang="en-US" dirty="0" smtClean="0"/>
-              <a:t>3in x 3in Hollow</a:t>
-            </a:r>
-          </a:p>
-          <a:p>
-            <a:r>
-              <a:rPr lang="en-US" dirty="0" smtClean="0"/>
-              <a:t>Steel Tubing Frame</a:t>
-            </a:r>
-            <a:endParaRPr lang="en-US" dirty="0"/>
-          </a:p>
-        </p:txBody>
-      </p:sp>
-      <p:cxnSp>
-        <p:nvCxnSpPr>
-          <p:cNvPr id="86" name="Straight Arrow Connector 85"/>
-          <p:cNvCxnSpPr>
-            <a:stCxn id="84" idx="1"/>
-          </p:cNvCxnSpPr>
-          <p:nvPr/>
-        </p:nvCxnSpPr>
-        <p:spPr>
-          <a:xfrm flipH="1" flipV="1">
-            <a:off x="6859064" y="5712279"/>
-            <a:ext cx="389460" cy="295911"/>
-          </a:xfrm>
-          <a:prstGeom prst="straightConnector1">
-            <a:avLst/>
-          </a:prstGeom>
-          <a:ln>
-            <a:solidFill>
-              <a:schemeClr val="tx1"/>
-            </a:solidFill>
-            <a:tailEnd type="arrow"/>
-          </a:ln>
-        </p:spPr>
-        <p:style>
-          <a:lnRef idx="1">
-            <a:schemeClr val="accent1"/>
-          </a:lnRef>
-          <a:fillRef idx="0">
-            <a:schemeClr val="accent1"/>
-          </a:fillRef>
-          <a:effectRef idx="0">
-            <a:schemeClr val="accent1"/>
-          </a:effectRef>
-          <a:fontRef idx="minor">
-            <a:schemeClr val="tx1"/>
-          </a:fontRef>
-        </p:style>
-      </p:cxnSp>
-      <p:sp>
-        <p:nvSpPr>
-          <p:cNvPr id="88" name="TextBox 87"/>
-          <p:cNvSpPr txBox="1"/>
-          <p:nvPr/>
-        </p:nvSpPr>
-        <p:spPr>
-          <a:xfrm>
-            <a:off x="1448035" y="3886200"/>
-            <a:ext cx="5123918" cy="646331"/>
-          </a:xfrm>
-          <a:prstGeom prst="rect">
-            <a:avLst/>
-          </a:prstGeom>
-        </p:spPr>
-        <p:style>
-          <a:lnRef idx="2">
-            <a:schemeClr val="accent1"/>
-          </a:lnRef>
-          <a:fillRef idx="1">
-            <a:schemeClr val="lt1"/>
-          </a:fillRef>
-          <a:effectRef idx="0">
-            <a:schemeClr val="accent1"/>
-          </a:effectRef>
-          <a:fontRef idx="minor">
-            <a:schemeClr val="dk1"/>
-          </a:fontRef>
-        </p:style>
-        <p:txBody>
-          <a:bodyPr wrap="square" rtlCol="0" anchor="ctr">
-            <a:spAutoFit/>
-          </a:bodyPr>
-          <a:lstStyle/>
-          <a:p>
-            <a:pPr algn="ctr"/>
-            <a:r>
-              <a:rPr lang="en-US" dirty="0" smtClean="0"/>
-              <a:t>Bridge Goes Here</a:t>
-            </a:r>
-          </a:p>
-          <a:p>
-            <a:pPr algn="ctr"/>
-            <a:endParaRPr lang="en-US" dirty="0"/>
-          </a:p>
-        </p:txBody>
-      </p:sp>
-      <p:sp>
-        <p:nvSpPr>
-          <p:cNvPr id="62" name="TextBox 61"/>
-          <p:cNvSpPr txBox="1"/>
-          <p:nvPr/>
-        </p:nvSpPr>
-        <p:spPr>
-          <a:xfrm>
-            <a:off x="1837731" y="6464413"/>
-            <a:ext cx="2698000" cy="369332"/>
-          </a:xfrm>
-          <a:prstGeom prst="rect">
-            <a:avLst/>
-          </a:prstGeom>
-          <a:noFill/>
-        </p:spPr>
-        <p:txBody>
-          <a:bodyPr wrap="square" rtlCol="0">
-            <a:spAutoFit/>
-          </a:bodyPr>
-          <a:lstStyle/>
-          <a:p>
-            <a:r>
-              <a:rPr lang="en-US" dirty="0" smtClean="0"/>
-              <a:t>Large Castors</a:t>
-            </a:r>
-            <a:endParaRPr lang="en-US" dirty="0"/>
-          </a:p>
-        </p:txBody>
-      </p:sp>
-      <p:cxnSp>
-        <p:nvCxnSpPr>
-          <p:cNvPr id="65" name="Straight Arrow Connector 64"/>
-          <p:cNvCxnSpPr>
-            <a:stCxn id="62" idx="1"/>
-          </p:cNvCxnSpPr>
-          <p:nvPr/>
-        </p:nvCxnSpPr>
-        <p:spPr>
-          <a:xfrm flipH="1" flipV="1">
-            <a:off x="1353082" y="6481083"/>
-            <a:ext cx="484649" cy="167996"/>
-          </a:xfrm>
-          <a:prstGeom prst="straightConnector1">
-            <a:avLst/>
-          </a:prstGeom>
-          <a:ln>
-            <a:solidFill>
-              <a:schemeClr val="tx1"/>
-            </a:solidFill>
-            <a:tailEnd type="arrow"/>
-          </a:ln>
-        </p:spPr>
-        <p:style>
-          <a:lnRef idx="1">
-            <a:schemeClr val="accent1"/>
-          </a:lnRef>
-          <a:fillRef idx="0">
-            <a:schemeClr val="accent1"/>
-          </a:fillRef>
-          <a:effectRef idx="0">
-            <a:schemeClr val="accent1"/>
-          </a:effectRef>
-          <a:fontRef idx="minor">
-            <a:schemeClr val="tx1"/>
-          </a:fontRef>
-        </p:style>
-      </p:cxnSp>
     </p:spTree>
     <p:extLst>
       <p:ext uri="{BB962C8B-B14F-4D97-AF65-F5344CB8AC3E}">
-        <p14:creationId xmlns:p14="http://schemas.microsoft.com/office/powerpoint/2010/main" val="2995993518"/>
+        <p14:creationId xmlns:p14="http://schemas.microsoft.com/office/powerpoint/2010/main" val="3223729352"/>
       </p:ext>
     </p:extLst>
   </p:cSld>
@@ -12070,6 +10128,2101 @@
           <a:chExt cx="0" cy="0"/>
         </a:xfrm>
       </p:grpSpPr>
+      <p:grpSp>
+        <p:nvGrpSpPr>
+          <p:cNvPr id="7" name="Group 6"/>
+          <p:cNvGrpSpPr/>
+          <p:nvPr/>
+        </p:nvGrpSpPr>
+        <p:grpSpPr>
+          <a:xfrm>
+            <a:off x="152400" y="1066800"/>
+            <a:ext cx="9027579" cy="5766945"/>
+            <a:chOff x="76200" y="52192"/>
+            <a:chExt cx="9103779" cy="6781553"/>
+          </a:xfrm>
+        </p:grpSpPr>
+        <p:sp>
+          <p:nvSpPr>
+            <p:cNvPr id="48" name="Rectangle 47"/>
+            <p:cNvSpPr/>
+            <p:nvPr/>
+          </p:nvSpPr>
+          <p:spPr>
+            <a:xfrm>
+              <a:off x="6926581" y="2858869"/>
+              <a:ext cx="45719" cy="99182"/>
+            </a:xfrm>
+            <a:prstGeom prst="rect">
+              <a:avLst/>
+            </a:prstGeom>
+          </p:spPr>
+          <p:style>
+            <a:lnRef idx="2">
+              <a:schemeClr val="accent2">
+                <a:shade val="50000"/>
+              </a:schemeClr>
+            </a:lnRef>
+            <a:fillRef idx="1">
+              <a:schemeClr val="accent2"/>
+            </a:fillRef>
+            <a:effectRef idx="0">
+              <a:schemeClr val="accent2"/>
+            </a:effectRef>
+            <a:fontRef idx="minor">
+              <a:schemeClr val="lt1"/>
+            </a:fontRef>
+          </p:style>
+          <p:txBody>
+            <a:bodyPr rtlCol="0" anchor="ctr"/>
+            <a:lstStyle/>
+            <a:p>
+              <a:pPr algn="ctr"/>
+              <a:endParaRPr lang="en-US"/>
+            </a:p>
+          </p:txBody>
+        </p:sp>
+        <p:sp>
+          <p:nvSpPr>
+            <p:cNvPr id="54" name="Rectangle 53"/>
+            <p:cNvSpPr/>
+            <p:nvPr/>
+          </p:nvSpPr>
+          <p:spPr>
+            <a:xfrm>
+              <a:off x="6926581" y="3036509"/>
+              <a:ext cx="45719" cy="99182"/>
+            </a:xfrm>
+            <a:prstGeom prst="rect">
+              <a:avLst/>
+            </a:prstGeom>
+          </p:spPr>
+          <p:style>
+            <a:lnRef idx="2">
+              <a:schemeClr val="accent2">
+                <a:shade val="50000"/>
+              </a:schemeClr>
+            </a:lnRef>
+            <a:fillRef idx="1">
+              <a:schemeClr val="accent2"/>
+            </a:fillRef>
+            <a:effectRef idx="0">
+              <a:schemeClr val="accent2"/>
+            </a:effectRef>
+            <a:fontRef idx="minor">
+              <a:schemeClr val="lt1"/>
+            </a:fontRef>
+          </p:style>
+          <p:txBody>
+            <a:bodyPr rtlCol="0" anchor="ctr"/>
+            <a:lstStyle/>
+            <a:p>
+              <a:pPr algn="ctr"/>
+              <a:endParaRPr lang="en-US"/>
+            </a:p>
+          </p:txBody>
+        </p:sp>
+        <p:sp>
+          <p:nvSpPr>
+            <p:cNvPr id="87" name="Rectangle 86"/>
+            <p:cNvSpPr/>
+            <p:nvPr/>
+          </p:nvSpPr>
+          <p:spPr>
+            <a:xfrm>
+              <a:off x="6926581" y="2683330"/>
+              <a:ext cx="45719" cy="99182"/>
+            </a:xfrm>
+            <a:prstGeom prst="rect">
+              <a:avLst/>
+            </a:prstGeom>
+          </p:spPr>
+          <p:style>
+            <a:lnRef idx="2">
+              <a:schemeClr val="accent2">
+                <a:shade val="50000"/>
+              </a:schemeClr>
+            </a:lnRef>
+            <a:fillRef idx="1">
+              <a:schemeClr val="accent2"/>
+            </a:fillRef>
+            <a:effectRef idx="0">
+              <a:schemeClr val="accent2"/>
+            </a:effectRef>
+            <a:fontRef idx="minor">
+              <a:schemeClr val="lt1"/>
+            </a:fontRef>
+          </p:style>
+          <p:txBody>
+            <a:bodyPr rtlCol="0" anchor="ctr"/>
+            <a:lstStyle/>
+            <a:p>
+              <a:pPr algn="ctr"/>
+              <a:endParaRPr lang="en-US"/>
+            </a:p>
+          </p:txBody>
+        </p:sp>
+        <p:sp>
+          <p:nvSpPr>
+            <p:cNvPr id="60" name="Freeform 59"/>
+            <p:cNvSpPr/>
+            <p:nvPr/>
+          </p:nvSpPr>
+          <p:spPr>
+            <a:xfrm>
+              <a:off x="6333828" y="623748"/>
+              <a:ext cx="600372" cy="1948002"/>
+            </a:xfrm>
+            <a:custGeom>
+              <a:avLst/>
+              <a:gdLst>
+                <a:gd name="connsiteX0" fmla="*/ 0 w 600372"/>
+                <a:gd name="connsiteY0" fmla="*/ 300177 h 1948002"/>
+                <a:gd name="connsiteX1" fmla="*/ 114300 w 600372"/>
+                <a:gd name="connsiteY1" fmla="*/ 43002 h 1948002"/>
+                <a:gd name="connsiteX2" fmla="*/ 533400 w 600372"/>
+                <a:gd name="connsiteY2" fmla="*/ 81102 h 1948002"/>
+                <a:gd name="connsiteX3" fmla="*/ 600075 w 600372"/>
+                <a:gd name="connsiteY3" fmla="*/ 814527 h 1948002"/>
+                <a:gd name="connsiteX4" fmla="*/ 542925 w 600372"/>
+                <a:gd name="connsiteY4" fmla="*/ 1948002 h 1948002"/>
+              </a:gdLst>
+              <a:ahLst/>
+              <a:cxnLst>
+                <a:cxn ang="0">
+                  <a:pos x="connsiteX0" y="connsiteY0"/>
+                </a:cxn>
+                <a:cxn ang="0">
+                  <a:pos x="connsiteX1" y="connsiteY1"/>
+                </a:cxn>
+                <a:cxn ang="0">
+                  <a:pos x="connsiteX2" y="connsiteY2"/>
+                </a:cxn>
+                <a:cxn ang="0">
+                  <a:pos x="connsiteX3" y="connsiteY3"/>
+                </a:cxn>
+                <a:cxn ang="0">
+                  <a:pos x="connsiteX4" y="connsiteY4"/>
+                </a:cxn>
+              </a:cxnLst>
+              <a:rect l="l" t="t" r="r" b="b"/>
+              <a:pathLst>
+                <a:path w="600372" h="1948002">
+                  <a:moveTo>
+                    <a:pt x="0" y="300177"/>
+                  </a:moveTo>
+                  <a:cubicBezTo>
+                    <a:pt x="12700" y="189845"/>
+                    <a:pt x="25400" y="79514"/>
+                    <a:pt x="114300" y="43002"/>
+                  </a:cubicBezTo>
+                  <a:cubicBezTo>
+                    <a:pt x="203200" y="6490"/>
+                    <a:pt x="452438" y="-47485"/>
+                    <a:pt x="533400" y="81102"/>
+                  </a:cubicBezTo>
+                  <a:cubicBezTo>
+                    <a:pt x="614362" y="209689"/>
+                    <a:pt x="598488" y="503377"/>
+                    <a:pt x="600075" y="814527"/>
+                  </a:cubicBezTo>
+                  <a:cubicBezTo>
+                    <a:pt x="601663" y="1125677"/>
+                    <a:pt x="493713" y="1828940"/>
+                    <a:pt x="542925" y="1948002"/>
+                  </a:cubicBezTo>
+                </a:path>
+              </a:pathLst>
+            </a:custGeom>
+          </p:spPr>
+          <p:style>
+            <a:lnRef idx="2">
+              <a:schemeClr val="dk1"/>
+            </a:lnRef>
+            <a:fillRef idx="0">
+              <a:schemeClr val="dk1"/>
+            </a:fillRef>
+            <a:effectRef idx="1">
+              <a:schemeClr val="dk1"/>
+            </a:effectRef>
+            <a:fontRef idx="minor">
+              <a:schemeClr val="tx1"/>
+            </a:fontRef>
+          </p:style>
+          <p:txBody>
+            <a:bodyPr rtlCol="0" anchor="ctr"/>
+            <a:lstStyle/>
+            <a:p>
+              <a:pPr algn="ctr"/>
+              <a:endParaRPr lang="en-US"/>
+            </a:p>
+          </p:txBody>
+        </p:sp>
+        <p:sp>
+          <p:nvSpPr>
+            <p:cNvPr id="59" name="Freeform 58"/>
+            <p:cNvSpPr/>
+            <p:nvPr/>
+          </p:nvSpPr>
+          <p:spPr>
+            <a:xfrm>
+              <a:off x="1125251" y="411846"/>
+              <a:ext cx="2913052" cy="4731653"/>
+            </a:xfrm>
+            <a:custGeom>
+              <a:avLst/>
+              <a:gdLst>
+                <a:gd name="connsiteX0" fmla="*/ 2941996 w 2941996"/>
+                <a:gd name="connsiteY0" fmla="*/ 416676 h 4721976"/>
+                <a:gd name="connsiteX1" fmla="*/ 2780071 w 2941996"/>
+                <a:gd name="connsiteY1" fmla="*/ 26151 h 4721976"/>
+                <a:gd name="connsiteX2" fmla="*/ 2151421 w 2941996"/>
+                <a:gd name="connsiteY2" fmla="*/ 64251 h 4721976"/>
+                <a:gd name="connsiteX3" fmla="*/ 170221 w 2941996"/>
+                <a:gd name="connsiteY3" fmla="*/ 292851 h 4721976"/>
+                <a:gd name="connsiteX4" fmla="*/ 94021 w 2941996"/>
+                <a:gd name="connsiteY4" fmla="*/ 1731126 h 4721976"/>
+                <a:gd name="connsiteX5" fmla="*/ 65446 w 2941996"/>
+                <a:gd name="connsiteY5" fmla="*/ 4160001 h 4721976"/>
+                <a:gd name="connsiteX6" fmla="*/ 475021 w 2941996"/>
+                <a:gd name="connsiteY6" fmla="*/ 4721976 h 4721976"/>
+                <a:gd name="connsiteX0" fmla="*/ 2932471 w 2932471"/>
+                <a:gd name="connsiteY0" fmla="*/ 1388548 h 4788973"/>
+                <a:gd name="connsiteX1" fmla="*/ 2780071 w 2932471"/>
+                <a:gd name="connsiteY1" fmla="*/ 93148 h 4788973"/>
+                <a:gd name="connsiteX2" fmla="*/ 2151421 w 2932471"/>
+                <a:gd name="connsiteY2" fmla="*/ 131248 h 4788973"/>
+                <a:gd name="connsiteX3" fmla="*/ 170221 w 2932471"/>
+                <a:gd name="connsiteY3" fmla="*/ 359848 h 4788973"/>
+                <a:gd name="connsiteX4" fmla="*/ 94021 w 2932471"/>
+                <a:gd name="connsiteY4" fmla="*/ 1798123 h 4788973"/>
+                <a:gd name="connsiteX5" fmla="*/ 65446 w 2932471"/>
+                <a:gd name="connsiteY5" fmla="*/ 4226998 h 4788973"/>
+                <a:gd name="connsiteX6" fmla="*/ 475021 w 2932471"/>
+                <a:gd name="connsiteY6" fmla="*/ 4788973 h 4788973"/>
+                <a:gd name="connsiteX0" fmla="*/ 2932471 w 2932471"/>
+                <a:gd name="connsiteY0" fmla="*/ 1356806 h 4757231"/>
+                <a:gd name="connsiteX1" fmla="*/ 2904194 w 2932471"/>
+                <a:gd name="connsiteY1" fmla="*/ 928182 h 4757231"/>
+                <a:gd name="connsiteX2" fmla="*/ 2780071 w 2932471"/>
+                <a:gd name="connsiteY2" fmla="*/ 61406 h 4757231"/>
+                <a:gd name="connsiteX3" fmla="*/ 2151421 w 2932471"/>
+                <a:gd name="connsiteY3" fmla="*/ 99506 h 4757231"/>
+                <a:gd name="connsiteX4" fmla="*/ 170221 w 2932471"/>
+                <a:gd name="connsiteY4" fmla="*/ 328106 h 4757231"/>
+                <a:gd name="connsiteX5" fmla="*/ 94021 w 2932471"/>
+                <a:gd name="connsiteY5" fmla="*/ 1766381 h 4757231"/>
+                <a:gd name="connsiteX6" fmla="*/ 65446 w 2932471"/>
+                <a:gd name="connsiteY6" fmla="*/ 4195256 h 4757231"/>
+                <a:gd name="connsiteX7" fmla="*/ 475021 w 2932471"/>
+                <a:gd name="connsiteY7" fmla="*/ 4757231 h 4757231"/>
+                <a:gd name="connsiteX0" fmla="*/ 2931082 w 2931082"/>
+                <a:gd name="connsiteY0" fmla="*/ 1306357 h 4706782"/>
+                <a:gd name="connsiteX1" fmla="*/ 2902805 w 2931082"/>
+                <a:gd name="connsiteY1" fmla="*/ 877733 h 4706782"/>
+                <a:gd name="connsiteX2" fmla="*/ 2778682 w 2931082"/>
+                <a:gd name="connsiteY2" fmla="*/ 10957 h 4706782"/>
+                <a:gd name="connsiteX3" fmla="*/ 2130982 w 2931082"/>
+                <a:gd name="connsiteY3" fmla="*/ 382432 h 4706782"/>
+                <a:gd name="connsiteX4" fmla="*/ 168832 w 2931082"/>
+                <a:gd name="connsiteY4" fmla="*/ 277657 h 4706782"/>
+                <a:gd name="connsiteX5" fmla="*/ 92632 w 2931082"/>
+                <a:gd name="connsiteY5" fmla="*/ 1715932 h 4706782"/>
+                <a:gd name="connsiteX6" fmla="*/ 64057 w 2931082"/>
+                <a:gd name="connsiteY6" fmla="*/ 4144807 h 4706782"/>
+                <a:gd name="connsiteX7" fmla="*/ 473632 w 2931082"/>
+                <a:gd name="connsiteY7" fmla="*/ 4706782 h 4706782"/>
+                <a:gd name="connsiteX0" fmla="*/ 2913052 w 2913052"/>
+                <a:gd name="connsiteY0" fmla="*/ 1331228 h 4731653"/>
+                <a:gd name="connsiteX1" fmla="*/ 2884775 w 2913052"/>
+                <a:gd name="connsiteY1" fmla="*/ 902604 h 4731653"/>
+                <a:gd name="connsiteX2" fmla="*/ 2760652 w 2913052"/>
+                <a:gd name="connsiteY2" fmla="*/ 35828 h 4731653"/>
+                <a:gd name="connsiteX3" fmla="*/ 1865302 w 2913052"/>
+                <a:gd name="connsiteY3" fmla="*/ 178703 h 4731653"/>
+                <a:gd name="connsiteX4" fmla="*/ 150802 w 2913052"/>
+                <a:gd name="connsiteY4" fmla="*/ 302528 h 4731653"/>
+                <a:gd name="connsiteX5" fmla="*/ 74602 w 2913052"/>
+                <a:gd name="connsiteY5" fmla="*/ 1740803 h 4731653"/>
+                <a:gd name="connsiteX6" fmla="*/ 46027 w 2913052"/>
+                <a:gd name="connsiteY6" fmla="*/ 4169678 h 4731653"/>
+                <a:gd name="connsiteX7" fmla="*/ 455602 w 2913052"/>
+                <a:gd name="connsiteY7" fmla="*/ 4731653 h 4731653"/>
+              </a:gdLst>
+              <a:ahLst/>
+              <a:cxnLst>
+                <a:cxn ang="0">
+                  <a:pos x="connsiteX0" y="connsiteY0"/>
+                </a:cxn>
+                <a:cxn ang="0">
+                  <a:pos x="connsiteX1" y="connsiteY1"/>
+                </a:cxn>
+                <a:cxn ang="0">
+                  <a:pos x="connsiteX2" y="connsiteY2"/>
+                </a:cxn>
+                <a:cxn ang="0">
+                  <a:pos x="connsiteX3" y="connsiteY3"/>
+                </a:cxn>
+                <a:cxn ang="0">
+                  <a:pos x="connsiteX4" y="connsiteY4"/>
+                </a:cxn>
+                <a:cxn ang="0">
+                  <a:pos x="connsiteX5" y="connsiteY5"/>
+                </a:cxn>
+                <a:cxn ang="0">
+                  <a:pos x="connsiteX6" y="connsiteY6"/>
+                </a:cxn>
+                <a:cxn ang="0">
+                  <a:pos x="connsiteX7" y="connsiteY7"/>
+                </a:cxn>
+              </a:cxnLst>
+              <a:rect l="l" t="t" r="r" b="b"/>
+              <a:pathLst>
+                <a:path w="2913052" h="4731653">
+                  <a:moveTo>
+                    <a:pt x="2913052" y="1331228"/>
+                  </a:moveTo>
+                  <a:cubicBezTo>
+                    <a:pt x="2889289" y="1121678"/>
+                    <a:pt x="2910175" y="1118504"/>
+                    <a:pt x="2884775" y="902604"/>
+                  </a:cubicBezTo>
+                  <a:cubicBezTo>
+                    <a:pt x="2859375" y="686704"/>
+                    <a:pt x="2930564" y="156478"/>
+                    <a:pt x="2760652" y="35828"/>
+                  </a:cubicBezTo>
+                  <a:cubicBezTo>
+                    <a:pt x="2590740" y="-84822"/>
+                    <a:pt x="2300277" y="134253"/>
+                    <a:pt x="1865302" y="178703"/>
+                  </a:cubicBezTo>
+                  <a:cubicBezTo>
+                    <a:pt x="1430327" y="223153"/>
+                    <a:pt x="449252" y="42178"/>
+                    <a:pt x="150802" y="302528"/>
+                  </a:cubicBezTo>
+                  <a:cubicBezTo>
+                    <a:pt x="-147648" y="562878"/>
+                    <a:pt x="92065" y="1096278"/>
+                    <a:pt x="74602" y="1740803"/>
+                  </a:cubicBezTo>
+                  <a:cubicBezTo>
+                    <a:pt x="57139" y="2385328"/>
+                    <a:pt x="-17473" y="3671203"/>
+                    <a:pt x="46027" y="4169678"/>
+                  </a:cubicBezTo>
+                  <a:cubicBezTo>
+                    <a:pt x="109527" y="4668153"/>
+                    <a:pt x="385752" y="4687203"/>
+                    <a:pt x="455602" y="4731653"/>
+                  </a:cubicBezTo>
+                </a:path>
+              </a:pathLst>
+            </a:custGeom>
+          </p:spPr>
+          <p:style>
+            <a:lnRef idx="2">
+              <a:schemeClr val="dk1"/>
+            </a:lnRef>
+            <a:fillRef idx="0">
+              <a:schemeClr val="dk1"/>
+            </a:fillRef>
+            <a:effectRef idx="1">
+              <a:schemeClr val="dk1"/>
+            </a:effectRef>
+            <a:fontRef idx="minor">
+              <a:schemeClr val="tx1"/>
+            </a:fontRef>
+          </p:style>
+          <p:txBody>
+            <a:bodyPr rtlCol="0" anchor="ctr"/>
+            <a:lstStyle/>
+            <a:p>
+              <a:pPr algn="ctr"/>
+              <a:endParaRPr lang="en-US"/>
+            </a:p>
+          </p:txBody>
+        </p:sp>
+        <p:sp>
+          <p:nvSpPr>
+            <p:cNvPr id="57" name="Rectangle 56"/>
+            <p:cNvSpPr/>
+            <p:nvPr/>
+          </p:nvSpPr>
+          <p:spPr>
+            <a:xfrm>
+              <a:off x="5181601" y="838200"/>
+              <a:ext cx="1609428" cy="914400"/>
+            </a:xfrm>
+            <a:prstGeom prst="rect">
+              <a:avLst/>
+            </a:prstGeom>
+          </p:spPr>
+          <p:style>
+            <a:lnRef idx="2">
+              <a:schemeClr val="dk1"/>
+            </a:lnRef>
+            <a:fillRef idx="1">
+              <a:schemeClr val="lt1"/>
+            </a:fillRef>
+            <a:effectRef idx="0">
+              <a:schemeClr val="dk1"/>
+            </a:effectRef>
+            <a:fontRef idx="minor">
+              <a:schemeClr val="dk1"/>
+            </a:fontRef>
+          </p:style>
+          <p:txBody>
+            <a:bodyPr rtlCol="0" anchor="b"/>
+            <a:lstStyle/>
+            <a:p>
+              <a:pPr algn="ctr"/>
+              <a:endParaRPr lang="en-US" sz="6000" dirty="0">
+                <a:solidFill>
+                  <a:srgbClr val="FF0000"/>
+                </a:solidFill>
+                <a:latin typeface="Razer Header Light" pitchFamily="2" charset="0"/>
+              </a:endParaRPr>
+            </a:p>
+          </p:txBody>
+        </p:sp>
+        <p:sp>
+          <p:nvSpPr>
+            <p:cNvPr id="53" name="Rectangle 52"/>
+            <p:cNvSpPr/>
+            <p:nvPr/>
+          </p:nvSpPr>
+          <p:spPr>
+            <a:xfrm>
+              <a:off x="1231150" y="914400"/>
+              <a:ext cx="2188028" cy="838200"/>
+            </a:xfrm>
+            <a:prstGeom prst="rect">
+              <a:avLst/>
+            </a:prstGeom>
+          </p:spPr>
+          <p:style>
+            <a:lnRef idx="2">
+              <a:schemeClr val="dk1"/>
+            </a:lnRef>
+            <a:fillRef idx="1">
+              <a:schemeClr val="lt1"/>
+            </a:fillRef>
+            <a:effectRef idx="0">
+              <a:schemeClr val="dk1"/>
+            </a:effectRef>
+            <a:fontRef idx="minor">
+              <a:schemeClr val="dk1"/>
+            </a:fontRef>
+          </p:style>
+          <p:txBody>
+            <a:bodyPr rtlCol="0" anchor="t"/>
+            <a:lstStyle/>
+            <a:p>
+              <a:pPr algn="ctr"/>
+              <a:r>
+                <a:rPr lang="en-US" sz="4800" dirty="0" smtClean="0">
+                  <a:solidFill>
+                    <a:srgbClr val="FF0000"/>
+                  </a:solidFill>
+                  <a:latin typeface="NI7SEG" pitchFamily="2" charset="0"/>
+                </a:rPr>
+                <a:t>8888</a:t>
+              </a:r>
+              <a:endParaRPr lang="en-US" sz="4800" dirty="0">
+                <a:solidFill>
+                  <a:srgbClr val="FF0000"/>
+                </a:solidFill>
+                <a:latin typeface="NI7SEG" pitchFamily="2" charset="0"/>
+              </a:endParaRPr>
+            </a:p>
+          </p:txBody>
+        </p:sp>
+        <p:sp>
+          <p:nvSpPr>
+            <p:cNvPr id="47" name="Rectangle 46"/>
+            <p:cNvSpPr/>
+            <p:nvPr/>
+          </p:nvSpPr>
+          <p:spPr>
+            <a:xfrm>
+              <a:off x="3819228" y="1791912"/>
+              <a:ext cx="457200" cy="990600"/>
+            </a:xfrm>
+            <a:prstGeom prst="rect">
+              <a:avLst/>
+            </a:prstGeom>
+          </p:spPr>
+          <p:style>
+            <a:lnRef idx="1">
+              <a:schemeClr val="accent3"/>
+            </a:lnRef>
+            <a:fillRef idx="3">
+              <a:schemeClr val="accent3"/>
+            </a:fillRef>
+            <a:effectRef idx="2">
+              <a:schemeClr val="accent3"/>
+            </a:effectRef>
+            <a:fontRef idx="minor">
+              <a:schemeClr val="lt1"/>
+            </a:fontRef>
+          </p:style>
+          <p:txBody>
+            <a:bodyPr rtlCol="0" anchor="ctr"/>
+            <a:lstStyle/>
+            <a:p>
+              <a:pPr algn="ctr"/>
+              <a:endParaRPr lang="en-US"/>
+            </a:p>
+          </p:txBody>
+        </p:sp>
+        <p:cxnSp>
+          <p:nvCxnSpPr>
+            <p:cNvPr id="49" name="Straight Connector 48"/>
+            <p:cNvCxnSpPr>
+              <a:stCxn id="47" idx="2"/>
+            </p:cNvCxnSpPr>
+            <p:nvPr/>
+          </p:nvCxnSpPr>
+          <p:spPr>
+            <a:xfrm>
+              <a:off x="4047828" y="2782512"/>
+              <a:ext cx="0" cy="959305"/>
+            </a:xfrm>
+            <a:prstGeom prst="line">
+              <a:avLst/>
+            </a:prstGeom>
+            <a:ln w="76200"/>
+          </p:spPr>
+          <p:style>
+            <a:lnRef idx="3">
+              <a:schemeClr val="accent2"/>
+            </a:lnRef>
+            <a:fillRef idx="0">
+              <a:schemeClr val="accent2"/>
+            </a:fillRef>
+            <a:effectRef idx="2">
+              <a:schemeClr val="accent2"/>
+            </a:effectRef>
+            <a:fontRef idx="minor">
+              <a:schemeClr val="tx1"/>
+            </a:fontRef>
+          </p:style>
+        </p:cxnSp>
+        <p:sp>
+          <p:nvSpPr>
+            <p:cNvPr id="50" name="Rectangle 49"/>
+            <p:cNvSpPr/>
+            <p:nvPr/>
+          </p:nvSpPr>
+          <p:spPr>
+            <a:xfrm>
+              <a:off x="3971628" y="3713242"/>
+              <a:ext cx="152400" cy="59870"/>
+            </a:xfrm>
+            <a:prstGeom prst="rect">
+              <a:avLst/>
+            </a:prstGeom>
+            <a:solidFill>
+              <a:schemeClr val="accent2"/>
+            </a:solidFill>
+            <a:ln>
+              <a:solidFill>
+                <a:schemeClr val="accent2"/>
+              </a:solidFill>
+            </a:ln>
+          </p:spPr>
+          <p:style>
+            <a:lnRef idx="2">
+              <a:schemeClr val="accent1">
+                <a:shade val="50000"/>
+              </a:schemeClr>
+            </a:lnRef>
+            <a:fillRef idx="1">
+              <a:schemeClr val="accent1"/>
+            </a:fillRef>
+            <a:effectRef idx="0">
+              <a:schemeClr val="accent1"/>
+            </a:effectRef>
+            <a:fontRef idx="minor">
+              <a:schemeClr val="lt1"/>
+            </a:fontRef>
+          </p:style>
+          <p:txBody>
+            <a:bodyPr rtlCol="0" anchor="ctr"/>
+            <a:lstStyle/>
+            <a:p>
+              <a:pPr algn="ctr"/>
+              <a:endParaRPr lang="en-US"/>
+            </a:p>
+          </p:txBody>
+        </p:sp>
+        <p:sp>
+          <p:nvSpPr>
+            <p:cNvPr id="52" name="Rectangle 51"/>
+            <p:cNvSpPr/>
+            <p:nvPr/>
+          </p:nvSpPr>
+          <p:spPr>
+            <a:xfrm>
+              <a:off x="6793750" y="2514600"/>
+              <a:ext cx="130628" cy="1143000"/>
+            </a:xfrm>
+            <a:prstGeom prst="rect">
+              <a:avLst/>
+            </a:prstGeom>
+            <a:solidFill>
+              <a:schemeClr val="bg1">
+                <a:lumMod val="50000"/>
+              </a:schemeClr>
+            </a:solidFill>
+            <a:ln>
+              <a:solidFill>
+                <a:schemeClr val="bg1">
+                  <a:lumMod val="50000"/>
+                </a:schemeClr>
+              </a:solidFill>
+            </a:ln>
+          </p:spPr>
+          <p:style>
+            <a:lnRef idx="2">
+              <a:schemeClr val="accent1">
+                <a:shade val="50000"/>
+              </a:schemeClr>
+            </a:lnRef>
+            <a:fillRef idx="1">
+              <a:schemeClr val="accent1"/>
+            </a:fillRef>
+            <a:effectRef idx="0">
+              <a:schemeClr val="accent1"/>
+            </a:effectRef>
+            <a:fontRef idx="minor">
+              <a:schemeClr val="lt1"/>
+            </a:fontRef>
+          </p:style>
+          <p:txBody>
+            <a:bodyPr rtlCol="0" anchor="ctr"/>
+            <a:lstStyle/>
+            <a:p>
+              <a:pPr algn="ctr"/>
+              <a:endParaRPr lang="en-US"/>
+            </a:p>
+          </p:txBody>
+        </p:sp>
+        <p:sp>
+          <p:nvSpPr>
+            <p:cNvPr id="51" name="Rectangle 50"/>
+            <p:cNvSpPr/>
+            <p:nvPr/>
+          </p:nvSpPr>
+          <p:spPr>
+            <a:xfrm>
+              <a:off x="1247478" y="5086350"/>
+              <a:ext cx="819150" cy="1251858"/>
+            </a:xfrm>
+            <a:prstGeom prst="rect">
+              <a:avLst/>
+            </a:prstGeom>
+          </p:spPr>
+          <p:style>
+            <a:lnRef idx="1">
+              <a:schemeClr val="accent3"/>
+            </a:lnRef>
+            <a:fillRef idx="3">
+              <a:schemeClr val="accent3"/>
+            </a:fillRef>
+            <a:effectRef idx="2">
+              <a:schemeClr val="accent3"/>
+            </a:effectRef>
+            <a:fontRef idx="minor">
+              <a:schemeClr val="lt1"/>
+            </a:fontRef>
+          </p:style>
+          <p:txBody>
+            <a:bodyPr rtlCol="0" anchor="ctr"/>
+            <a:lstStyle/>
+            <a:p>
+              <a:pPr algn="ctr"/>
+              <a:endParaRPr lang="en-US"/>
+            </a:p>
+          </p:txBody>
+        </p:sp>
+        <p:cxnSp>
+          <p:nvCxnSpPr>
+            <p:cNvPr id="4" name="Straight Connector 3"/>
+            <p:cNvCxnSpPr/>
+            <p:nvPr/>
+          </p:nvCxnSpPr>
+          <p:spPr>
+            <a:xfrm>
+              <a:off x="1231150" y="3614058"/>
+              <a:ext cx="0" cy="2743200"/>
+            </a:xfrm>
+            <a:prstGeom prst="line">
+              <a:avLst/>
+            </a:prstGeom>
+          </p:spPr>
+          <p:style>
+            <a:lnRef idx="3">
+              <a:schemeClr val="dk1"/>
+            </a:lnRef>
+            <a:fillRef idx="0">
+              <a:schemeClr val="dk1"/>
+            </a:fillRef>
+            <a:effectRef idx="2">
+              <a:schemeClr val="dk1"/>
+            </a:effectRef>
+            <a:fontRef idx="minor">
+              <a:schemeClr val="tx1"/>
+            </a:fontRef>
+          </p:style>
+        </p:cxnSp>
+        <p:cxnSp>
+          <p:nvCxnSpPr>
+            <p:cNvPr id="5" name="Straight Connector 4"/>
+            <p:cNvCxnSpPr/>
+            <p:nvPr/>
+          </p:nvCxnSpPr>
+          <p:spPr>
+            <a:xfrm>
+              <a:off x="6793750" y="3614058"/>
+              <a:ext cx="0" cy="2743200"/>
+            </a:xfrm>
+            <a:prstGeom prst="line">
+              <a:avLst/>
+            </a:prstGeom>
+          </p:spPr>
+          <p:style>
+            <a:lnRef idx="3">
+              <a:schemeClr val="dk1"/>
+            </a:lnRef>
+            <a:fillRef idx="0">
+              <a:schemeClr val="dk1"/>
+            </a:fillRef>
+            <a:effectRef idx="2">
+              <a:schemeClr val="dk1"/>
+            </a:effectRef>
+            <a:fontRef idx="minor">
+              <a:schemeClr val="tx1"/>
+            </a:fontRef>
+          </p:style>
+        </p:cxnSp>
+        <p:cxnSp>
+          <p:nvCxnSpPr>
+            <p:cNvPr id="6" name="Straight Connector 5"/>
+            <p:cNvCxnSpPr/>
+            <p:nvPr/>
+          </p:nvCxnSpPr>
+          <p:spPr>
+            <a:xfrm>
+              <a:off x="1220264" y="4648200"/>
+              <a:ext cx="5562600" cy="0"/>
+            </a:xfrm>
+            <a:prstGeom prst="line">
+              <a:avLst/>
+            </a:prstGeom>
+          </p:spPr>
+          <p:style>
+            <a:lnRef idx="3">
+              <a:schemeClr val="dk1"/>
+            </a:lnRef>
+            <a:fillRef idx="0">
+              <a:schemeClr val="dk1"/>
+            </a:fillRef>
+            <a:effectRef idx="2">
+              <a:schemeClr val="dk1"/>
+            </a:effectRef>
+            <a:fontRef idx="minor">
+              <a:schemeClr val="tx1"/>
+            </a:fontRef>
+          </p:style>
+        </p:cxnSp>
+        <p:cxnSp>
+          <p:nvCxnSpPr>
+            <p:cNvPr id="11" name="Straight Connector 10"/>
+            <p:cNvCxnSpPr/>
+            <p:nvPr/>
+          </p:nvCxnSpPr>
+          <p:spPr>
+            <a:xfrm flipV="1">
+              <a:off x="1231150" y="4648200"/>
+              <a:ext cx="968828" cy="1709058"/>
+            </a:xfrm>
+            <a:prstGeom prst="line">
+              <a:avLst/>
+            </a:prstGeom>
+          </p:spPr>
+          <p:style>
+            <a:lnRef idx="3">
+              <a:schemeClr val="dk1"/>
+            </a:lnRef>
+            <a:fillRef idx="0">
+              <a:schemeClr val="dk1"/>
+            </a:fillRef>
+            <a:effectRef idx="2">
+              <a:schemeClr val="dk1"/>
+            </a:effectRef>
+            <a:fontRef idx="minor">
+              <a:schemeClr val="tx1"/>
+            </a:fontRef>
+          </p:style>
+        </p:cxnSp>
+        <p:cxnSp>
+          <p:nvCxnSpPr>
+            <p:cNvPr id="12" name="Straight Connector 11"/>
+            <p:cNvCxnSpPr/>
+            <p:nvPr/>
+          </p:nvCxnSpPr>
+          <p:spPr>
+            <a:xfrm flipH="1" flipV="1">
+              <a:off x="5791126" y="4648200"/>
+              <a:ext cx="1002624" cy="1709058"/>
+            </a:xfrm>
+            <a:prstGeom prst="line">
+              <a:avLst/>
+            </a:prstGeom>
+          </p:spPr>
+          <p:style>
+            <a:lnRef idx="3">
+              <a:schemeClr val="dk1"/>
+            </a:lnRef>
+            <a:fillRef idx="0">
+              <a:schemeClr val="dk1"/>
+            </a:fillRef>
+            <a:effectRef idx="2">
+              <a:schemeClr val="dk1"/>
+            </a:effectRef>
+            <a:fontRef idx="minor">
+              <a:schemeClr val="tx1"/>
+            </a:fontRef>
+          </p:style>
+        </p:cxnSp>
+        <p:cxnSp>
+          <p:nvCxnSpPr>
+            <p:cNvPr id="15" name="Straight Connector 14"/>
+            <p:cNvCxnSpPr/>
+            <p:nvPr/>
+          </p:nvCxnSpPr>
+          <p:spPr>
+            <a:xfrm flipH="1" flipV="1">
+              <a:off x="2199978" y="4648200"/>
+              <a:ext cx="914400" cy="1709058"/>
+            </a:xfrm>
+            <a:prstGeom prst="line">
+              <a:avLst/>
+            </a:prstGeom>
+          </p:spPr>
+          <p:style>
+            <a:lnRef idx="3">
+              <a:schemeClr val="dk1"/>
+            </a:lnRef>
+            <a:fillRef idx="0">
+              <a:schemeClr val="dk1"/>
+            </a:fillRef>
+            <a:effectRef idx="2">
+              <a:schemeClr val="dk1"/>
+            </a:effectRef>
+            <a:fontRef idx="minor">
+              <a:schemeClr val="tx1"/>
+            </a:fontRef>
+          </p:style>
+        </p:cxnSp>
+        <p:cxnSp>
+          <p:nvCxnSpPr>
+            <p:cNvPr id="18" name="Straight Connector 17"/>
+            <p:cNvCxnSpPr/>
+            <p:nvPr/>
+          </p:nvCxnSpPr>
+          <p:spPr>
+            <a:xfrm flipH="1">
+              <a:off x="1231150" y="6357258"/>
+              <a:ext cx="5562600" cy="0"/>
+            </a:xfrm>
+            <a:prstGeom prst="line">
+              <a:avLst/>
+            </a:prstGeom>
+          </p:spPr>
+          <p:style>
+            <a:lnRef idx="3">
+              <a:schemeClr val="dk1"/>
+            </a:lnRef>
+            <a:fillRef idx="0">
+              <a:schemeClr val="dk1"/>
+            </a:fillRef>
+            <a:effectRef idx="2">
+              <a:schemeClr val="dk1"/>
+            </a:effectRef>
+            <a:fontRef idx="minor">
+              <a:schemeClr val="tx1"/>
+            </a:fontRef>
+          </p:style>
+        </p:cxnSp>
+        <p:cxnSp>
+          <p:nvCxnSpPr>
+            <p:cNvPr id="21" name="Straight Connector 20"/>
+            <p:cNvCxnSpPr/>
+            <p:nvPr/>
+          </p:nvCxnSpPr>
+          <p:spPr>
+            <a:xfrm flipV="1">
+              <a:off x="4866978" y="4648200"/>
+              <a:ext cx="924148" cy="1709058"/>
+            </a:xfrm>
+            <a:prstGeom prst="line">
+              <a:avLst/>
+            </a:prstGeom>
+          </p:spPr>
+          <p:style>
+            <a:lnRef idx="3">
+              <a:schemeClr val="dk1"/>
+            </a:lnRef>
+            <a:fillRef idx="0">
+              <a:schemeClr val="dk1"/>
+            </a:fillRef>
+            <a:effectRef idx="2">
+              <a:schemeClr val="dk1"/>
+            </a:effectRef>
+            <a:fontRef idx="minor">
+              <a:schemeClr val="tx1"/>
+            </a:fontRef>
+          </p:style>
+        </p:cxnSp>
+        <p:cxnSp>
+          <p:nvCxnSpPr>
+            <p:cNvPr id="32" name="Straight Connector 31"/>
+            <p:cNvCxnSpPr/>
+            <p:nvPr/>
+          </p:nvCxnSpPr>
+          <p:spPr>
+            <a:xfrm flipH="1" flipV="1">
+              <a:off x="4001564" y="4648200"/>
+              <a:ext cx="865414" cy="1709058"/>
+            </a:xfrm>
+            <a:prstGeom prst="line">
+              <a:avLst/>
+            </a:prstGeom>
+          </p:spPr>
+          <p:style>
+            <a:lnRef idx="3">
+              <a:schemeClr val="dk1"/>
+            </a:lnRef>
+            <a:fillRef idx="0">
+              <a:schemeClr val="dk1"/>
+            </a:fillRef>
+            <a:effectRef idx="2">
+              <a:schemeClr val="dk1"/>
+            </a:effectRef>
+            <a:fontRef idx="minor">
+              <a:schemeClr val="tx1"/>
+            </a:fontRef>
+          </p:style>
+        </p:cxnSp>
+        <p:cxnSp>
+          <p:nvCxnSpPr>
+            <p:cNvPr id="34" name="Straight Connector 33"/>
+            <p:cNvCxnSpPr/>
+            <p:nvPr/>
+          </p:nvCxnSpPr>
+          <p:spPr>
+            <a:xfrm flipH="1">
+              <a:off x="3114378" y="4648200"/>
+              <a:ext cx="838200" cy="1709058"/>
+            </a:xfrm>
+            <a:prstGeom prst="line">
+              <a:avLst/>
+            </a:prstGeom>
+          </p:spPr>
+          <p:style>
+            <a:lnRef idx="3">
+              <a:schemeClr val="dk1"/>
+            </a:lnRef>
+            <a:fillRef idx="0">
+              <a:schemeClr val="dk1"/>
+            </a:fillRef>
+            <a:effectRef idx="2">
+              <a:schemeClr val="dk1"/>
+            </a:effectRef>
+            <a:fontRef idx="minor">
+              <a:schemeClr val="tx1"/>
+            </a:fontRef>
+          </p:style>
+        </p:cxnSp>
+        <p:cxnSp>
+          <p:nvCxnSpPr>
+            <p:cNvPr id="38" name="Straight Connector 37"/>
+            <p:cNvCxnSpPr/>
+            <p:nvPr/>
+          </p:nvCxnSpPr>
+          <p:spPr>
+            <a:xfrm>
+              <a:off x="1231150" y="1752600"/>
+              <a:ext cx="0" cy="1861460"/>
+            </a:xfrm>
+            <a:prstGeom prst="line">
+              <a:avLst/>
+            </a:prstGeom>
+          </p:spPr>
+          <p:style>
+            <a:lnRef idx="3">
+              <a:schemeClr val="dk1"/>
+            </a:lnRef>
+            <a:fillRef idx="0">
+              <a:schemeClr val="dk1"/>
+            </a:fillRef>
+            <a:effectRef idx="2">
+              <a:schemeClr val="dk1"/>
+            </a:effectRef>
+            <a:fontRef idx="minor">
+              <a:schemeClr val="tx1"/>
+            </a:fontRef>
+          </p:style>
+        </p:cxnSp>
+        <p:cxnSp>
+          <p:nvCxnSpPr>
+            <p:cNvPr id="41" name="Straight Connector 40"/>
+            <p:cNvCxnSpPr/>
+            <p:nvPr/>
+          </p:nvCxnSpPr>
+          <p:spPr>
+            <a:xfrm>
+              <a:off x="6791028" y="1752600"/>
+              <a:ext cx="0" cy="1861460"/>
+            </a:xfrm>
+            <a:prstGeom prst="line">
+              <a:avLst/>
+            </a:prstGeom>
+          </p:spPr>
+          <p:style>
+            <a:lnRef idx="3">
+              <a:schemeClr val="dk1"/>
+            </a:lnRef>
+            <a:fillRef idx="0">
+              <a:schemeClr val="dk1"/>
+            </a:fillRef>
+            <a:effectRef idx="2">
+              <a:schemeClr val="dk1"/>
+            </a:effectRef>
+            <a:fontRef idx="minor">
+              <a:schemeClr val="tx1"/>
+            </a:fontRef>
+          </p:style>
+        </p:cxnSp>
+        <p:cxnSp>
+          <p:nvCxnSpPr>
+            <p:cNvPr id="42" name="Straight Connector 41"/>
+            <p:cNvCxnSpPr/>
+            <p:nvPr/>
+          </p:nvCxnSpPr>
+          <p:spPr>
+            <a:xfrm>
+              <a:off x="1228428" y="1752600"/>
+              <a:ext cx="5562600" cy="0"/>
+            </a:xfrm>
+            <a:prstGeom prst="line">
+              <a:avLst/>
+            </a:prstGeom>
+          </p:spPr>
+          <p:style>
+            <a:lnRef idx="3">
+              <a:schemeClr val="dk1"/>
+            </a:lnRef>
+            <a:fillRef idx="0">
+              <a:schemeClr val="dk1"/>
+            </a:fillRef>
+            <a:effectRef idx="2">
+              <a:schemeClr val="dk1"/>
+            </a:effectRef>
+            <a:fontRef idx="minor">
+              <a:schemeClr val="tx1"/>
+            </a:fontRef>
+          </p:style>
+        </p:cxnSp>
+        <p:cxnSp>
+          <p:nvCxnSpPr>
+            <p:cNvPr id="44" name="Straight Connector 43"/>
+            <p:cNvCxnSpPr/>
+            <p:nvPr/>
+          </p:nvCxnSpPr>
+          <p:spPr>
+            <a:xfrm>
+              <a:off x="4544192" y="1752600"/>
+              <a:ext cx="2235085" cy="1997530"/>
+            </a:xfrm>
+            <a:prstGeom prst="line">
+              <a:avLst/>
+            </a:prstGeom>
+          </p:spPr>
+          <p:style>
+            <a:lnRef idx="3">
+              <a:schemeClr val="dk1"/>
+            </a:lnRef>
+            <a:fillRef idx="0">
+              <a:schemeClr val="dk1"/>
+            </a:fillRef>
+            <a:effectRef idx="2">
+              <a:schemeClr val="dk1"/>
+            </a:effectRef>
+            <a:fontRef idx="minor">
+              <a:schemeClr val="tx1"/>
+            </a:fontRef>
+          </p:style>
+        </p:cxnSp>
+        <p:cxnSp>
+          <p:nvCxnSpPr>
+            <p:cNvPr id="46" name="Straight Connector 45"/>
+            <p:cNvCxnSpPr/>
+            <p:nvPr/>
+          </p:nvCxnSpPr>
+          <p:spPr>
+            <a:xfrm flipH="1">
+              <a:off x="1239314" y="1752600"/>
+              <a:ext cx="2179864" cy="2020512"/>
+            </a:xfrm>
+            <a:prstGeom prst="line">
+              <a:avLst/>
+            </a:prstGeom>
+          </p:spPr>
+          <p:style>
+            <a:lnRef idx="3">
+              <a:schemeClr val="dk1"/>
+            </a:lnRef>
+            <a:fillRef idx="0">
+              <a:schemeClr val="dk1"/>
+            </a:fillRef>
+            <a:effectRef idx="2">
+              <a:schemeClr val="dk1"/>
+            </a:effectRef>
+            <a:fontRef idx="minor">
+              <a:schemeClr val="tx1"/>
+            </a:fontRef>
+          </p:style>
+        </p:cxnSp>
+        <p:sp>
+          <p:nvSpPr>
+            <p:cNvPr id="55" name="Oval 54"/>
+            <p:cNvSpPr/>
+            <p:nvPr/>
+          </p:nvSpPr>
+          <p:spPr>
+            <a:xfrm>
+              <a:off x="1072775" y="6366782"/>
+              <a:ext cx="316750" cy="338817"/>
+            </a:xfrm>
+            <a:prstGeom prst="ellipse">
+              <a:avLst/>
+            </a:prstGeom>
+            <a:solidFill>
+              <a:schemeClr val="tx1"/>
+            </a:solidFill>
+            <a:ln>
+              <a:solidFill>
+                <a:schemeClr val="tx1"/>
+              </a:solidFill>
+            </a:ln>
+          </p:spPr>
+          <p:style>
+            <a:lnRef idx="2">
+              <a:schemeClr val="accent1">
+                <a:shade val="50000"/>
+              </a:schemeClr>
+            </a:lnRef>
+            <a:fillRef idx="1">
+              <a:schemeClr val="accent1"/>
+            </a:fillRef>
+            <a:effectRef idx="0">
+              <a:schemeClr val="accent1"/>
+            </a:effectRef>
+            <a:fontRef idx="minor">
+              <a:schemeClr val="lt1"/>
+            </a:fontRef>
+          </p:style>
+          <p:txBody>
+            <a:bodyPr rtlCol="0" anchor="ctr"/>
+            <a:lstStyle/>
+            <a:p>
+              <a:pPr algn="ctr"/>
+              <a:endParaRPr lang="en-US"/>
+            </a:p>
+          </p:txBody>
+        </p:sp>
+        <p:sp>
+          <p:nvSpPr>
+            <p:cNvPr id="56" name="Oval 55"/>
+            <p:cNvSpPr/>
+            <p:nvPr/>
+          </p:nvSpPr>
+          <p:spPr>
+            <a:xfrm>
+              <a:off x="6609713" y="6390910"/>
+              <a:ext cx="362631" cy="348341"/>
+            </a:xfrm>
+            <a:prstGeom prst="ellipse">
+              <a:avLst/>
+            </a:prstGeom>
+            <a:solidFill>
+              <a:schemeClr val="tx1"/>
+            </a:solidFill>
+            <a:ln>
+              <a:solidFill>
+                <a:schemeClr val="tx1"/>
+              </a:solidFill>
+            </a:ln>
+          </p:spPr>
+          <p:style>
+            <a:lnRef idx="2">
+              <a:schemeClr val="accent1">
+                <a:shade val="50000"/>
+              </a:schemeClr>
+            </a:lnRef>
+            <a:fillRef idx="1">
+              <a:schemeClr val="accent1"/>
+            </a:fillRef>
+            <a:effectRef idx="0">
+              <a:schemeClr val="accent1"/>
+            </a:effectRef>
+            <a:fontRef idx="minor">
+              <a:schemeClr val="lt1"/>
+            </a:fontRef>
+          </p:style>
+          <p:txBody>
+            <a:bodyPr rtlCol="0" anchor="ctr"/>
+            <a:lstStyle/>
+            <a:p>
+              <a:pPr algn="ctr"/>
+              <a:endParaRPr lang="en-US"/>
+            </a:p>
+          </p:txBody>
+        </p:sp>
+        <p:sp>
+          <p:nvSpPr>
+            <p:cNvPr id="61" name="TextBox 60"/>
+            <p:cNvSpPr txBox="1"/>
+            <p:nvPr/>
+          </p:nvSpPr>
+          <p:spPr>
+            <a:xfrm>
+              <a:off x="7047444" y="3554951"/>
+              <a:ext cx="2132535" cy="1754326"/>
+            </a:xfrm>
+            <a:prstGeom prst="rect">
+              <a:avLst/>
+            </a:prstGeom>
+            <a:noFill/>
+          </p:spPr>
+          <p:txBody>
+            <a:bodyPr wrap="square" rtlCol="0">
+              <a:spAutoFit/>
+            </a:bodyPr>
+            <a:lstStyle/>
+            <a:p>
+              <a:r>
+                <a:rPr lang="en-US" dirty="0" smtClean="0"/>
+                <a:t>Control box:</a:t>
+              </a:r>
+              <a:endParaRPr lang="en-US" dirty="0"/>
+            </a:p>
+            <a:p>
+              <a:pPr marL="285750" indent="-285750">
+                <a:buFont typeface="Arial" pitchFamily="34" charset="0"/>
+                <a:buChar char="•"/>
+              </a:pPr>
+              <a:r>
+                <a:rPr lang="en-US" dirty="0" smtClean="0"/>
+                <a:t>Raspberry Pi</a:t>
+              </a:r>
+            </a:p>
+            <a:p>
+              <a:pPr marL="285750" indent="-285750">
+                <a:buFont typeface="Arial" pitchFamily="34" charset="0"/>
+                <a:buChar char="•"/>
+              </a:pPr>
+              <a:r>
+                <a:rPr lang="en-US" dirty="0" smtClean="0"/>
+                <a:t>I2C A2D</a:t>
+              </a:r>
+            </a:p>
+            <a:p>
+              <a:pPr marL="742950" lvl="1" indent="-285750">
+                <a:buFont typeface="Arial" pitchFamily="34" charset="0"/>
+                <a:buChar char="•"/>
+              </a:pPr>
+              <a:r>
+                <a:rPr lang="en-US" dirty="0" smtClean="0"/>
+                <a:t>Force</a:t>
+              </a:r>
+            </a:p>
+            <a:p>
+              <a:pPr marL="742950" lvl="1" indent="-285750">
+                <a:buFont typeface="Arial" pitchFamily="34" charset="0"/>
+                <a:buChar char="•"/>
+              </a:pPr>
+              <a:r>
+                <a:rPr lang="en-US" dirty="0" smtClean="0"/>
+                <a:t>Deflection</a:t>
+              </a:r>
+            </a:p>
+            <a:p>
+              <a:pPr marL="285750" indent="-285750">
+                <a:buFont typeface="Arial" pitchFamily="34" charset="0"/>
+                <a:buChar char="•"/>
+              </a:pPr>
+              <a:r>
+                <a:rPr lang="en-US" dirty="0" smtClean="0"/>
+                <a:t>Switches</a:t>
+              </a:r>
+            </a:p>
+          </p:txBody>
+        </p:sp>
+        <p:cxnSp>
+          <p:nvCxnSpPr>
+            <p:cNvPr id="63" name="Straight Arrow Connector 62"/>
+            <p:cNvCxnSpPr>
+              <a:stCxn id="61" idx="0"/>
+            </p:cNvCxnSpPr>
+            <p:nvPr/>
+          </p:nvCxnSpPr>
+          <p:spPr>
+            <a:xfrm flipH="1" flipV="1">
+              <a:off x="7053794" y="3036509"/>
+              <a:ext cx="1059918" cy="518442"/>
+            </a:xfrm>
+            <a:prstGeom prst="straightConnector1">
+              <a:avLst/>
+            </a:prstGeom>
+            <a:ln>
+              <a:solidFill>
+                <a:schemeClr val="tx1"/>
+              </a:solidFill>
+              <a:tailEnd type="arrow"/>
+            </a:ln>
+          </p:spPr>
+          <p:style>
+            <a:lnRef idx="1">
+              <a:schemeClr val="accent1"/>
+            </a:lnRef>
+            <a:fillRef idx="0">
+              <a:schemeClr val="accent1"/>
+            </a:fillRef>
+            <a:effectRef idx="0">
+              <a:schemeClr val="accent1"/>
+            </a:effectRef>
+            <a:fontRef idx="minor">
+              <a:schemeClr val="tx1"/>
+            </a:fontRef>
+          </p:style>
+        </p:cxnSp>
+        <p:sp>
+          <p:nvSpPr>
+            <p:cNvPr id="64" name="TextBox 63"/>
+            <p:cNvSpPr txBox="1"/>
+            <p:nvPr/>
+          </p:nvSpPr>
+          <p:spPr>
+            <a:xfrm>
+              <a:off x="7391400" y="623748"/>
+              <a:ext cx="838200" cy="646331"/>
+            </a:xfrm>
+            <a:prstGeom prst="rect">
+              <a:avLst/>
+            </a:prstGeom>
+            <a:noFill/>
+          </p:spPr>
+          <p:txBody>
+            <a:bodyPr wrap="square" rtlCol="0">
+              <a:spAutoFit/>
+            </a:bodyPr>
+            <a:lstStyle/>
+            <a:p>
+              <a:r>
+                <a:rPr lang="en-US" dirty="0" smtClean="0"/>
+                <a:t>HDMI Cord</a:t>
+              </a:r>
+              <a:endParaRPr lang="en-US" dirty="0"/>
+            </a:p>
+          </p:txBody>
+        </p:sp>
+        <p:cxnSp>
+          <p:nvCxnSpPr>
+            <p:cNvPr id="66" name="Straight Arrow Connector 65"/>
+            <p:cNvCxnSpPr>
+              <a:stCxn id="64" idx="2"/>
+            </p:cNvCxnSpPr>
+            <p:nvPr/>
+          </p:nvCxnSpPr>
+          <p:spPr>
+            <a:xfrm flipH="1">
+              <a:off x="7010400" y="1270079"/>
+              <a:ext cx="800100" cy="327670"/>
+            </a:xfrm>
+            <a:prstGeom prst="straightConnector1">
+              <a:avLst/>
+            </a:prstGeom>
+            <a:ln>
+              <a:solidFill>
+                <a:schemeClr val="tx1"/>
+              </a:solidFill>
+              <a:tailEnd type="arrow"/>
+            </a:ln>
+          </p:spPr>
+          <p:style>
+            <a:lnRef idx="1">
+              <a:schemeClr val="accent1"/>
+            </a:lnRef>
+            <a:fillRef idx="0">
+              <a:schemeClr val="accent1"/>
+            </a:fillRef>
+            <a:effectRef idx="0">
+              <a:schemeClr val="accent1"/>
+            </a:effectRef>
+            <a:fontRef idx="minor">
+              <a:schemeClr val="tx1"/>
+            </a:fontRef>
+          </p:style>
+        </p:cxnSp>
+        <p:sp>
+          <p:nvSpPr>
+            <p:cNvPr id="67" name="TextBox 66"/>
+            <p:cNvSpPr txBox="1"/>
+            <p:nvPr/>
+          </p:nvSpPr>
+          <p:spPr>
+            <a:xfrm>
+              <a:off x="4953000" y="154824"/>
+              <a:ext cx="1371303" cy="369332"/>
+            </a:xfrm>
+            <a:prstGeom prst="rect">
+              <a:avLst/>
+            </a:prstGeom>
+            <a:noFill/>
+          </p:spPr>
+          <p:txBody>
+            <a:bodyPr wrap="square" rtlCol="0">
+              <a:spAutoFit/>
+            </a:bodyPr>
+            <a:lstStyle/>
+            <a:p>
+              <a:r>
+                <a:rPr lang="en-US" dirty="0" smtClean="0"/>
+                <a:t>LCD Screen</a:t>
+              </a:r>
+              <a:endParaRPr lang="en-US" dirty="0"/>
+            </a:p>
+          </p:txBody>
+        </p:sp>
+        <p:cxnSp>
+          <p:nvCxnSpPr>
+            <p:cNvPr id="69" name="Straight Arrow Connector 68"/>
+            <p:cNvCxnSpPr>
+              <a:stCxn id="67" idx="2"/>
+            </p:cNvCxnSpPr>
+            <p:nvPr/>
+          </p:nvCxnSpPr>
+          <p:spPr>
+            <a:xfrm>
+              <a:off x="5638652" y="524156"/>
+              <a:ext cx="304948" cy="314044"/>
+            </a:xfrm>
+            <a:prstGeom prst="straightConnector1">
+              <a:avLst/>
+            </a:prstGeom>
+            <a:ln>
+              <a:solidFill>
+                <a:schemeClr val="tx1"/>
+              </a:solidFill>
+              <a:tailEnd type="arrow"/>
+            </a:ln>
+          </p:spPr>
+          <p:style>
+            <a:lnRef idx="1">
+              <a:schemeClr val="accent1"/>
+            </a:lnRef>
+            <a:fillRef idx="0">
+              <a:schemeClr val="accent1"/>
+            </a:fillRef>
+            <a:effectRef idx="0">
+              <a:schemeClr val="accent1"/>
+            </a:effectRef>
+            <a:fontRef idx="minor">
+              <a:schemeClr val="tx1"/>
+            </a:fontRef>
+          </p:style>
+        </p:cxnSp>
+        <p:sp>
+          <p:nvSpPr>
+            <p:cNvPr id="70" name="TextBox 69"/>
+            <p:cNvSpPr txBox="1"/>
+            <p:nvPr/>
+          </p:nvSpPr>
+          <p:spPr>
+            <a:xfrm>
+              <a:off x="381000" y="52192"/>
+              <a:ext cx="1944164" cy="646331"/>
+            </a:xfrm>
+            <a:prstGeom prst="rect">
+              <a:avLst/>
+            </a:prstGeom>
+            <a:noFill/>
+          </p:spPr>
+          <p:txBody>
+            <a:bodyPr wrap="square" rtlCol="0">
+              <a:spAutoFit/>
+            </a:bodyPr>
+            <a:lstStyle/>
+            <a:p>
+              <a:r>
+                <a:rPr lang="en-US" dirty="0" smtClean="0"/>
+                <a:t>Large 7-Segment Display</a:t>
+              </a:r>
+              <a:endParaRPr lang="en-US" dirty="0"/>
+            </a:p>
+          </p:txBody>
+        </p:sp>
+        <p:cxnSp>
+          <p:nvCxnSpPr>
+            <p:cNvPr id="72" name="Straight Arrow Connector 71"/>
+            <p:cNvCxnSpPr/>
+            <p:nvPr/>
+          </p:nvCxnSpPr>
+          <p:spPr>
+            <a:xfrm>
+              <a:off x="1307350" y="421524"/>
+              <a:ext cx="759278" cy="416676"/>
+            </a:xfrm>
+            <a:prstGeom prst="straightConnector1">
+              <a:avLst/>
+            </a:prstGeom>
+            <a:ln>
+              <a:solidFill>
+                <a:schemeClr val="tx1"/>
+              </a:solidFill>
+              <a:tailEnd type="arrow"/>
+            </a:ln>
+          </p:spPr>
+          <p:style>
+            <a:lnRef idx="1">
+              <a:schemeClr val="accent1"/>
+            </a:lnRef>
+            <a:fillRef idx="0">
+              <a:schemeClr val="accent1"/>
+            </a:fillRef>
+            <a:effectRef idx="0">
+              <a:schemeClr val="accent1"/>
+            </a:effectRef>
+            <a:fontRef idx="minor">
+              <a:schemeClr val="tx1"/>
+            </a:fontRef>
+          </p:style>
+        </p:cxnSp>
+        <p:sp>
+          <p:nvSpPr>
+            <p:cNvPr id="73" name="TextBox 72"/>
+            <p:cNvSpPr txBox="1"/>
+            <p:nvPr/>
+          </p:nvSpPr>
+          <p:spPr>
+            <a:xfrm>
+              <a:off x="4544192" y="3002956"/>
+              <a:ext cx="1198937" cy="646331"/>
+            </a:xfrm>
+            <a:prstGeom prst="rect">
+              <a:avLst/>
+            </a:prstGeom>
+            <a:noFill/>
+          </p:spPr>
+          <p:txBody>
+            <a:bodyPr wrap="square" rtlCol="0">
+              <a:spAutoFit/>
+            </a:bodyPr>
+            <a:lstStyle/>
+            <a:p>
+              <a:r>
+                <a:rPr lang="en-US" dirty="0" smtClean="0"/>
+                <a:t>Hydraulic</a:t>
+              </a:r>
+            </a:p>
+            <a:p>
+              <a:r>
+                <a:rPr lang="en-US" dirty="0" smtClean="0"/>
+                <a:t>Cylinder</a:t>
+              </a:r>
+              <a:endParaRPr lang="en-US" dirty="0"/>
+            </a:p>
+          </p:txBody>
+        </p:sp>
+        <p:cxnSp>
+          <p:nvCxnSpPr>
+            <p:cNvPr id="75" name="Straight Arrow Connector 74"/>
+            <p:cNvCxnSpPr>
+              <a:stCxn id="73" idx="1"/>
+            </p:cNvCxnSpPr>
+            <p:nvPr/>
+          </p:nvCxnSpPr>
+          <p:spPr>
+            <a:xfrm flipH="1" flipV="1">
+              <a:off x="4248880" y="3326121"/>
+              <a:ext cx="295312" cy="1"/>
+            </a:xfrm>
+            <a:prstGeom prst="straightConnector1">
+              <a:avLst/>
+            </a:prstGeom>
+            <a:ln>
+              <a:solidFill>
+                <a:schemeClr val="tx1"/>
+              </a:solidFill>
+              <a:tailEnd type="arrow"/>
+            </a:ln>
+          </p:spPr>
+          <p:style>
+            <a:lnRef idx="1">
+              <a:schemeClr val="accent1"/>
+            </a:lnRef>
+            <a:fillRef idx="0">
+              <a:schemeClr val="accent1"/>
+            </a:fillRef>
+            <a:effectRef idx="0">
+              <a:schemeClr val="accent1"/>
+            </a:effectRef>
+            <a:fontRef idx="minor">
+              <a:schemeClr val="tx1"/>
+            </a:fontRef>
+          </p:style>
+        </p:cxnSp>
+        <p:sp>
+          <p:nvSpPr>
+            <p:cNvPr id="76" name="TextBox 75"/>
+            <p:cNvSpPr txBox="1"/>
+            <p:nvPr/>
+          </p:nvSpPr>
+          <p:spPr>
+            <a:xfrm>
+              <a:off x="76200" y="2514600"/>
+              <a:ext cx="990600" cy="646331"/>
+            </a:xfrm>
+            <a:prstGeom prst="rect">
+              <a:avLst/>
+            </a:prstGeom>
+            <a:noFill/>
+          </p:spPr>
+          <p:txBody>
+            <a:bodyPr wrap="square" rtlCol="0">
+              <a:spAutoFit/>
+            </a:bodyPr>
+            <a:lstStyle/>
+            <a:p>
+              <a:r>
+                <a:rPr lang="en-US" dirty="0" smtClean="0"/>
+                <a:t>Pressure</a:t>
+              </a:r>
+            </a:p>
+            <a:p>
+              <a:r>
+                <a:rPr lang="en-US" dirty="0" smtClean="0"/>
+                <a:t>Line</a:t>
+              </a:r>
+              <a:endParaRPr lang="en-US" dirty="0"/>
+            </a:p>
+          </p:txBody>
+        </p:sp>
+        <p:cxnSp>
+          <p:nvCxnSpPr>
+            <p:cNvPr id="78" name="Straight Arrow Connector 77"/>
+            <p:cNvCxnSpPr>
+              <a:stCxn id="76" idx="2"/>
+            </p:cNvCxnSpPr>
+            <p:nvPr/>
+          </p:nvCxnSpPr>
+          <p:spPr>
+            <a:xfrm>
+              <a:off x="571500" y="3160931"/>
+              <a:ext cx="495300" cy="344269"/>
+            </a:xfrm>
+            <a:prstGeom prst="straightConnector1">
+              <a:avLst/>
+            </a:prstGeom>
+            <a:ln>
+              <a:solidFill>
+                <a:schemeClr val="tx1"/>
+              </a:solidFill>
+              <a:tailEnd type="arrow"/>
+            </a:ln>
+          </p:spPr>
+          <p:style>
+            <a:lnRef idx="1">
+              <a:schemeClr val="accent1"/>
+            </a:lnRef>
+            <a:fillRef idx="0">
+              <a:schemeClr val="accent1"/>
+            </a:fillRef>
+            <a:effectRef idx="0">
+              <a:schemeClr val="accent1"/>
+            </a:effectRef>
+            <a:fontRef idx="minor">
+              <a:schemeClr val="tx1"/>
+            </a:fontRef>
+          </p:style>
+        </p:cxnSp>
+        <p:sp>
+          <p:nvSpPr>
+            <p:cNvPr id="79" name="TextBox 78"/>
+            <p:cNvSpPr txBox="1"/>
+            <p:nvPr/>
+          </p:nvSpPr>
+          <p:spPr>
+            <a:xfrm>
+              <a:off x="76200" y="5181600"/>
+              <a:ext cx="1078750" cy="646331"/>
+            </a:xfrm>
+            <a:prstGeom prst="rect">
+              <a:avLst/>
+            </a:prstGeom>
+            <a:noFill/>
+          </p:spPr>
+          <p:txBody>
+            <a:bodyPr wrap="square" rtlCol="0">
+              <a:spAutoFit/>
+            </a:bodyPr>
+            <a:lstStyle/>
+            <a:p>
+              <a:r>
+                <a:rPr lang="en-US" dirty="0" smtClean="0"/>
+                <a:t>Hydraulic Pump</a:t>
+              </a:r>
+              <a:endParaRPr lang="en-US" dirty="0"/>
+            </a:p>
+          </p:txBody>
+        </p:sp>
+        <p:cxnSp>
+          <p:nvCxnSpPr>
+            <p:cNvPr id="81" name="Straight Arrow Connector 80"/>
+            <p:cNvCxnSpPr/>
+            <p:nvPr/>
+          </p:nvCxnSpPr>
+          <p:spPr>
+            <a:xfrm flipV="1">
+              <a:off x="819150" y="5504765"/>
+              <a:ext cx="533932" cy="103757"/>
+            </a:xfrm>
+            <a:prstGeom prst="straightConnector1">
+              <a:avLst/>
+            </a:prstGeom>
+            <a:ln>
+              <a:solidFill>
+                <a:schemeClr val="tx1"/>
+              </a:solidFill>
+              <a:tailEnd type="arrow"/>
+            </a:ln>
+          </p:spPr>
+          <p:style>
+            <a:lnRef idx="1">
+              <a:schemeClr val="accent1"/>
+            </a:lnRef>
+            <a:fillRef idx="0">
+              <a:schemeClr val="accent1"/>
+            </a:fillRef>
+            <a:effectRef idx="0">
+              <a:schemeClr val="accent1"/>
+            </a:effectRef>
+            <a:fontRef idx="minor">
+              <a:schemeClr val="tx1"/>
+            </a:fontRef>
+          </p:style>
+        </p:cxnSp>
+        <p:sp>
+          <p:nvSpPr>
+            <p:cNvPr id="84" name="TextBox 83"/>
+            <p:cNvSpPr txBox="1"/>
+            <p:nvPr/>
+          </p:nvSpPr>
+          <p:spPr>
+            <a:xfrm>
+              <a:off x="7248524" y="5546525"/>
+              <a:ext cx="1752600" cy="923330"/>
+            </a:xfrm>
+            <a:prstGeom prst="rect">
+              <a:avLst/>
+            </a:prstGeom>
+            <a:noFill/>
+          </p:spPr>
+          <p:txBody>
+            <a:bodyPr wrap="square" rtlCol="0">
+              <a:spAutoFit/>
+            </a:bodyPr>
+            <a:lstStyle/>
+            <a:p>
+              <a:r>
+                <a:rPr lang="en-US" dirty="0" smtClean="0"/>
+                <a:t>3in x 3in Hollow</a:t>
+              </a:r>
+            </a:p>
+            <a:p>
+              <a:r>
+                <a:rPr lang="en-US" dirty="0" smtClean="0"/>
+                <a:t>Steel Tubing Frame</a:t>
+              </a:r>
+              <a:endParaRPr lang="en-US" dirty="0"/>
+            </a:p>
+          </p:txBody>
+        </p:sp>
+        <p:cxnSp>
+          <p:nvCxnSpPr>
+            <p:cNvPr id="86" name="Straight Arrow Connector 85"/>
+            <p:cNvCxnSpPr>
+              <a:stCxn id="84" idx="1"/>
+            </p:cNvCxnSpPr>
+            <p:nvPr/>
+          </p:nvCxnSpPr>
+          <p:spPr>
+            <a:xfrm flipH="1" flipV="1">
+              <a:off x="6859064" y="5712279"/>
+              <a:ext cx="389460" cy="295911"/>
+            </a:xfrm>
+            <a:prstGeom prst="straightConnector1">
+              <a:avLst/>
+            </a:prstGeom>
+            <a:ln>
+              <a:solidFill>
+                <a:schemeClr val="tx1"/>
+              </a:solidFill>
+              <a:tailEnd type="arrow"/>
+            </a:ln>
+          </p:spPr>
+          <p:style>
+            <a:lnRef idx="1">
+              <a:schemeClr val="accent1"/>
+            </a:lnRef>
+            <a:fillRef idx="0">
+              <a:schemeClr val="accent1"/>
+            </a:fillRef>
+            <a:effectRef idx="0">
+              <a:schemeClr val="accent1"/>
+            </a:effectRef>
+            <a:fontRef idx="minor">
+              <a:schemeClr val="tx1"/>
+            </a:fontRef>
+          </p:style>
+        </p:cxnSp>
+        <p:sp>
+          <p:nvSpPr>
+            <p:cNvPr id="88" name="TextBox 87"/>
+            <p:cNvSpPr txBox="1"/>
+            <p:nvPr/>
+          </p:nvSpPr>
+          <p:spPr>
+            <a:xfrm>
+              <a:off x="1448035" y="3886200"/>
+              <a:ext cx="5123918" cy="646331"/>
+            </a:xfrm>
+            <a:prstGeom prst="rect">
+              <a:avLst/>
+            </a:prstGeom>
+          </p:spPr>
+          <p:style>
+            <a:lnRef idx="2">
+              <a:schemeClr val="accent1"/>
+            </a:lnRef>
+            <a:fillRef idx="1">
+              <a:schemeClr val="lt1"/>
+            </a:fillRef>
+            <a:effectRef idx="0">
+              <a:schemeClr val="accent1"/>
+            </a:effectRef>
+            <a:fontRef idx="minor">
+              <a:schemeClr val="dk1"/>
+            </a:fontRef>
+          </p:style>
+          <p:txBody>
+            <a:bodyPr wrap="square" rtlCol="0" anchor="ctr">
+              <a:spAutoFit/>
+            </a:bodyPr>
+            <a:lstStyle/>
+            <a:p>
+              <a:pPr algn="ctr"/>
+              <a:r>
+                <a:rPr lang="en-US" dirty="0" smtClean="0"/>
+                <a:t>Bridge Goes Here</a:t>
+              </a:r>
+            </a:p>
+            <a:p>
+              <a:pPr algn="ctr"/>
+              <a:endParaRPr lang="en-US" dirty="0"/>
+            </a:p>
+          </p:txBody>
+        </p:sp>
+        <p:sp>
+          <p:nvSpPr>
+            <p:cNvPr id="62" name="TextBox 61"/>
+            <p:cNvSpPr txBox="1"/>
+            <p:nvPr/>
+          </p:nvSpPr>
+          <p:spPr>
+            <a:xfrm>
+              <a:off x="1837731" y="6464413"/>
+              <a:ext cx="2698000" cy="369332"/>
+            </a:xfrm>
+            <a:prstGeom prst="rect">
+              <a:avLst/>
+            </a:prstGeom>
+            <a:noFill/>
+          </p:spPr>
+          <p:txBody>
+            <a:bodyPr wrap="square" rtlCol="0">
+              <a:spAutoFit/>
+            </a:bodyPr>
+            <a:lstStyle/>
+            <a:p>
+              <a:r>
+                <a:rPr lang="en-US" dirty="0" smtClean="0"/>
+                <a:t>Large Castors</a:t>
+              </a:r>
+              <a:endParaRPr lang="en-US" dirty="0"/>
+            </a:p>
+          </p:txBody>
+        </p:sp>
+        <p:cxnSp>
+          <p:nvCxnSpPr>
+            <p:cNvPr id="65" name="Straight Arrow Connector 64"/>
+            <p:cNvCxnSpPr>
+              <a:stCxn id="62" idx="1"/>
+            </p:cNvCxnSpPr>
+            <p:nvPr/>
+          </p:nvCxnSpPr>
+          <p:spPr>
+            <a:xfrm flipH="1" flipV="1">
+              <a:off x="1353082" y="6481083"/>
+              <a:ext cx="484649" cy="167996"/>
+            </a:xfrm>
+            <a:prstGeom prst="straightConnector1">
+              <a:avLst/>
+            </a:prstGeom>
+            <a:ln>
+              <a:solidFill>
+                <a:schemeClr val="tx1"/>
+              </a:solidFill>
+              <a:tailEnd type="arrow"/>
+            </a:ln>
+          </p:spPr>
+          <p:style>
+            <a:lnRef idx="1">
+              <a:schemeClr val="accent1"/>
+            </a:lnRef>
+            <a:fillRef idx="0">
+              <a:schemeClr val="accent1"/>
+            </a:fillRef>
+            <a:effectRef idx="0">
+              <a:schemeClr val="accent1"/>
+            </a:effectRef>
+            <a:fontRef idx="minor">
+              <a:schemeClr val="tx1"/>
+            </a:fontRef>
+          </p:style>
+        </p:cxnSp>
+        <p:sp>
+          <p:nvSpPr>
+            <p:cNvPr id="3" name="TextBox 2"/>
+            <p:cNvSpPr txBox="1"/>
+            <p:nvPr/>
+          </p:nvSpPr>
+          <p:spPr>
+            <a:xfrm rot="1264230">
+              <a:off x="935383" y="3303656"/>
+              <a:ext cx="7737375" cy="707886"/>
+            </a:xfrm>
+            <a:prstGeom prst="rect">
+              <a:avLst/>
+            </a:prstGeom>
+            <a:noFill/>
+          </p:spPr>
+          <p:txBody>
+            <a:bodyPr wrap="none" rtlCol="0">
+              <a:spAutoFit/>
+            </a:bodyPr>
+            <a:lstStyle/>
+            <a:p>
+              <a:r>
+                <a:rPr lang="en-US" sz="4000" dirty="0" smtClean="0">
+                  <a:solidFill>
+                    <a:srgbClr val="00B0F0"/>
+                  </a:solidFill>
+                </a:rPr>
+                <a:t>To be replaced with picture of frame</a:t>
+              </a:r>
+              <a:endParaRPr lang="en-US" sz="4000" dirty="0">
+                <a:solidFill>
+                  <a:srgbClr val="00B0F0"/>
+                </a:solidFill>
+              </a:endParaRPr>
+            </a:p>
+          </p:txBody>
+        </p:sp>
+      </p:grpSp>
+      <p:sp>
+        <p:nvSpPr>
+          <p:cNvPr id="8" name="TextBox 7"/>
+          <p:cNvSpPr txBox="1"/>
+          <p:nvPr/>
+        </p:nvSpPr>
+        <p:spPr>
+          <a:xfrm>
+            <a:off x="2878395" y="152400"/>
+            <a:ext cx="3191195" cy="646331"/>
+          </a:xfrm>
+          <a:prstGeom prst="rect">
+            <a:avLst/>
+          </a:prstGeom>
+          <a:noFill/>
+        </p:spPr>
+        <p:txBody>
+          <a:bodyPr wrap="none" rtlCol="0">
+            <a:spAutoFit/>
+          </a:bodyPr>
+          <a:lstStyle/>
+          <a:p>
+            <a:r>
+              <a:rPr lang="en-US" sz="3600" dirty="0" smtClean="0"/>
+              <a:t>System Diagram</a:t>
+            </a:r>
+            <a:endParaRPr lang="en-US" sz="3600" dirty="0"/>
+          </a:p>
+        </p:txBody>
+      </p:sp>
+    </p:spTree>
+    <p:extLst>
+      <p:ext uri="{BB962C8B-B14F-4D97-AF65-F5344CB8AC3E}">
+        <p14:creationId xmlns:p14="http://schemas.microsoft.com/office/powerpoint/2010/main" val="2995993518"/>
+      </p:ext>
+    </p:extLst>
+  </p:cSld>
+  <p:clrMapOvr>
+    <a:masterClrMapping/>
+  </p:clrMapOvr>
+  <p:timing>
+    <p:tnLst>
+      <p:par>
+        <p:cTn id="1" dur="indefinite" restart="never" nodeType="tmRoot"/>
+      </p:par>
+    </p:tnLst>
+  </p:timing>
+</p:sld>
+</file>
+
+<file path=ppt/slides/slide8.xml><?xml version="1.0" encoding="utf-8"?>
+<p:sld xmlns:a="http://schemas.openxmlformats.org/drawingml/2006/main" xmlns:r="http://schemas.openxmlformats.org/officeDocument/2006/relationships" xmlns:p="http://schemas.openxmlformats.org/presentationml/2006/main">
+  <p:cSld>
+    <p:spTree>
+      <p:nvGrpSpPr>
+        <p:cNvPr id="1" name=""/>
+        <p:cNvGrpSpPr/>
+        <p:nvPr/>
+      </p:nvGrpSpPr>
+      <p:grpSpPr>
+        <a:xfrm>
+          <a:off x="0" y="0"/>
+          <a:ext cx="0" cy="0"/>
+          <a:chOff x="0" y="0"/>
+          <a:chExt cx="0" cy="0"/>
+        </a:xfrm>
+      </p:grpSpPr>
       <p:sp>
         <p:nvSpPr>
           <p:cNvPr id="2" name="Title 1"/>
@@ -12080,9 +12233,16 @@
             <p:ph type="title"/>
           </p:nvPr>
         </p:nvSpPr>
-        <p:spPr/>
+        <p:spPr>
+          <a:xfrm>
+            <a:off x="457200" y="274638"/>
+            <a:ext cx="8229600" cy="715962"/>
+          </a:xfrm>
+        </p:spPr>
         <p:txBody>
-          <a:bodyPr/>
+          <a:bodyPr>
+            <a:normAutofit fontScale="90000"/>
+          </a:bodyPr>
           <a:lstStyle/>
           <a:p>
             <a:r>
@@ -12884,6 +13044,36 @@
           </a:graphicData>
         </a:graphic>
       </p:graphicFrame>
+      <p:sp>
+        <p:nvSpPr>
+          <p:cNvPr id="3" name="TextBox 2"/>
+          <p:cNvSpPr txBox="1"/>
+          <p:nvPr/>
+        </p:nvSpPr>
+        <p:spPr>
+          <a:xfrm>
+            <a:off x="457200" y="1364343"/>
+            <a:ext cx="8061759" cy="369332"/>
+          </a:xfrm>
+          <a:prstGeom prst="rect">
+            <a:avLst/>
+          </a:prstGeom>
+          <a:noFill/>
+        </p:spPr>
+        <p:txBody>
+          <a:bodyPr wrap="none" rtlCol="0">
+            <a:spAutoFit/>
+          </a:bodyPr>
+          <a:lstStyle/>
+          <a:p>
+            <a:r>
+              <a:rPr lang="en-US" dirty="0" smtClean="0"/>
+              <a:t>Work will mainly be done by the next available person, so responsibilities may shift.</a:t>
+            </a:r>
+            <a:endParaRPr lang="en-US" dirty="0"/>
+          </a:p>
+        </p:txBody>
+      </p:sp>
     </p:spTree>
     <p:extLst>
       <p:ext uri="{BB962C8B-B14F-4D97-AF65-F5344CB8AC3E}">
@@ -12904,7 +13094,7 @@
 </p:sld>
 </file>
 
-<file path=ppt/slides/slide8.xml><?xml version="1.0" encoding="utf-8"?>
+<file path=ppt/slides/slide9.xml><?xml version="1.0" encoding="utf-8"?>
 <p:sld xmlns:a="http://schemas.openxmlformats.org/drawingml/2006/main" xmlns:r="http://schemas.openxmlformats.org/officeDocument/2006/relationships" xmlns:p="http://schemas.openxmlformats.org/presentationml/2006/main">
   <p:cSld>
     <p:spTree>
@@ -20008,269 +20198,6 @@
   <p:transition spd="slow">
     <p:cut/>
   </p:transition>
-  <p:timing>
-    <p:tnLst>
-      <p:par>
-        <p:cTn id="1" dur="indefinite" restart="never" nodeType="tmRoot"/>
-      </p:par>
-    </p:tnLst>
-  </p:timing>
-</p:sld>
-</file>
-
-<file path=ppt/slides/slide9.xml><?xml version="1.0" encoding="utf-8"?>
-<p:sld xmlns:a="http://schemas.openxmlformats.org/drawingml/2006/main" xmlns:r="http://schemas.openxmlformats.org/officeDocument/2006/relationships" xmlns:p="http://schemas.openxmlformats.org/presentationml/2006/main">
-  <p:cSld>
-    <p:spTree>
-      <p:nvGrpSpPr>
-        <p:cNvPr id="1" name=""/>
-        <p:cNvGrpSpPr/>
-        <p:nvPr/>
-      </p:nvGrpSpPr>
-      <p:grpSpPr>
-        <a:xfrm>
-          <a:off x="0" y="0"/>
-          <a:ext cx="0" cy="0"/>
-          <a:chOff x="0" y="0"/>
-          <a:chExt cx="0" cy="0"/>
-        </a:xfrm>
-      </p:grpSpPr>
-      <p:sp>
-        <p:nvSpPr>
-          <p:cNvPr id="2" name="Title 1"/>
-          <p:cNvSpPr>
-            <a:spLocks noGrp="1"/>
-          </p:cNvSpPr>
-          <p:nvPr>
-            <p:ph type="title"/>
-          </p:nvPr>
-        </p:nvSpPr>
-        <p:spPr>
-          <a:xfrm>
-            <a:off x="457201" y="-228600"/>
-            <a:ext cx="8229600" cy="1143000"/>
-          </a:xfrm>
-        </p:spPr>
-        <p:txBody>
-          <a:bodyPr/>
-          <a:lstStyle/>
-          <a:p>
-            <a:r>
-              <a:rPr lang="en-US" dirty="0" smtClean="0"/>
-              <a:t>Project Management</a:t>
-            </a:r>
-            <a:endParaRPr lang="en-US" dirty="0"/>
-          </a:p>
-        </p:txBody>
-      </p:sp>
-      <p:sp>
-        <p:nvSpPr>
-          <p:cNvPr id="3" name="Content Placeholder 2"/>
-          <p:cNvSpPr>
-            <a:spLocks noGrp="1"/>
-          </p:cNvSpPr>
-          <p:nvPr>
-            <p:ph idx="1"/>
-          </p:nvPr>
-        </p:nvSpPr>
-        <p:spPr/>
-        <p:txBody>
-          <a:bodyPr/>
-          <a:lstStyle/>
-          <a:p>
-            <a:r>
-              <a:rPr lang="en-US" dirty="0" smtClean="0"/>
-              <a:t>Put </a:t>
-            </a:r>
-            <a:r>
-              <a:rPr lang="en-US" dirty="0" err="1" smtClean="0"/>
-              <a:t>Gaant</a:t>
-            </a:r>
-            <a:r>
-              <a:rPr lang="en-US" dirty="0" smtClean="0"/>
-              <a:t> chart screen shot here</a:t>
-            </a:r>
-            <a:endParaRPr lang="en-US" dirty="0"/>
-          </a:p>
-        </p:txBody>
-      </p:sp>
-      <p:pic>
-        <p:nvPicPr>
-          <p:cNvPr id="1027" name="Picture 3"/>
-          <p:cNvPicPr>
-            <a:picLocks noChangeAspect="1" noChangeArrowheads="1"/>
-          </p:cNvPicPr>
-          <p:nvPr/>
-        </p:nvPicPr>
-        <p:blipFill rotWithShape="1">
-          <a:blip r:embed="rId3">
-            <a:extLst>
-              <a:ext uri="{28A0092B-C50C-407E-A947-70E740481C1C}">
-                <a14:useLocalDpi xmlns:a14="http://schemas.microsoft.com/office/drawing/2010/main" val="0"/>
-              </a:ext>
-            </a:extLst>
-          </a:blip>
-          <a:srcRect l="32777" t="25741" r="12649" b="22593"/>
-          <a:stretch/>
-        </p:blipFill>
-        <p:spPr bwMode="auto">
-          <a:xfrm>
-            <a:off x="1" y="1371600"/>
-            <a:ext cx="9144000" cy="5314950"/>
-          </a:xfrm>
-          <a:prstGeom prst="rect">
-            <a:avLst/>
-          </a:prstGeom>
-          <a:noFill/>
-          <a:ln>
-            <a:noFill/>
-          </a:ln>
-          <a:extLst>
-            <a:ext uri="{909E8E84-426E-40DD-AFC4-6F175D3DCCD1}">
-              <a14:hiddenFill xmlns:a14="http://schemas.microsoft.com/office/drawing/2010/main">
-                <a:solidFill>
-                  <a:schemeClr val="accent1"/>
-                </a:solidFill>
-              </a14:hiddenFill>
-            </a:ext>
-            <a:ext uri="{91240B29-F687-4F45-9708-019B960494DF}">
-              <a14:hiddenLine xmlns:a14="http://schemas.microsoft.com/office/drawing/2010/main" w="9525">
-                <a:solidFill>
-                  <a:schemeClr val="tx1"/>
-                </a:solidFill>
-                <a:miter lim="800000"/>
-                <a:headEnd/>
-                <a:tailEnd/>
-              </a14:hiddenLine>
-            </a:ext>
-          </a:extLst>
-        </p:spPr>
-      </p:pic>
-      <p:sp>
-        <p:nvSpPr>
-          <p:cNvPr id="4" name="TextBox 3"/>
-          <p:cNvSpPr txBox="1"/>
-          <p:nvPr/>
-        </p:nvSpPr>
-        <p:spPr>
-          <a:xfrm>
-            <a:off x="685800" y="4572000"/>
-            <a:ext cx="1370055" cy="1200329"/>
-          </a:xfrm>
-          <a:prstGeom prst="rect">
-            <a:avLst/>
-          </a:prstGeom>
-          <a:noFill/>
-        </p:spPr>
-        <p:txBody>
-          <a:bodyPr wrap="none" rtlCol="0">
-            <a:spAutoFit/>
-          </a:bodyPr>
-          <a:lstStyle/>
-          <a:p>
-            <a:r>
-              <a:rPr lang="en-US" sz="3600" b="1" dirty="0" smtClean="0">
-                <a:solidFill>
-                  <a:schemeClr val="tx2">
-                    <a:lumMod val="60000"/>
-                    <a:lumOff val="40000"/>
-                  </a:schemeClr>
-                </a:solidFill>
-              </a:rPr>
-              <a:t>Carter</a:t>
-            </a:r>
-            <a:br>
-              <a:rPr lang="en-US" sz="3600" b="1" dirty="0" smtClean="0">
-                <a:solidFill>
-                  <a:schemeClr val="tx2">
-                    <a:lumMod val="60000"/>
-                    <a:lumOff val="40000"/>
-                  </a:schemeClr>
-                </a:solidFill>
-              </a:rPr>
-            </a:br>
-            <a:r>
-              <a:rPr lang="en-US" sz="3600" b="1" dirty="0" smtClean="0">
-                <a:solidFill>
-                  <a:schemeClr val="accent3">
-                    <a:lumMod val="60000"/>
-                    <a:lumOff val="40000"/>
-                  </a:schemeClr>
-                </a:solidFill>
-              </a:rPr>
-              <a:t>Ben</a:t>
-            </a:r>
-            <a:endParaRPr lang="en-US" sz="3600" b="1" dirty="0">
-              <a:solidFill>
-                <a:schemeClr val="accent3">
-                  <a:lumMod val="60000"/>
-                  <a:lumOff val="40000"/>
-                </a:schemeClr>
-              </a:solidFill>
-            </a:endParaRPr>
-          </a:p>
-        </p:txBody>
-      </p:sp>
-      <p:sp>
-        <p:nvSpPr>
-          <p:cNvPr id="6" name="Title 1"/>
-          <p:cNvSpPr txBox="1">
-            <a:spLocks/>
-          </p:cNvSpPr>
-          <p:nvPr/>
-        </p:nvSpPr>
-        <p:spPr>
-          <a:xfrm>
-            <a:off x="457201" y="381000"/>
-            <a:ext cx="8229600" cy="1143000"/>
-          </a:xfrm>
-          <a:prstGeom prst="rect">
-            <a:avLst/>
-          </a:prstGeom>
-        </p:spPr>
-        <p:txBody>
-          <a:bodyPr vert="horz" lIns="91440" tIns="45720" rIns="91440" bIns="45720" rtlCol="0" anchor="ctr">
-            <a:normAutofit/>
-          </a:bodyPr>
-          <a:lstStyle>
-            <a:lvl1pPr algn="ctr" defTabSz="914400" rtl="0" eaLnBrk="1" latinLnBrk="0" hangingPunct="1">
-              <a:spcBef>
-                <a:spcPct val="0"/>
-              </a:spcBef>
-              <a:buNone/>
-              <a:defRPr sz="4400" kern="1200">
-                <a:solidFill>
-                  <a:schemeClr val="tx1"/>
-                </a:solidFill>
-                <a:latin typeface="+mj-lt"/>
-                <a:ea typeface="+mj-ea"/>
-                <a:cs typeface="+mj-cs"/>
-              </a:defRPr>
-            </a:lvl1pPr>
-          </a:lstStyle>
-          <a:p>
-            <a:r>
-              <a:rPr lang="en-US" sz="2800" dirty="0" smtClean="0"/>
-              <a:t>Project managed on </a:t>
-            </a:r>
-            <a:r>
-              <a:rPr lang="en-US" sz="2800" dirty="0" err="1" smtClean="0"/>
-              <a:t>GitHub</a:t>
-            </a:r>
-            <a:endParaRPr lang="en-US" sz="2800" dirty="0"/>
-          </a:p>
-        </p:txBody>
-      </p:sp>
-    </p:spTree>
-    <p:extLst>
-      <p:ext uri="{BB962C8B-B14F-4D97-AF65-F5344CB8AC3E}">
-        <p14:creationId xmlns:p14="http://schemas.microsoft.com/office/powerpoint/2010/main" val="3233135901"/>
-      </p:ext>
-    </p:extLst>
-  </p:cSld>
-  <p:clrMapOvr>
-    <a:masterClrMapping/>
-  </p:clrMapOvr>
   <p:timing>
     <p:tnLst>
       <p:par>
